--- a/asset/Learn/ITA-CICD_for_lac_en.pptx
+++ b/asset/Learn/ITA-CICD_for_lac_en.pptx
@@ -270,7 +270,7 @@
               <a:rPr kumimoji="1" lang="ja-JP" altLang="en-US" smtClean="0">
                 <a:ea typeface="メイリオ" panose="020B0604030504040204" pitchFamily="50" charset="-128"/>
               </a:rPr>
-              <a:t>2021/12/10</a:t>
+              <a:t>2022/1/28</a:t>
             </a:fld>
             <a:endParaRPr kumimoji="1" lang="ja-JP" altLang="en-US" dirty="0">
               <a:ea typeface="メイリオ" panose="020B0604030504040204" pitchFamily="50" charset="-128"/>
@@ -416,7 +416,7 @@
             <a:fld id="{4B26993D-C081-44EB-B0F5-A9F467792B62}" type="datetimeFigureOut">
               <a:rPr lang="ja-JP" altLang="en-US" smtClean="0"/>
               <a:pPr/>
-              <a:t>2021/12/10</a:t>
+              <a:t>2022/1/28</a:t>
             </a:fld>
             <a:endParaRPr lang="ja-JP" altLang="en-US" dirty="0"/>
           </a:p>
@@ -1039,7 +1039,7 @@
           <a:p>
             <a:fld id="{56F9016B-CCA6-43BE-8BEE-59565A35F4F7}" type="datetimeFigureOut">
               <a:rPr kumimoji="1" lang="ja-JP" altLang="en-US" smtClean="0"/>
-              <a:t>2021/12/10</a:t>
+              <a:t>2022/1/28</a:t>
             </a:fld>
             <a:endParaRPr kumimoji="1" lang="ja-JP" altLang="en-US"/>
           </a:p>
@@ -1241,7 +1241,7 @@
           <a:p>
             <a:fld id="{56F9016B-CCA6-43BE-8BEE-59565A35F4F7}" type="datetimeFigureOut">
               <a:rPr kumimoji="1" lang="ja-JP" altLang="en-US" smtClean="0"/>
-              <a:t>2021/12/10</a:t>
+              <a:t>2022/1/28</a:t>
             </a:fld>
             <a:endParaRPr kumimoji="1" lang="ja-JP" altLang="en-US"/>
           </a:p>
@@ -1487,7 +1487,7 @@
           <a:p>
             <a:fld id="{56F9016B-CCA6-43BE-8BEE-59565A35F4F7}" type="datetimeFigureOut">
               <a:rPr kumimoji="1" lang="ja-JP" altLang="en-US" smtClean="0"/>
-              <a:t>2021/12/10</a:t>
+              <a:t>2022/1/28</a:t>
             </a:fld>
             <a:endParaRPr kumimoji="1" lang="ja-JP" altLang="en-US"/>
           </a:p>
@@ -1783,7 +1783,7 @@
           <a:p>
             <a:fld id="{56F9016B-CCA6-43BE-8BEE-59565A35F4F7}" type="datetimeFigureOut">
               <a:rPr kumimoji="1" lang="ja-JP" altLang="en-US" smtClean="0"/>
-              <a:t>2021/12/10</a:t>
+              <a:t>2022/1/28</a:t>
             </a:fld>
             <a:endParaRPr kumimoji="1" lang="ja-JP" altLang="en-US"/>
           </a:p>
@@ -2214,7 +2214,7 @@
           <a:p>
             <a:fld id="{56F9016B-CCA6-43BE-8BEE-59565A35F4F7}" type="datetimeFigureOut">
               <a:rPr kumimoji="1" lang="ja-JP" altLang="en-US" smtClean="0"/>
-              <a:t>2021/12/10</a:t>
+              <a:t>2022/1/28</a:t>
             </a:fld>
             <a:endParaRPr kumimoji="1" lang="ja-JP" altLang="en-US"/>
           </a:p>
@@ -2332,7 +2332,7 @@
           <a:p>
             <a:fld id="{56F9016B-CCA6-43BE-8BEE-59565A35F4F7}" type="datetimeFigureOut">
               <a:rPr kumimoji="1" lang="ja-JP" altLang="en-US" smtClean="0"/>
-              <a:t>2021/12/10</a:t>
+              <a:t>2022/1/28</a:t>
             </a:fld>
             <a:endParaRPr kumimoji="1" lang="ja-JP" altLang="en-US"/>
           </a:p>
@@ -2427,7 +2427,7 @@
           <a:p>
             <a:fld id="{56F9016B-CCA6-43BE-8BEE-59565A35F4F7}" type="datetimeFigureOut">
               <a:rPr kumimoji="1" lang="ja-JP" altLang="en-US" smtClean="0"/>
-              <a:t>2021/12/10</a:t>
+              <a:t>2022/1/28</a:t>
             </a:fld>
             <a:endParaRPr kumimoji="1" lang="ja-JP" altLang="en-US"/>
           </a:p>
@@ -2736,7 +2736,7 @@
           <a:p>
             <a:fld id="{56F9016B-CCA6-43BE-8BEE-59565A35F4F7}" type="datetimeFigureOut">
               <a:rPr kumimoji="1" lang="ja-JP" altLang="en-US" smtClean="0"/>
-              <a:t>2021/12/10</a:t>
+              <a:t>2022/1/28</a:t>
             </a:fld>
             <a:endParaRPr kumimoji="1" lang="ja-JP" altLang="en-US"/>
           </a:p>
@@ -2989,7 +2989,7 @@
           <a:p>
             <a:fld id="{56F9016B-CCA6-43BE-8BEE-59565A35F4F7}" type="datetimeFigureOut">
               <a:rPr kumimoji="1" lang="ja-JP" altLang="en-US" smtClean="0"/>
-              <a:t>2021/12/10</a:t>
+              <a:t>2022/1/28</a:t>
             </a:fld>
             <a:endParaRPr kumimoji="1" lang="ja-JP" altLang="en-US"/>
           </a:p>
@@ -3266,7 +3266,7 @@
           <a:p>
             <a:fld id="{56F9016B-CCA6-43BE-8BEE-59565A35F4F7}" type="datetimeFigureOut">
               <a:rPr kumimoji="1" lang="ja-JP" altLang="en-US" smtClean="0"/>
-              <a:t>2021/12/10</a:t>
+              <a:t>2022/1/28</a:t>
             </a:fld>
             <a:endParaRPr kumimoji="1" lang="ja-JP" altLang="en-US"/>
           </a:p>
@@ -3478,7 +3478,7 @@
           <a:p>
             <a:fld id="{56F9016B-CCA6-43BE-8BEE-59565A35F4F7}" type="datetimeFigureOut">
               <a:rPr kumimoji="1" lang="ja-JP" altLang="en-US" smtClean="0"/>
-              <a:t>2021/12/10</a:t>
+              <a:t>2022/1/28</a:t>
             </a:fld>
             <a:endParaRPr kumimoji="1" lang="ja-JP" altLang="en-US"/>
           </a:p>
@@ -6537,7 +6537,7 @@
           <a:p>
             <a:fld id="{56F9016B-CCA6-43BE-8BEE-59565A35F4F7}" type="datetimeFigureOut">
               <a:rPr kumimoji="1" lang="ja-JP" altLang="en-US" smtClean="0"/>
-              <a:t>2021/12/10</a:t>
+              <a:t>2022/1/28</a:t>
             </a:fld>
             <a:endParaRPr kumimoji="1" lang="ja-JP" altLang="en-US"/>
           </a:p>
@@ -6970,17 +6970,14 @@
           <a:lstStyle/>
           <a:p>
             <a:r>
-              <a:rPr lang="en-US" altLang="ja-JP" dirty="0" err="1"/>
-              <a:t>Exastro</a:t>
-            </a:r>
-            <a:r>
               <a:rPr lang="en-US" altLang="ja-JP" dirty="0"/>
-              <a:t> IT Automation Version </a:t>
+              <a:t>Exastro IT Automation Version </a:t>
             </a:r>
             <a:r>
               <a:rPr lang="en-US" altLang="ja-JP" dirty="0" smtClean="0"/>
-              <a:t>1.8</a:t>
-            </a:r>
+              <a:t>1.9</a:t>
+            </a:r>
+            <a:endParaRPr lang="en-US" altLang="ja-JP" dirty="0" smtClean="0"/>
           </a:p>
           <a:p>
             <a:r>
@@ -9605,7 +9602,7 @@
       </p:grpSpPr>
       <p:pic>
         <p:nvPicPr>
-          <p:cNvPr id="4" name="図 3"/>
+          <p:cNvPr id="8" name="図 7"/>
           <p:cNvPicPr>
             <a:picLocks noChangeAspect="1"/>
           </p:cNvPicPr>
@@ -9619,8 +9616,8 @@
         </p:blipFill>
         <p:spPr>
           <a:xfrm>
-            <a:off x="185567" y="2031571"/>
-            <a:ext cx="7054046" cy="4351628"/>
+            <a:off x="179267" y="2031571"/>
+            <a:ext cx="8209263" cy="4353794"/>
           </a:xfrm>
           <a:prstGeom prst="rect">
             <a:avLst/>
@@ -9905,8 +9902,8 @@
         </p:nvSpPr>
         <p:spPr bwMode="auto">
           <a:xfrm>
-            <a:off x="3420206" y="4106549"/>
-            <a:ext cx="535612" cy="589173"/>
+            <a:off x="4024196" y="4526416"/>
+            <a:ext cx="535612" cy="648090"/>
           </a:xfrm>
           <a:prstGeom prst="rect">
             <a:avLst/>
@@ -11097,19 +11094,34 @@
             </a:r>
             <a:r>
               <a:rPr lang="en-US" altLang="ja-JP" sz="1600" dirty="0" smtClean="0"/>
-              <a:t>This menu manages the account information needed to access the cloned files with ITA’s RestAPI.</a:t>
+              <a:t>This menu manages the account information needed </a:t>
+            </a:r>
+            <a:r>
+              <a:rPr lang="en-US" altLang="ja-JP" sz="1600" dirty="0" smtClean="0"/>
+              <a:t>to</a:t>
             </a:r>
             <a:br>
               <a:rPr lang="en-US" altLang="ja-JP" sz="1600" dirty="0" smtClean="0"/>
             </a:br>
             <a:r>
               <a:rPr lang="en-US" altLang="ja-JP" sz="1600" dirty="0" smtClean="0"/>
-              <a:t/>
+              <a:t>   access </a:t>
+            </a:r>
+            <a:r>
+              <a:rPr lang="en-US" altLang="ja-JP" sz="1600" dirty="0" smtClean="0"/>
+              <a:t>the cloned files with ITA’s RestAPI.</a:t>
             </a:r>
             <a:br>
               <a:rPr lang="en-US" altLang="ja-JP" sz="1600" dirty="0" smtClean="0"/>
             </a:br>
             <a:r>
+              <a:rPr lang="en-US" altLang="ja-JP" sz="1600" dirty="0" smtClean="0"/>
+              <a:t/>
+            </a:r>
+            <a:br>
+              <a:rPr lang="en-US" altLang="ja-JP" sz="1600" dirty="0" smtClean="0"/>
+            </a:br>
+            <a:r>
               <a:rPr lang="ja-JP" altLang="en-US" b="1" dirty="0" smtClean="0"/>
               <a:t>③</a:t>
             </a:r>
@@ -11125,7 +11137,22 @@
             </a:r>
             <a:r>
               <a:rPr lang="en-US" altLang="ja-JP" sz="1600" dirty="0" smtClean="0"/>
-              <a:t>This menu manages the link information between the source files and the cloned files.</a:t>
+              <a:t>This menu manages the link information between </a:t>
+            </a:r>
+            <a:r>
+              <a:rPr lang="en-US" altLang="ja-JP" sz="1600" dirty="0" smtClean="0"/>
+              <a:t>the</a:t>
+            </a:r>
+            <a:br>
+              <a:rPr lang="en-US" altLang="ja-JP" sz="1600" dirty="0" smtClean="0"/>
+            </a:br>
+            <a:r>
+              <a:rPr lang="en-US" altLang="ja-JP" sz="1600" dirty="0" smtClean="0"/>
+              <a:t>   source </a:t>
+            </a:r>
+            <a:r>
+              <a:rPr lang="en-US" altLang="ja-JP" sz="1600" dirty="0" smtClean="0"/>
+              <a:t>files and the cloned files.</a:t>
             </a:r>
           </a:p>
         </p:txBody>

--- a/asset/Learn/ITA-CICD_for_lac_en.pptx
+++ b/asset/Learn/ITA-CICD_for_lac_en.pptx
@@ -6,10 +6,10 @@
     <p:sldMasterId id="2147483703" r:id="rId2"/>
   </p:sldMasterIdLst>
   <p:notesMasterIdLst>
-    <p:notesMasterId r:id="rId17"/>
+    <p:notesMasterId r:id="rId18"/>
   </p:notesMasterIdLst>
   <p:handoutMasterIdLst>
-    <p:handoutMasterId r:id="rId18"/>
+    <p:handoutMasterId r:id="rId19"/>
   </p:handoutMasterIdLst>
   <p:sldIdLst>
     <p:sldId id="262" r:id="rId3"/>
@@ -22,10 +22,11 @@
     <p:sldId id="689" r:id="rId10"/>
     <p:sldId id="700" r:id="rId11"/>
     <p:sldId id="691" r:id="rId12"/>
-    <p:sldId id="692" r:id="rId13"/>
-    <p:sldId id="701" r:id="rId14"/>
-    <p:sldId id="688" r:id="rId15"/>
-    <p:sldId id="318" r:id="rId16"/>
+    <p:sldId id="704" r:id="rId13"/>
+    <p:sldId id="692" r:id="rId14"/>
+    <p:sldId id="701" r:id="rId15"/>
+    <p:sldId id="688" r:id="rId16"/>
+    <p:sldId id="318" r:id="rId17"/>
   </p:sldIdLst>
   <p:sldSz cx="9144000" cy="6858000" type="screen4x3"/>
   <p:notesSz cx="6807200" cy="9939338"/>
@@ -270,7 +271,7 @@
               <a:rPr kumimoji="1" lang="ja-JP" altLang="en-US" smtClean="0">
                 <a:ea typeface="メイリオ" panose="020B0604030504040204" pitchFamily="50" charset="-128"/>
               </a:rPr>
-              <a:t>2022/1/28</a:t>
+              <a:t>2022/6/29</a:t>
             </a:fld>
             <a:endParaRPr kumimoji="1" lang="ja-JP" altLang="en-US" dirty="0">
               <a:ea typeface="メイリオ" panose="020B0604030504040204" pitchFamily="50" charset="-128"/>
@@ -416,7 +417,7 @@
             <a:fld id="{4B26993D-C081-44EB-B0F5-A9F467792B62}" type="datetimeFigureOut">
               <a:rPr lang="ja-JP" altLang="en-US" smtClean="0"/>
               <a:pPr/>
-              <a:t>2022/1/28</a:t>
+              <a:t>2022/6/29</a:t>
             </a:fld>
             <a:endParaRPr lang="ja-JP" altLang="en-US" dirty="0"/>
           </a:p>
@@ -1039,7 +1040,7 @@
           <a:p>
             <a:fld id="{56F9016B-CCA6-43BE-8BEE-59565A35F4F7}" type="datetimeFigureOut">
               <a:rPr kumimoji="1" lang="ja-JP" altLang="en-US" smtClean="0"/>
-              <a:t>2022/1/28</a:t>
+              <a:t>2022/6/29</a:t>
             </a:fld>
             <a:endParaRPr kumimoji="1" lang="ja-JP" altLang="en-US"/>
           </a:p>
@@ -1241,7 +1242,7 @@
           <a:p>
             <a:fld id="{56F9016B-CCA6-43BE-8BEE-59565A35F4F7}" type="datetimeFigureOut">
               <a:rPr kumimoji="1" lang="ja-JP" altLang="en-US" smtClean="0"/>
-              <a:t>2022/1/28</a:t>
+              <a:t>2022/6/29</a:t>
             </a:fld>
             <a:endParaRPr kumimoji="1" lang="ja-JP" altLang="en-US"/>
           </a:p>
@@ -1487,7 +1488,7 @@
           <a:p>
             <a:fld id="{56F9016B-CCA6-43BE-8BEE-59565A35F4F7}" type="datetimeFigureOut">
               <a:rPr kumimoji="1" lang="ja-JP" altLang="en-US" smtClean="0"/>
-              <a:t>2022/1/28</a:t>
+              <a:t>2022/6/29</a:t>
             </a:fld>
             <a:endParaRPr kumimoji="1" lang="ja-JP" altLang="en-US"/>
           </a:p>
@@ -1783,7 +1784,7 @@
           <a:p>
             <a:fld id="{56F9016B-CCA6-43BE-8BEE-59565A35F4F7}" type="datetimeFigureOut">
               <a:rPr kumimoji="1" lang="ja-JP" altLang="en-US" smtClean="0"/>
-              <a:t>2022/1/28</a:t>
+              <a:t>2022/6/29</a:t>
             </a:fld>
             <a:endParaRPr kumimoji="1" lang="ja-JP" altLang="en-US"/>
           </a:p>
@@ -2214,7 +2215,7 @@
           <a:p>
             <a:fld id="{56F9016B-CCA6-43BE-8BEE-59565A35F4F7}" type="datetimeFigureOut">
               <a:rPr kumimoji="1" lang="ja-JP" altLang="en-US" smtClean="0"/>
-              <a:t>2022/1/28</a:t>
+              <a:t>2022/6/29</a:t>
             </a:fld>
             <a:endParaRPr kumimoji="1" lang="ja-JP" altLang="en-US"/>
           </a:p>
@@ -2332,7 +2333,7 @@
           <a:p>
             <a:fld id="{56F9016B-CCA6-43BE-8BEE-59565A35F4F7}" type="datetimeFigureOut">
               <a:rPr kumimoji="1" lang="ja-JP" altLang="en-US" smtClean="0"/>
-              <a:t>2022/1/28</a:t>
+              <a:t>2022/6/29</a:t>
             </a:fld>
             <a:endParaRPr kumimoji="1" lang="ja-JP" altLang="en-US"/>
           </a:p>
@@ -2427,7 +2428,7 @@
           <a:p>
             <a:fld id="{56F9016B-CCA6-43BE-8BEE-59565A35F4F7}" type="datetimeFigureOut">
               <a:rPr kumimoji="1" lang="ja-JP" altLang="en-US" smtClean="0"/>
-              <a:t>2022/1/28</a:t>
+              <a:t>2022/6/29</a:t>
             </a:fld>
             <a:endParaRPr kumimoji="1" lang="ja-JP" altLang="en-US"/>
           </a:p>
@@ -2736,7 +2737,7 @@
           <a:p>
             <a:fld id="{56F9016B-CCA6-43BE-8BEE-59565A35F4F7}" type="datetimeFigureOut">
               <a:rPr kumimoji="1" lang="ja-JP" altLang="en-US" smtClean="0"/>
-              <a:t>2022/1/28</a:t>
+              <a:t>2022/6/29</a:t>
             </a:fld>
             <a:endParaRPr kumimoji="1" lang="ja-JP" altLang="en-US"/>
           </a:p>
@@ -2989,7 +2990,7 @@
           <a:p>
             <a:fld id="{56F9016B-CCA6-43BE-8BEE-59565A35F4F7}" type="datetimeFigureOut">
               <a:rPr kumimoji="1" lang="ja-JP" altLang="en-US" smtClean="0"/>
-              <a:t>2022/1/28</a:t>
+              <a:t>2022/6/29</a:t>
             </a:fld>
             <a:endParaRPr kumimoji="1" lang="ja-JP" altLang="en-US"/>
           </a:p>
@@ -3266,7 +3267,7 @@
           <a:p>
             <a:fld id="{56F9016B-CCA6-43BE-8BEE-59565A35F4F7}" type="datetimeFigureOut">
               <a:rPr kumimoji="1" lang="ja-JP" altLang="en-US" smtClean="0"/>
-              <a:t>2022/1/28</a:t>
+              <a:t>2022/6/29</a:t>
             </a:fld>
             <a:endParaRPr kumimoji="1" lang="ja-JP" altLang="en-US"/>
           </a:p>
@@ -3478,7 +3479,7 @@
           <a:p>
             <a:fld id="{56F9016B-CCA6-43BE-8BEE-59565A35F4F7}" type="datetimeFigureOut">
               <a:rPr kumimoji="1" lang="ja-JP" altLang="en-US" smtClean="0"/>
-              <a:t>2022/1/28</a:t>
+              <a:t>2022/6/29</a:t>
             </a:fld>
             <a:endParaRPr kumimoji="1" lang="ja-JP" altLang="en-US"/>
           </a:p>
@@ -6537,7 +6538,7 @@
           <a:p>
             <a:fld id="{56F9016B-CCA6-43BE-8BEE-59565A35F4F7}" type="datetimeFigureOut">
               <a:rPr kumimoji="1" lang="ja-JP" altLang="en-US" smtClean="0"/>
-              <a:t>2022/1/28</a:t>
+              <a:t>2022/6/29</a:t>
             </a:fld>
             <a:endParaRPr kumimoji="1" lang="ja-JP" altLang="en-US"/>
           </a:p>
@@ -6975,7 +6976,7 @@
             </a:r>
             <a:r>
               <a:rPr lang="en-US" altLang="ja-JP" dirty="0" smtClean="0"/>
-              <a:t>1.9</a:t>
+              <a:t>1.10</a:t>
             </a:r>
             <a:endParaRPr lang="en-US" altLang="ja-JP" dirty="0" smtClean="0"/>
           </a:p>
@@ -7529,10 +7530,10 @@
             </a:r>
             <a:r>
               <a:rPr lang="en-US" altLang="ja-JP" dirty="0" smtClean="0"/>
-              <a:t>3/5</a:t>
-            </a:r>
-            <a:r>
-              <a:rPr lang="ja-JP" altLang="en-US" dirty="0"/>
+              <a:t>3/6</a:t>
+            </a:r>
+            <a:r>
+              <a:rPr lang="ja-JP" altLang="en-US" dirty="0" smtClean="0"/>
               <a:t>）</a:t>
             </a:r>
             <a:endParaRPr kumimoji="1" lang="ja-JP" altLang="en-US" dirty="0"/>
@@ -7568,7 +7569,19 @@
             <a:pPr lvl="1"/>
             <a:r>
               <a:rPr lang="en-US" altLang="ja-JP" dirty="0" smtClean="0"/>
-              <a:t>In this menu, users can register the account information needed to access the clones files from ITA’s RestAPI. Keep in mind that the account must also be registered in the “Management console &gt; User list” menu.</a:t>
+              <a:t>In this menu, users can register the account information needed to access the clones files from ITA’s RestAPI. </a:t>
+            </a:r>
+            <a:endParaRPr lang="en-US" altLang="ja-JP" dirty="0" smtClean="0"/>
+          </a:p>
+          <a:p>
+            <a:pPr lvl="1"/>
+            <a:r>
+              <a:rPr lang="en-US" altLang="ja-JP" dirty="0" smtClean="0"/>
+              <a:t>Keep </a:t>
+            </a:r>
+            <a:r>
+              <a:rPr lang="en-US" altLang="ja-JP" dirty="0" smtClean="0"/>
+              <a:t>in mind that the account must also be registered in the “Management console &gt; User list” menu.</a:t>
             </a:r>
             <a:endParaRPr lang="en-US" altLang="ja-JP" dirty="0"/>
           </a:p>
@@ -7707,6 +7720,54 @@
           <a:chExt cx="0" cy="0"/>
         </a:xfrm>
       </p:grpSpPr>
+      <p:pic>
+        <p:nvPicPr>
+          <p:cNvPr id="12" name="図 11"/>
+          <p:cNvPicPr>
+            <a:picLocks noChangeAspect="1"/>
+          </p:cNvPicPr>
+          <p:nvPr/>
+        </p:nvPicPr>
+        <p:blipFill>
+          <a:blip r:embed="rId2"/>
+          <a:stretch>
+            <a:fillRect/>
+          </a:stretch>
+        </p:blipFill>
+        <p:spPr>
+          <a:xfrm>
+            <a:off x="467917" y="4645213"/>
+            <a:ext cx="8136642" cy="1115281"/>
+          </a:xfrm>
+          <a:prstGeom prst="rect">
+            <a:avLst/>
+          </a:prstGeom>
+        </p:spPr>
+      </p:pic>
+      <p:pic>
+        <p:nvPicPr>
+          <p:cNvPr id="4" name="図 3"/>
+          <p:cNvPicPr>
+            <a:picLocks noChangeAspect="1"/>
+          </p:cNvPicPr>
+          <p:nvPr/>
+        </p:nvPicPr>
+        <p:blipFill>
+          <a:blip r:embed="rId3"/>
+          <a:stretch>
+            <a:fillRect/>
+          </a:stretch>
+        </p:blipFill>
+        <p:spPr>
+          <a:xfrm>
+            <a:off x="467917" y="3501764"/>
+            <a:ext cx="8179235" cy="1073904"/>
+          </a:xfrm>
+          <a:prstGeom prst="rect">
+            <a:avLst/>
+          </a:prstGeom>
+        </p:spPr>
+      </p:pic>
       <p:sp>
         <p:nvSpPr>
           <p:cNvPr id="2" name="タイトル 1"/>
@@ -7732,14 +7793,18 @@
             </a:r>
             <a:r>
               <a:rPr lang="en-US" altLang="ja-JP" dirty="0"/>
-              <a:t> CI/CD for IaC</a:t>
+              <a:t> </a:t>
+            </a:r>
+            <a:r>
+              <a:rPr lang="en-US" altLang="ja-JP" dirty="0"/>
+              <a:t>CI/CD for IaC</a:t>
             </a:r>
             <a:r>
               <a:rPr lang="ja-JP" altLang="en-US" dirty="0"/>
               <a:t> </a:t>
             </a:r>
             <a:r>
-              <a:rPr lang="en-US" altLang="ja-JP" dirty="0"/>
+              <a:rPr lang="en-US" altLang="ja-JP" dirty="0" smtClean="0"/>
               <a:t>Menus</a:t>
             </a:r>
             <a:r>
@@ -7752,10 +7817,10 @@
             </a:r>
             <a:r>
               <a:rPr lang="en-US" altLang="ja-JP" dirty="0" smtClean="0"/>
-              <a:t>4/5</a:t>
-            </a:r>
-            <a:r>
-              <a:rPr lang="ja-JP" altLang="en-US" dirty="0"/>
+              <a:t>4/6</a:t>
+            </a:r>
+            <a:r>
+              <a:rPr lang="ja-JP" altLang="en-US" dirty="0" smtClean="0"/>
               <a:t>）</a:t>
             </a:r>
             <a:endParaRPr kumimoji="1" lang="ja-JP" altLang="en-US" dirty="0"/>
@@ -7777,6 +7842,396 @@
           <a:bodyPr/>
           <a:lstStyle/>
           <a:p>
+            <a:r>
+              <a:rPr lang="en-US" altLang="ja-JP" b="1" dirty="0" smtClean="0"/>
+              <a:t>File link</a:t>
+            </a:r>
+            <a:endParaRPr lang="en-US" altLang="ja-JP" b="1" dirty="0" smtClean="0"/>
+          </a:p>
+          <a:p>
+            <a:pPr lvl="1"/>
+            <a:r>
+              <a:rPr lang="en-US" altLang="ja-JP" dirty="0"/>
+              <a:t>Registers a link between the Sources file and the destination files</a:t>
+            </a:r>
+            <a:r>
+              <a:rPr lang="en-US" altLang="ja-JP" dirty="0" smtClean="0"/>
+              <a:t>.</a:t>
+            </a:r>
+          </a:p>
+          <a:p>
+            <a:pPr lvl="1"/>
+            <a:r>
+              <a:rPr lang="en-US" altLang="ja-JP" dirty="0"/>
+              <a:t>Registers an Operation and a </a:t>
+            </a:r>
+            <a:r>
+              <a:rPr lang="en-US" altLang="ja-JP" dirty="0" smtClean="0"/>
+              <a:t>Movement to </a:t>
+            </a:r>
+            <a:r>
+              <a:rPr lang="en-US" altLang="ja-JP" dirty="0"/>
+              <a:t>check if the destination files works correctly</a:t>
+            </a:r>
+            <a:r>
+              <a:rPr lang="en-US" altLang="ja-JP" dirty="0" smtClean="0"/>
+              <a:t>.</a:t>
+            </a:r>
+          </a:p>
+          <a:p>
+            <a:pPr lvl="1"/>
+            <a:r>
+              <a:rPr lang="en-US" altLang="ja-JP" dirty="0"/>
+              <a:t>Automatically updates the Link destination files when the Link source files are updated and runs an Operation and Movement to check if they are working correctly.</a:t>
+            </a:r>
+            <a:endParaRPr lang="en-US" altLang="ja-JP" dirty="0" smtClean="0"/>
+          </a:p>
+        </p:txBody>
+      </p:sp>
+      <p:sp>
+        <p:nvSpPr>
+          <p:cNvPr id="9" name="角丸四角形吹き出し 8"/>
+          <p:cNvSpPr/>
+          <p:nvPr/>
+        </p:nvSpPr>
+        <p:spPr bwMode="auto">
+          <a:xfrm>
+            <a:off x="1547105" y="2812403"/>
+            <a:ext cx="3024420" cy="592846"/>
+          </a:xfrm>
+          <a:prstGeom prst="wedgeRoundRectCallout">
+            <a:avLst>
+              <a:gd name="adj1" fmla="val 9324"/>
+              <a:gd name="adj2" fmla="val 85363"/>
+              <a:gd name="adj3" fmla="val 16667"/>
+            </a:avLst>
+          </a:prstGeom>
+          <a:solidFill>
+            <a:schemeClr val="bg1"/>
+          </a:solidFill>
+          <a:ln w="12700">
+            <a:solidFill>
+              <a:srgbClr val="002060"/>
+            </a:solidFill>
+          </a:ln>
+          <a:effectLst/>
+          <a:extLst/>
+        </p:spPr>
+        <p:txBody>
+          <a:bodyPr rot="0" spcFirstLastPara="0" vertOverflow="overflow" horzOverflow="overflow" vert="horz" wrap="none" lIns="72000" tIns="72000" rIns="72000" bIns="72000" numCol="1" spcCol="0" rtlCol="0" fromWordArt="0" anchor="t" anchorCtr="0" forceAA="0" compatLnSpc="1">
+            <a:prstTxWarp prst="textNoShape">
+              <a:avLst/>
+            </a:prstTxWarp>
+            <a:noAutofit/>
+          </a:bodyPr>
+          <a:lstStyle/>
+          <a:p>
+            <a:r>
+              <a:rPr lang="en-US" altLang="ja-JP" sz="1200" dirty="0">
+                <a:latin typeface="+mn-ea"/>
+              </a:rPr>
+              <a:t>Select the Remote repository/file path </a:t>
+            </a:r>
+            <a:endParaRPr lang="en-US" altLang="ja-JP" sz="1200" dirty="0" smtClean="0">
+              <a:latin typeface="+mn-ea"/>
+            </a:endParaRPr>
+          </a:p>
+          <a:p>
+            <a:r>
+              <a:rPr lang="en-US" altLang="ja-JP" sz="1200" dirty="0" smtClean="0">
+                <a:latin typeface="+mn-ea"/>
+              </a:rPr>
+              <a:t>and </a:t>
+            </a:r>
+            <a:r>
+              <a:rPr lang="en-US" altLang="ja-JP" sz="1200" dirty="0">
+                <a:latin typeface="+mn-ea"/>
+              </a:rPr>
+              <a:t>the link source file</a:t>
+            </a:r>
+            <a:endParaRPr kumimoji="1" lang="ja-JP" altLang="en-US" sz="1200" dirty="0" smtClean="0">
+              <a:latin typeface="+mn-ea"/>
+            </a:endParaRPr>
+          </a:p>
+        </p:txBody>
+      </p:sp>
+      <p:sp>
+        <p:nvSpPr>
+          <p:cNvPr id="10" name="角丸四角形吹き出し 9"/>
+          <p:cNvSpPr/>
+          <p:nvPr/>
+        </p:nvSpPr>
+        <p:spPr bwMode="auto">
+          <a:xfrm>
+            <a:off x="5075594" y="2829944"/>
+            <a:ext cx="3528965" cy="592846"/>
+          </a:xfrm>
+          <a:prstGeom prst="wedgeRoundRectCallout">
+            <a:avLst>
+              <a:gd name="adj1" fmla="val -42074"/>
+              <a:gd name="adj2" fmla="val 114283"/>
+              <a:gd name="adj3" fmla="val 16667"/>
+            </a:avLst>
+          </a:prstGeom>
+          <a:solidFill>
+            <a:schemeClr val="bg1"/>
+          </a:solidFill>
+          <a:ln w="12700">
+            <a:solidFill>
+              <a:srgbClr val="002060"/>
+            </a:solidFill>
+          </a:ln>
+          <a:effectLst/>
+          <a:extLst/>
+        </p:spPr>
+        <p:txBody>
+          <a:bodyPr rot="0" spcFirstLastPara="0" vertOverflow="overflow" horzOverflow="overflow" vert="horz" wrap="none" lIns="72000" tIns="72000" rIns="72000" bIns="72000" numCol="1" spcCol="0" rtlCol="0" fromWordArt="0" anchor="t" anchorCtr="0" forceAA="0" compatLnSpc="1">
+            <a:prstTxWarp prst="textNoShape">
+              <a:avLst/>
+            </a:prstTxWarp>
+            <a:noAutofit/>
+          </a:bodyPr>
+          <a:lstStyle/>
+          <a:p>
+            <a:r>
+              <a:rPr lang="en-US" altLang="ja-JP" sz="1200" dirty="0">
+                <a:latin typeface="+mn-ea"/>
+              </a:rPr>
+              <a:t>Select file type</a:t>
+            </a:r>
+            <a:r>
+              <a:rPr lang="en-US" altLang="ja-JP" sz="1200" dirty="0" smtClean="0">
+                <a:latin typeface="+mn-ea"/>
+              </a:rPr>
+              <a:t>.</a:t>
+            </a:r>
+          </a:p>
+          <a:p>
+            <a:r>
+              <a:rPr lang="en-US" altLang="ja-JP" sz="1200" dirty="0" smtClean="0">
+                <a:latin typeface="+mn-ea"/>
+              </a:rPr>
+              <a:t>E.g. Ansible-Legacy/Playbook </a:t>
+            </a:r>
+            <a:r>
+              <a:rPr lang="en-US" altLang="ja-JP" sz="1200" dirty="0">
+                <a:latin typeface="+mn-ea"/>
+              </a:rPr>
+              <a:t>file collection</a:t>
+            </a:r>
+            <a:endParaRPr lang="ja-JP" altLang="en-US" sz="1200" dirty="0"/>
+          </a:p>
+        </p:txBody>
+      </p:sp>
+      <p:sp>
+        <p:nvSpPr>
+          <p:cNvPr id="8" name="正方形/長方形 7"/>
+          <p:cNvSpPr/>
+          <p:nvPr/>
+        </p:nvSpPr>
+        <p:spPr bwMode="auto">
+          <a:xfrm>
+            <a:off x="6084209" y="4840640"/>
+            <a:ext cx="2160301" cy="820670"/>
+          </a:xfrm>
+          <a:prstGeom prst="rect">
+            <a:avLst/>
+          </a:prstGeom>
+          <a:noFill/>
+          <a:ln w="12700">
+            <a:solidFill>
+              <a:srgbClr val="FF0000"/>
+            </a:solidFill>
+          </a:ln>
+          <a:effectLst/>
+          <a:extLst/>
+        </p:spPr>
+        <p:txBody>
+          <a:bodyPr rot="0" spcFirstLastPara="0" vertOverflow="overflow" horzOverflow="overflow" vert="horz" wrap="none" lIns="72000" tIns="72000" rIns="72000" bIns="72000" numCol="1" spcCol="0" rtlCol="0" fromWordArt="0" anchor="ctr" anchorCtr="0" forceAA="0" compatLnSpc="1">
+            <a:prstTxWarp prst="textNoShape">
+              <a:avLst/>
+            </a:prstTxWarp>
+            <a:noAutofit/>
+          </a:bodyPr>
+          <a:lstStyle/>
+          <a:p>
+            <a:pPr algn="ctr"/>
+            <a:endParaRPr kumimoji="1" lang="ja-JP" altLang="en-US" b="1" dirty="0" smtClean="0">
+              <a:latin typeface="+mn-ea"/>
+            </a:endParaRPr>
+          </a:p>
+        </p:txBody>
+      </p:sp>
+      <p:sp>
+        <p:nvSpPr>
+          <p:cNvPr id="11" name="角丸四角形吹き出し 10"/>
+          <p:cNvSpPr/>
+          <p:nvPr/>
+        </p:nvSpPr>
+        <p:spPr bwMode="auto">
+          <a:xfrm>
+            <a:off x="3923435" y="5812062"/>
+            <a:ext cx="3888540" cy="592846"/>
+          </a:xfrm>
+          <a:prstGeom prst="wedgeRoundRectCallout">
+            <a:avLst>
+              <a:gd name="adj1" fmla="val 20494"/>
+              <a:gd name="adj2" fmla="val -97796"/>
+              <a:gd name="adj3" fmla="val 16667"/>
+            </a:avLst>
+          </a:prstGeom>
+          <a:solidFill>
+            <a:schemeClr val="bg1"/>
+          </a:solidFill>
+          <a:ln w="12700">
+            <a:solidFill>
+              <a:srgbClr val="002060"/>
+            </a:solidFill>
+          </a:ln>
+          <a:effectLst/>
+          <a:extLst/>
+        </p:spPr>
+        <p:txBody>
+          <a:bodyPr rot="0" spcFirstLastPara="0" vertOverflow="overflow" horzOverflow="overflow" vert="horz" wrap="none" lIns="72000" tIns="72000" rIns="72000" bIns="72000" numCol="1" spcCol="0" rtlCol="0" fromWordArt="0" anchor="t" anchorCtr="0" forceAA="0" compatLnSpc="1">
+            <a:prstTxWarp prst="textNoShape">
+              <a:avLst/>
+            </a:prstTxWarp>
+            <a:noAutofit/>
+          </a:bodyPr>
+          <a:lstStyle/>
+          <a:p>
+            <a:r>
+              <a:rPr lang="en-US" altLang="ja-JP" sz="1200" dirty="0"/>
+              <a:t>Specify Operation/Movement to check </a:t>
+            </a:r>
+            <a:endParaRPr lang="en-US" altLang="ja-JP" sz="1200" dirty="0" smtClean="0"/>
+          </a:p>
+          <a:p>
+            <a:r>
+              <a:rPr lang="en-US" altLang="ja-JP" sz="1200" dirty="0" smtClean="0"/>
+              <a:t>if </a:t>
+            </a:r>
+            <a:r>
+              <a:rPr lang="en-US" altLang="ja-JP" sz="1200" dirty="0"/>
+              <a:t>the link destination files are working correctly</a:t>
+            </a:r>
+            <a:endParaRPr kumimoji="1" lang="ja-JP" altLang="en-US" sz="1200" dirty="0" smtClean="0">
+              <a:latin typeface="+mn-ea"/>
+            </a:endParaRPr>
+          </a:p>
+        </p:txBody>
+      </p:sp>
+    </p:spTree>
+    <p:extLst>
+      <p:ext uri="{BB962C8B-B14F-4D97-AF65-F5344CB8AC3E}">
+        <p14:creationId xmlns:p14="http://schemas.microsoft.com/office/powerpoint/2010/main" val="2365424852"/>
+      </p:ext>
+    </p:extLst>
+  </p:cSld>
+  <p:clrMapOvr>
+    <a:masterClrMapping/>
+  </p:clrMapOvr>
+  <p:timing>
+    <p:tnLst>
+      <p:par>
+        <p:cTn id="1" dur="indefinite" restart="never" nodeType="tmRoot"/>
+      </p:par>
+    </p:tnLst>
+  </p:timing>
+</p:sld>
+</file>
+
+<file path=ppt/slides/slide12.xml><?xml version="1.0" encoding="utf-8"?>
+<p:sld xmlns:a="http://schemas.openxmlformats.org/drawingml/2006/main" xmlns:r="http://schemas.openxmlformats.org/officeDocument/2006/relationships" xmlns:p="http://schemas.openxmlformats.org/presentationml/2006/main">
+  <p:cSld>
+    <p:spTree>
+      <p:nvGrpSpPr>
+        <p:cNvPr id="1" name=""/>
+        <p:cNvGrpSpPr/>
+        <p:nvPr/>
+      </p:nvGrpSpPr>
+      <p:grpSpPr>
+        <a:xfrm>
+          <a:off x="0" y="0"/>
+          <a:ext cx="0" cy="0"/>
+          <a:chOff x="0" y="0"/>
+          <a:chExt cx="0" cy="0"/>
+        </a:xfrm>
+      </p:grpSpPr>
+      <p:sp>
+        <p:nvSpPr>
+          <p:cNvPr id="2" name="タイトル 1"/>
+          <p:cNvSpPr>
+            <a:spLocks noGrp="1"/>
+          </p:cNvSpPr>
+          <p:nvPr>
+            <p:ph type="title"/>
+          </p:nvPr>
+        </p:nvSpPr>
+        <p:spPr/>
+        <p:txBody>
+          <a:bodyPr/>
+          <a:lstStyle/>
+          <a:p>
+            <a:r>
+              <a:rPr lang="en-US" altLang="ja-JP" dirty="0"/>
+              <a:t>2.3</a:t>
+            </a:r>
+            <a:r>
+              <a:rPr lang="ja-JP" altLang="en-US" dirty="0"/>
+              <a:t>　</a:t>
+            </a:r>
+            <a:r>
+              <a:rPr lang="en-US" altLang="ja-JP" dirty="0"/>
+              <a:t> CI/CD for IaC</a:t>
+            </a:r>
+            <a:r>
+              <a:rPr lang="ja-JP" altLang="en-US" dirty="0"/>
+              <a:t> </a:t>
+            </a:r>
+            <a:r>
+              <a:rPr lang="en-US" altLang="ja-JP" dirty="0"/>
+              <a:t>Menus</a:t>
+            </a:r>
+            <a:r>
+              <a:rPr lang="ja-JP" altLang="en-US" dirty="0"/>
+              <a:t>　</a:t>
+            </a:r>
+            <a:r>
+              <a:rPr lang="ja-JP" altLang="en-US" dirty="0" smtClean="0"/>
+              <a:t>（</a:t>
+            </a:r>
+            <a:r>
+              <a:rPr lang="en-US" altLang="ja-JP" dirty="0" smtClean="0"/>
+              <a:t>5</a:t>
+            </a:r>
+            <a:r>
+              <a:rPr lang="en-US" altLang="ja-JP" dirty="0" smtClean="0"/>
+              <a:t>/6</a:t>
+            </a:r>
+            <a:r>
+              <a:rPr lang="ja-JP" altLang="en-US" dirty="0" smtClean="0"/>
+              <a:t>）</a:t>
+            </a:r>
+            <a:endParaRPr kumimoji="1" lang="ja-JP" altLang="en-US" dirty="0"/>
+          </a:p>
+        </p:txBody>
+      </p:sp>
+      <p:sp>
+        <p:nvSpPr>
+          <p:cNvPr id="3" name="コンテンツ プレースホルダー 2"/>
+          <p:cNvSpPr>
+            <a:spLocks noGrp="1"/>
+          </p:cNvSpPr>
+          <p:nvPr>
+            <p:ph sz="quarter" idx="10"/>
+          </p:nvPr>
+        </p:nvSpPr>
+        <p:spPr/>
+        <p:txBody>
+          <a:bodyPr/>
+          <a:lstStyle/>
+          <a:p>
             <a:pPr>
               <a:buFont typeface="Wingdings" panose="05000000000000000000" pitchFamily="2" charset="2"/>
               <a:buChar char="l"/>
@@ -7789,24 +8244,45 @@
           <a:p>
             <a:pPr lvl="1"/>
             <a:r>
+              <a:rPr lang="en-US" altLang="ja-JP" dirty="0"/>
+              <a:t>For the "Link destination file name" item, register the file name used when registering to the Link destination </a:t>
+            </a:r>
+            <a:r>
               <a:rPr lang="en-US" altLang="ja-JP" dirty="0" smtClean="0"/>
-              <a:t>In this menu, users can link the source files and the destination files (cloned files).Doing so will automatically register an operation and Movement that will automatically check the validity of the cloned files. If the source files are updated, the Backyard function will automatically update the cloned files to match the update, and will run the Operation/Movement to check the validity of the newly updated cloned files.</a:t>
-            </a:r>
-            <a:endParaRPr lang="en-US" altLang="ja-JP" dirty="0"/>
+              <a:t>menu.</a:t>
+            </a:r>
+            <a:r>
+              <a:rPr lang="en-US" altLang="ja-JP" dirty="0"/>
+              <a:t/>
+            </a:r>
+            <a:br>
+              <a:rPr lang="en-US" altLang="ja-JP" dirty="0"/>
+            </a:br>
+            <a:r>
+              <a:rPr lang="en-US" altLang="ja-JP" dirty="0"/>
+              <a:t>The link destination item names that can be used for the "Link </a:t>
+            </a:r>
+            <a:r>
+              <a:rPr lang="en-US" altLang="ja-JP" dirty="0" smtClean="0"/>
+              <a:t>destination </a:t>
+            </a:r>
+            <a:r>
+              <a:rPr lang="en-US" altLang="ja-JP" dirty="0"/>
+              <a:t>type list" are as following.</a:t>
+            </a:r>
+            <a:endParaRPr lang="en-US" altLang="ja-JP" dirty="0" smtClean="0"/>
           </a:p>
           <a:p>
             <a:pPr lvl="1"/>
             <a:r>
+              <a:rPr lang="en-US" altLang="ja-JP" dirty="0"/>
+              <a:t>Make sure to follow the restrictions when inputting for the items below. (The restrictions are the same as the ones for "Link destination menu" </a:t>
+            </a:r>
+            <a:r>
               <a:rPr lang="en-US" altLang="ja-JP" dirty="0" smtClean="0"/>
-              <a:t>The “Link destination file names” are linked by the Link destination file type</a:t>
-            </a:r>
-            <a:br>
-              <a:rPr lang="en-US" altLang="ja-JP" dirty="0" smtClean="0"/>
-            </a:br>
-            <a:r>
-              <a:rPr lang="en-US" altLang="ja-JP" dirty="0" smtClean="0"/>
-              <a:t>(See the table below). Keep in mind that there are different restrictions that needs to be followed for the different menu items. </a:t>
-            </a:r>
+              <a:t>items)</a:t>
+            </a:r>
+            <a:endParaRPr lang="en-US" altLang="ja-JP" dirty="0" smtClean="0"/>
           </a:p>
         </p:txBody>
       </p:sp>
@@ -7819,13 +8295,13 @@
           <p:nvPr>
             <p:extLst>
               <p:ext uri="{D42A27DB-BD31-4B8C-83A1-F6EECF244321}">
-                <p14:modId xmlns:p14="http://schemas.microsoft.com/office/powerpoint/2010/main" val="766279916"/>
+                <p14:modId xmlns:p14="http://schemas.microsoft.com/office/powerpoint/2010/main" val="2224085455"/>
               </p:ext>
             </p:extLst>
           </p:nvPr>
         </p:nvGraphicFramePr>
         <p:xfrm>
-          <a:off x="683458" y="3789046"/>
+          <a:off x="611450" y="2852920"/>
           <a:ext cx="8280054" cy="2534664"/>
         </p:xfrm>
         <a:graphic>
@@ -8174,6 +8650,286 @@
           </a:graphicData>
         </a:graphic>
       </p:graphicFrame>
+      <p:sp>
+        <p:nvSpPr>
+          <p:cNvPr id="10" name="角丸四角形 9"/>
+          <p:cNvSpPr/>
+          <p:nvPr/>
+        </p:nvSpPr>
+        <p:spPr bwMode="auto">
+          <a:xfrm>
+            <a:off x="1259540" y="5412764"/>
+            <a:ext cx="7414744" cy="513165"/>
+          </a:xfrm>
+          <a:prstGeom prst="roundRect">
+            <a:avLst/>
+          </a:prstGeom>
+          <a:solidFill>
+            <a:schemeClr val="bg1">
+              <a:lumMod val="95000"/>
+            </a:schemeClr>
+          </a:solidFill>
+          <a:ln w="12700">
+            <a:solidFill>
+              <a:schemeClr val="tx1"/>
+            </a:solidFill>
+          </a:ln>
+          <a:effectLst/>
+          <a:extLst/>
+        </p:spPr>
+        <p:txBody>
+          <a:bodyPr rot="0" spcFirstLastPara="0" vertOverflow="overflow" horzOverflow="overflow" vert="horz" wrap="none" lIns="72000" tIns="72000" rIns="72000" bIns="72000" numCol="1" spcCol="0" rtlCol="0" fromWordArt="0" anchor="t" anchorCtr="0" forceAA="0" compatLnSpc="1">
+            <a:prstTxWarp prst="textNoShape">
+              <a:avLst/>
+            </a:prstTxWarp>
+            <a:noAutofit/>
+          </a:bodyPr>
+          <a:lstStyle/>
+          <a:p>
+            <a:r>
+              <a:rPr lang="en-US" altLang="ja-JP" sz="1200" dirty="0">
+                <a:latin typeface="+mn-ea"/>
+              </a:rPr>
+              <a:t>Input </a:t>
+            </a:r>
+            <a:r>
+              <a:rPr lang="en-US" altLang="ja-JP" sz="1200" dirty="0">
+                <a:solidFill>
+                  <a:srgbClr val="FF0000"/>
+                </a:solidFill>
+                <a:latin typeface="+mn-ea"/>
+              </a:rPr>
+              <a:t>"</a:t>
+            </a:r>
+            <a:r>
+              <a:rPr lang="en-US" altLang="ja-JP" sz="1200" dirty="0" err="1">
+                <a:solidFill>
+                  <a:srgbClr val="FF0000"/>
+                </a:solidFill>
+                <a:latin typeface="+mn-ea"/>
+              </a:rPr>
+              <a:t>yum_package_install</a:t>
+            </a:r>
+            <a:r>
+              <a:rPr lang="en-US" altLang="ja-JP" sz="1200" dirty="0">
+                <a:solidFill>
+                  <a:srgbClr val="FF0000"/>
+                </a:solidFill>
+                <a:latin typeface="+mn-ea"/>
+              </a:rPr>
+              <a:t>" </a:t>
+            </a:r>
+            <a:r>
+              <a:rPr lang="en-US" altLang="ja-JP" sz="1200" dirty="0">
+                <a:latin typeface="+mn-ea"/>
+              </a:rPr>
+              <a:t>into the "Link destination file </a:t>
+            </a:r>
+            <a:r>
+              <a:rPr lang="en-US" altLang="ja-JP" sz="1200" dirty="0" smtClean="0">
+                <a:latin typeface="+mn-ea"/>
+              </a:rPr>
+              <a:t>name“ item</a:t>
+            </a:r>
+          </a:p>
+          <a:p>
+            <a:r>
+              <a:rPr lang="en-US" altLang="ja-JP" sz="1200" dirty="0" smtClean="0">
+                <a:latin typeface="+mn-ea"/>
+              </a:rPr>
+              <a:t> </a:t>
+            </a:r>
+            <a:r>
+              <a:rPr lang="en-US" altLang="ja-JP" sz="1200" dirty="0">
+                <a:latin typeface="+mn-ea"/>
+              </a:rPr>
+              <a:t>and select "Ansible-Legacy/Playbook file collection" for the "Link destination file type".</a:t>
+            </a:r>
+            <a:endParaRPr kumimoji="1" lang="ja-JP" altLang="en-US" sz="1200" dirty="0" smtClean="0">
+              <a:latin typeface="+mn-ea"/>
+            </a:endParaRPr>
+          </a:p>
+        </p:txBody>
+      </p:sp>
+      <p:sp>
+        <p:nvSpPr>
+          <p:cNvPr id="11" name="角丸四角形 10"/>
+          <p:cNvSpPr/>
+          <p:nvPr/>
+        </p:nvSpPr>
+        <p:spPr bwMode="auto">
+          <a:xfrm>
+            <a:off x="1236633" y="6040795"/>
+            <a:ext cx="7414744" cy="513165"/>
+          </a:xfrm>
+          <a:prstGeom prst="roundRect">
+            <a:avLst/>
+          </a:prstGeom>
+          <a:solidFill>
+            <a:schemeClr val="bg1">
+              <a:lumMod val="95000"/>
+            </a:schemeClr>
+          </a:solidFill>
+          <a:ln w="12700">
+            <a:solidFill>
+              <a:schemeClr val="tx1"/>
+            </a:solidFill>
+          </a:ln>
+          <a:effectLst/>
+          <a:extLst/>
+        </p:spPr>
+        <p:txBody>
+          <a:bodyPr rot="0" spcFirstLastPara="0" vertOverflow="overflow" horzOverflow="overflow" vert="horz" wrap="none" lIns="72000" tIns="72000" rIns="72000" bIns="72000" numCol="1" spcCol="0" rtlCol="0" fromWordArt="0" anchor="t" anchorCtr="0" forceAA="0" compatLnSpc="1">
+            <a:prstTxWarp prst="textNoShape">
+              <a:avLst/>
+            </a:prstTxWarp>
+            <a:noAutofit/>
+          </a:bodyPr>
+          <a:lstStyle/>
+          <a:p>
+            <a:r>
+              <a:rPr lang="en-US" altLang="ja-JP" sz="1200" dirty="0"/>
+              <a:t>The </a:t>
+            </a:r>
+            <a:r>
+              <a:rPr lang="en-US" altLang="ja-JP" sz="1200" dirty="0">
+                <a:solidFill>
+                  <a:srgbClr val="FF0000"/>
+                </a:solidFill>
+              </a:rPr>
+              <a:t>"</a:t>
+            </a:r>
+            <a:r>
+              <a:rPr lang="en-US" altLang="ja-JP" sz="1200" dirty="0" err="1">
+                <a:solidFill>
+                  <a:srgbClr val="FF0000"/>
+                </a:solidFill>
+              </a:rPr>
+              <a:t>yum_package_install</a:t>
+            </a:r>
+            <a:r>
+              <a:rPr lang="en-US" altLang="ja-JP" sz="1200" dirty="0">
+                <a:solidFill>
+                  <a:srgbClr val="FF0000"/>
+                </a:solidFill>
+              </a:rPr>
+              <a:t>" </a:t>
+            </a:r>
+            <a:r>
+              <a:rPr lang="en-US" altLang="ja-JP" sz="1200" dirty="0"/>
+              <a:t>is used as a registration value for the "Playbook file name" item </a:t>
+            </a:r>
+            <a:r>
+              <a:rPr lang="en-US" altLang="ja-JP" sz="1200" dirty="0" smtClean="0"/>
+              <a:t>in</a:t>
+            </a:r>
+            <a:br>
+              <a:rPr lang="en-US" altLang="ja-JP" sz="1200" dirty="0" smtClean="0"/>
+            </a:br>
+            <a:r>
+              <a:rPr lang="en-US" altLang="ja-JP" sz="1200" dirty="0" smtClean="0"/>
+              <a:t> </a:t>
+            </a:r>
+            <a:r>
+              <a:rPr lang="en-US" altLang="ja-JP" sz="1200" dirty="0"/>
+              <a:t>the record </a:t>
+            </a:r>
+            <a:r>
+              <a:rPr lang="en-US" altLang="ja-JP" sz="1200" dirty="0" err="1"/>
+              <a:t>registrered</a:t>
+            </a:r>
+            <a:r>
+              <a:rPr lang="en-US" altLang="ja-JP" sz="1200" dirty="0"/>
+              <a:t> to the "Ansible-Legacy/Playbook file collection" </a:t>
+            </a:r>
+            <a:endParaRPr kumimoji="1" lang="ja-JP" altLang="en-US" sz="1200" dirty="0" smtClean="0">
+              <a:latin typeface="+mn-ea"/>
+            </a:endParaRPr>
+          </a:p>
+        </p:txBody>
+      </p:sp>
+      <p:sp>
+        <p:nvSpPr>
+          <p:cNvPr id="12" name="フローチャート: 組合せ 11"/>
+          <p:cNvSpPr/>
+          <p:nvPr/>
+        </p:nvSpPr>
+        <p:spPr bwMode="auto">
+          <a:xfrm>
+            <a:off x="4329328" y="5875347"/>
+            <a:ext cx="216030" cy="216030"/>
+          </a:xfrm>
+          <a:prstGeom prst="flowChartMerge">
+            <a:avLst/>
+          </a:prstGeom>
+          <a:solidFill>
+            <a:srgbClr val="FFC000"/>
+          </a:solidFill>
+          <a:ln w="12700">
+            <a:solidFill>
+              <a:schemeClr val="tx1"/>
+            </a:solidFill>
+          </a:ln>
+          <a:effectLst/>
+          <a:extLst/>
+        </p:spPr>
+        <p:txBody>
+          <a:bodyPr rot="0" spcFirstLastPara="0" vertOverflow="overflow" horzOverflow="overflow" vert="horz" wrap="none" lIns="72000" tIns="72000" rIns="72000" bIns="72000" numCol="1" spcCol="0" rtlCol="0" fromWordArt="0" anchor="ctr" anchorCtr="0" forceAA="0" compatLnSpc="1">
+            <a:prstTxWarp prst="textNoShape">
+              <a:avLst/>
+            </a:prstTxWarp>
+            <a:noAutofit/>
+          </a:bodyPr>
+          <a:lstStyle/>
+          <a:p>
+            <a:pPr algn="ctr"/>
+            <a:endParaRPr kumimoji="1" lang="ja-JP" altLang="en-US" b="1" dirty="0" smtClean="0">
+              <a:latin typeface="+mn-ea"/>
+            </a:endParaRPr>
+          </a:p>
+        </p:txBody>
+      </p:sp>
+      <p:sp>
+        <p:nvSpPr>
+          <p:cNvPr id="13" name="テキスト ボックス 12"/>
+          <p:cNvSpPr txBox="1"/>
+          <p:nvPr/>
+        </p:nvSpPr>
+        <p:spPr>
+          <a:xfrm>
+            <a:off x="418146" y="5798696"/>
+            <a:ext cx="698958" cy="369332"/>
+          </a:xfrm>
+          <a:prstGeom prst="rect">
+            <a:avLst/>
+          </a:prstGeom>
+          <a:solidFill>
+            <a:schemeClr val="accent1">
+              <a:lumMod val="20000"/>
+              <a:lumOff val="80000"/>
+            </a:schemeClr>
+          </a:solidFill>
+          <a:ln>
+            <a:solidFill>
+              <a:schemeClr val="tx1"/>
+            </a:solidFill>
+          </a:ln>
+        </p:spPr>
+        <p:txBody>
+          <a:bodyPr wrap="square" rtlCol="0" anchor="ctr">
+            <a:spAutoFit/>
+          </a:bodyPr>
+          <a:lstStyle/>
+          <a:p>
+            <a:pPr algn="ctr"/>
+            <a:r>
+              <a:rPr lang="en-US" altLang="ja-JP" b="1" dirty="0" smtClean="0"/>
+              <a:t>E.g.</a:t>
+            </a:r>
+            <a:endParaRPr kumimoji="1" lang="ja-JP" altLang="en-US" b="1" dirty="0"/>
+          </a:p>
+        </p:txBody>
+      </p:sp>
     </p:spTree>
     <p:extLst>
       <p:ext uri="{BB962C8B-B14F-4D97-AF65-F5344CB8AC3E}">
@@ -8194,7 +8950,7 @@
 </p:sld>
 </file>
 
-<file path=ppt/slides/slide12.xml><?xml version="1.0" encoding="utf-8"?>
+<file path=ppt/slides/slide13.xml><?xml version="1.0" encoding="utf-8"?>
 <p:sld xmlns:a="http://schemas.openxmlformats.org/drawingml/2006/main" xmlns:r="http://schemas.openxmlformats.org/officeDocument/2006/relationships" xmlns:p="http://schemas.openxmlformats.org/presentationml/2006/main">
   <p:cSld>
     <p:spTree>
@@ -8303,11 +9059,15 @@
               <a:t>（</a:t>
             </a:r>
             <a:r>
+              <a:rPr lang="en-US" altLang="ja-JP" dirty="0"/>
+              <a:t>6</a:t>
+            </a:r>
+            <a:r>
               <a:rPr lang="en-US" altLang="ja-JP" dirty="0" smtClean="0"/>
-              <a:t>5/5</a:t>
-            </a:r>
-            <a:r>
-              <a:rPr lang="ja-JP" altLang="en-US" dirty="0"/>
+              <a:t>/6</a:t>
+            </a:r>
+            <a:r>
+              <a:rPr lang="ja-JP" altLang="en-US" dirty="0" smtClean="0"/>
               <a:t>）</a:t>
             </a:r>
             <a:endParaRPr kumimoji="1" lang="ja-JP" altLang="en-US" dirty="0"/>
@@ -8630,7 +9390,7 @@
 </p:sld>
 </file>
 
-<file path=ppt/slides/slide13.xml><?xml version="1.0" encoding="utf-8"?>
+<file path=ppt/slides/slide14.xml><?xml version="1.0" encoding="utf-8"?>
 <p:sld xmlns:a="http://schemas.openxmlformats.org/drawingml/2006/main" xmlns:r="http://schemas.openxmlformats.org/officeDocument/2006/relationships" xmlns:p="http://schemas.openxmlformats.org/presentationml/2006/main">
   <p:cSld>
     <p:spTree>
@@ -9248,7 +10008,7 @@
 </p:sld>
 </file>
 
-<file path=ppt/slides/slide14.xml><?xml version="1.0" encoding="utf-8"?>
+<file path=ppt/slides/slide15.xml><?xml version="1.0" encoding="utf-8"?>
 <p:sld xmlns:a="http://schemas.openxmlformats.org/drawingml/2006/main" xmlns:r="http://schemas.openxmlformats.org/officeDocument/2006/relationships" xmlns:p="http://schemas.openxmlformats.org/presentationml/2006/main">
   <p:cSld>
     <p:spTree>
@@ -10074,10 +10834,10 @@
               <a:buChar char="l"/>
             </a:pPr>
             <a:r>
-              <a:rPr lang="en-US" altLang="ja-JP" dirty="0" smtClean="0"/>
+              <a:rPr lang="en-US" altLang="ja-JP" b="1" dirty="0" smtClean="0"/>
               <a:t>What is CI/CD for IaC?</a:t>
             </a:r>
-            <a:endParaRPr lang="en-US" altLang="ja-JP" sz="1200" dirty="0">
+            <a:endParaRPr lang="en-US" altLang="ja-JP" sz="1200" b="1" dirty="0">
               <a:solidFill>
                 <a:schemeClr val="bg1"/>
               </a:solidFill>
@@ -10086,65 +10846,80 @@
           <a:p>
             <a:pPr lvl="1"/>
             <a:r>
-              <a:rPr lang="en-US" altLang="ja-JP" dirty="0"/>
+              <a:rPr lang="en-US" altLang="ja-JP" sz="1400" dirty="0"/>
               <a:t>When using IaC (Infrastructure as Code) files, such as </a:t>
             </a:r>
             <a:r>
-              <a:rPr lang="en-US" altLang="ja-JP" dirty="0" err="1"/>
+              <a:rPr lang="en-US" altLang="ja-JP" sz="1400" dirty="0" err="1"/>
               <a:t>Ansible's</a:t>
             </a:r>
             <a:r>
-              <a:rPr lang="en-US" altLang="ja-JP" dirty="0"/>
+              <a:rPr lang="en-US" altLang="ja-JP" sz="1400" dirty="0"/>
               <a:t> Playbook files or </a:t>
             </a:r>
             <a:r>
-              <a:rPr lang="en-US" altLang="ja-JP" dirty="0" err="1"/>
+              <a:rPr lang="en-US" altLang="ja-JP" sz="1400" dirty="0" err="1"/>
               <a:t>Terraform's</a:t>
             </a:r>
             <a:r>
-              <a:rPr lang="en-US" altLang="ja-JP" dirty="0"/>
-              <a:t> IaC files, for development, we can use CI (Continuous Integration) to automatically test and build, and CD (Continuous Delivery) to automatically construct environments</a:t>
-            </a:r>
-            <a:r>
-              <a:rPr lang="en-US" altLang="ja-JP" dirty="0" smtClean="0"/>
+              <a:rPr lang="en-US" altLang="ja-JP" sz="1400" dirty="0"/>
+              <a:t> IaC files, for development, we can use CI (Continuous Integration) to automatically test and build, and CD (Continuous Delivery) to automatically </a:t>
+            </a:r>
+            <a:r>
+              <a:rPr lang="en-US" altLang="ja-JP" sz="1400" dirty="0" smtClean="0"/>
+              <a:t>construct environments.</a:t>
+            </a:r>
+          </a:p>
+          <a:p>
+            <a:pPr lvl="1"/>
+            <a:r>
+              <a:rPr lang="en-US" altLang="ja-JP" sz="1400" dirty="0" smtClean="0"/>
+              <a:t>We </a:t>
+            </a:r>
+            <a:r>
+              <a:rPr lang="en-US" altLang="ja-JP" sz="1400" dirty="0"/>
+              <a:t>can have the </a:t>
+            </a:r>
+            <a:r>
+              <a:rPr lang="en-US" altLang="ja-JP" sz="1400" dirty="0" err="1"/>
+              <a:t>Git</a:t>
+            </a:r>
+            <a:r>
+              <a:rPr lang="en-US" altLang="ja-JP" sz="1400" dirty="0"/>
+              <a:t> repository's </a:t>
+            </a:r>
+            <a:r>
+              <a:rPr lang="en-US" altLang="ja-JP" sz="1400" dirty="0">
+                <a:solidFill>
+                  <a:srgbClr val="FF0000"/>
+                </a:solidFill>
+              </a:rPr>
+              <a:t>IaC files be automatically applied to the system when they are updated</a:t>
+            </a:r>
+            <a:r>
+              <a:rPr lang="en-US" altLang="ja-JP" sz="1400" dirty="0" smtClean="0">
+                <a:solidFill>
+                  <a:srgbClr val="FF0000"/>
+                </a:solidFill>
+              </a:rPr>
               <a:t>.</a:t>
             </a:r>
-            <a:r>
-              <a:rPr lang="en-US" altLang="ja-JP" dirty="0"/>
-              <a:t/>
-            </a:r>
-            <a:br>
-              <a:rPr lang="en-US" altLang="ja-JP" dirty="0"/>
-            </a:br>
-            <a:r>
-              <a:rPr lang="en-US" altLang="ja-JP" dirty="0"/>
-              <a:t>Connecting to Git allows users to manage files by versions and to see when what user </a:t>
-            </a:r>
-            <a:r>
-              <a:rPr lang="en-US" altLang="ja-JP" dirty="0" smtClean="0"/>
-              <a:t>committed </a:t>
-            </a:r>
-            <a:r>
-              <a:rPr lang="en-US" altLang="ja-JP" dirty="0"/>
-              <a:t>what files and so </a:t>
-            </a:r>
-            <a:r>
-              <a:rPr lang="en-US" altLang="ja-JP" dirty="0" smtClean="0"/>
-              <a:t>on. By </a:t>
-            </a:r>
-            <a:r>
-              <a:rPr lang="en-US" altLang="ja-JP" dirty="0"/>
-              <a:t>uploading files to Git, users can automatically create environments by configuring some files., meaning that users can now use </a:t>
-            </a:r>
-            <a:r>
-              <a:rPr lang="en-US" altLang="ja-JP" dirty="0" err="1"/>
-              <a:t>GitOps</a:t>
-            </a:r>
-            <a:r>
-              <a:rPr lang="en-US" altLang="ja-JP" dirty="0"/>
-              <a:t> with ITA.</a:t>
-            </a:r>
-            <a:endParaRPr lang="en-US" altLang="ja-JP" dirty="0" smtClean="0"/>
+          </a:p>
+          <a:p>
+            <a:pPr lvl="1"/>
+            <a:r>
+              <a:rPr lang="en-US" altLang="ja-JP" sz="1400" dirty="0"/>
+              <a:t>As we are linking the IaC files to </a:t>
+            </a:r>
+            <a:r>
+              <a:rPr lang="en-US" altLang="ja-JP" sz="1400" dirty="0" err="1"/>
+              <a:t>Git</a:t>
+            </a:r>
+            <a:r>
+              <a:rPr lang="en-US" altLang="ja-JP" sz="1400" dirty="0"/>
+              <a:t>, this allows us to manage versions and check commit histories as well.</a:t>
+            </a:r>
+            <a:endParaRPr lang="en-US" altLang="ja-JP" sz="1400" dirty="0" smtClean="0"/>
           </a:p>
         </p:txBody>
       </p:sp>
@@ -10324,30 +11099,3293 @@
           </a:p>
         </p:txBody>
       </p:sp>
+      <p:sp>
+        <p:nvSpPr>
+          <p:cNvPr id="5" name="角丸四角形 4"/>
+          <p:cNvSpPr/>
+          <p:nvPr/>
+        </p:nvSpPr>
+        <p:spPr bwMode="auto">
+          <a:xfrm>
+            <a:off x="2462633" y="3140960"/>
+            <a:ext cx="4217760" cy="2952410"/>
+          </a:xfrm>
+          <a:prstGeom prst="roundRect">
+            <a:avLst>
+              <a:gd name="adj" fmla="val 3359"/>
+            </a:avLst>
+          </a:prstGeom>
+          <a:noFill/>
+          <a:ln w="28575">
+            <a:solidFill>
+              <a:schemeClr val="accent6"/>
+            </a:solidFill>
+          </a:ln>
+          <a:effectLst/>
+          <a:extLst/>
+        </p:spPr>
+        <p:txBody>
+          <a:bodyPr rot="0" spcFirstLastPara="0" vertOverflow="overflow" horzOverflow="overflow" vert="horz" wrap="none" lIns="72000" tIns="72000" rIns="72000" bIns="72000" numCol="1" spcCol="0" rtlCol="0" fromWordArt="0" anchor="t" anchorCtr="0" forceAA="0" compatLnSpc="1">
+            <a:prstTxWarp prst="textNoShape">
+              <a:avLst/>
+            </a:prstTxWarp>
+            <a:noAutofit/>
+          </a:bodyPr>
+          <a:lstStyle/>
+          <a:p>
+            <a:pPr algn="ctr"/>
+            <a:r>
+              <a:rPr kumimoji="1" lang="en-US" altLang="ja-JP" sz="1000" b="1" dirty="0" smtClean="0">
+                <a:latin typeface="+mn-ea"/>
+              </a:rPr>
+              <a:t>Exastro</a:t>
+            </a:r>
+            <a:r>
+              <a:rPr kumimoji="1" lang="ja-JP" altLang="en-US" sz="1000" b="1" dirty="0" smtClean="0">
+                <a:latin typeface="+mn-ea"/>
+              </a:rPr>
+              <a:t> </a:t>
+            </a:r>
+            <a:r>
+              <a:rPr kumimoji="1" lang="en-US" altLang="ja-JP" sz="1000" b="1" dirty="0" smtClean="0">
+                <a:latin typeface="+mn-ea"/>
+              </a:rPr>
+              <a:t>ITA</a:t>
+            </a:r>
+            <a:r>
+              <a:rPr lang="ja-JP" altLang="en-US" sz="1000" b="1" dirty="0">
+                <a:latin typeface="+mn-ea"/>
+              </a:rPr>
+              <a:t> </a:t>
+            </a:r>
+            <a:r>
+              <a:rPr lang="en-US" altLang="ja-JP" sz="1000" b="1" dirty="0" smtClean="0">
+                <a:latin typeface="+mn-ea"/>
+              </a:rPr>
+              <a:t>server</a:t>
+            </a:r>
+            <a:endParaRPr kumimoji="1" lang="ja-JP" altLang="en-US" sz="1000" b="1" dirty="0" smtClean="0">
+              <a:latin typeface="+mn-ea"/>
+            </a:endParaRPr>
+          </a:p>
+        </p:txBody>
+      </p:sp>
+      <p:sp>
+        <p:nvSpPr>
+          <p:cNvPr id="6" name="角丸四角形 5"/>
+          <p:cNvSpPr/>
+          <p:nvPr/>
+        </p:nvSpPr>
+        <p:spPr bwMode="auto">
+          <a:xfrm>
+            <a:off x="4775288" y="3933069"/>
+            <a:ext cx="1535107" cy="1033711"/>
+          </a:xfrm>
+          <a:prstGeom prst="roundRect">
+            <a:avLst/>
+          </a:prstGeom>
+          <a:noFill/>
+          <a:ln w="28575">
+            <a:solidFill>
+              <a:schemeClr val="accent6"/>
+            </a:solidFill>
+          </a:ln>
+          <a:effectLst/>
+          <a:extLst/>
+        </p:spPr>
+        <p:txBody>
+          <a:bodyPr rot="0" spcFirstLastPara="0" vertOverflow="overflow" horzOverflow="overflow" vert="horz" wrap="none" lIns="72000" tIns="72000" rIns="72000" bIns="72000" numCol="1" spcCol="0" rtlCol="0" fromWordArt="0" anchor="t" anchorCtr="0" forceAA="0" compatLnSpc="1">
+            <a:prstTxWarp prst="textNoShape">
+              <a:avLst/>
+            </a:prstTxWarp>
+            <a:noAutofit/>
+          </a:bodyPr>
+          <a:lstStyle/>
+          <a:p>
+            <a:pPr algn="ctr"/>
+            <a:r>
+              <a:rPr lang="en-US" altLang="ja-JP" sz="1000" b="1" dirty="0" smtClean="0">
+                <a:latin typeface="+mn-ea"/>
+              </a:rPr>
+              <a:t>Link destination files</a:t>
+            </a:r>
+            <a:br>
+              <a:rPr lang="en-US" altLang="ja-JP" sz="1000" b="1" dirty="0" smtClean="0">
+                <a:latin typeface="+mn-ea"/>
+              </a:rPr>
+            </a:br>
+            <a:r>
+              <a:rPr kumimoji="1" lang="en-US" altLang="ja-JP" sz="1000" b="1" dirty="0" smtClean="0">
+                <a:latin typeface="+mn-ea"/>
+              </a:rPr>
+              <a:t>(※</a:t>
+            </a:r>
+            <a:r>
+              <a:rPr lang="en-US" altLang="ja-JP" sz="1000" b="1" dirty="0" smtClean="0">
+                <a:latin typeface="+mn-ea"/>
+              </a:rPr>
+              <a:t>1</a:t>
+            </a:r>
+            <a:r>
+              <a:rPr kumimoji="1" lang="en-US" altLang="ja-JP" sz="1000" b="1" dirty="0" smtClean="0">
+                <a:latin typeface="+mn-ea"/>
+              </a:rPr>
+              <a:t>)</a:t>
+            </a:r>
+            <a:endParaRPr kumimoji="1" lang="ja-JP" altLang="en-US" sz="1000" b="1" dirty="0" smtClean="0">
+              <a:latin typeface="+mn-ea"/>
+            </a:endParaRPr>
+          </a:p>
+        </p:txBody>
+      </p:sp>
+      <p:sp>
+        <p:nvSpPr>
+          <p:cNvPr id="7" name="円柱 6"/>
+          <p:cNvSpPr/>
+          <p:nvPr/>
+        </p:nvSpPr>
+        <p:spPr bwMode="auto">
+          <a:xfrm>
+            <a:off x="354625" y="3805323"/>
+            <a:ext cx="1492244" cy="1161457"/>
+          </a:xfrm>
+          <a:prstGeom prst="can">
+            <a:avLst>
+              <a:gd name="adj" fmla="val 15813"/>
+            </a:avLst>
+          </a:prstGeom>
+          <a:noFill/>
+          <a:ln w="28575">
+            <a:solidFill>
+              <a:schemeClr val="accent6"/>
+            </a:solidFill>
+          </a:ln>
+          <a:effectLst/>
+          <a:extLst/>
+        </p:spPr>
+        <p:txBody>
+          <a:bodyPr rot="0" spcFirstLastPara="0" vertOverflow="overflow" horzOverflow="overflow" vert="horz" wrap="none" lIns="72000" tIns="72000" rIns="72000" bIns="72000" numCol="1" spcCol="0" rtlCol="0" fromWordArt="0" anchor="t" anchorCtr="0" forceAA="0" compatLnSpc="1">
+            <a:prstTxWarp prst="textNoShape">
+              <a:avLst/>
+            </a:prstTxWarp>
+            <a:noAutofit/>
+          </a:bodyPr>
+          <a:lstStyle/>
+          <a:p>
+            <a:pPr algn="ctr"/>
+            <a:r>
+              <a:rPr kumimoji="1" lang="en-US" altLang="ja-JP" sz="1000" b="1" dirty="0" err="1" smtClean="0">
+                <a:latin typeface="+mn-ea"/>
+              </a:rPr>
+              <a:t>Git</a:t>
+            </a:r>
+            <a:r>
+              <a:rPr lang="ja-JP" altLang="en-US" sz="1000" b="1" dirty="0">
+                <a:latin typeface="+mn-ea"/>
+              </a:rPr>
+              <a:t> </a:t>
+            </a:r>
+            <a:r>
+              <a:rPr lang="en-US" altLang="ja-JP" sz="1000" b="1" dirty="0" smtClean="0">
+                <a:latin typeface="+mn-ea"/>
+              </a:rPr>
+              <a:t>repository</a:t>
+            </a:r>
+            <a:endParaRPr kumimoji="1" lang="ja-JP" altLang="en-US" sz="1000" b="1" dirty="0" smtClean="0">
+              <a:latin typeface="+mn-ea"/>
+            </a:endParaRPr>
+          </a:p>
+        </p:txBody>
+      </p:sp>
       <p:pic>
         <p:nvPicPr>
-          <p:cNvPr id="34" name="図 33"/>
+          <p:cNvPr id="8" name="図 7"/>
+          <p:cNvPicPr>
+            <a:picLocks noChangeAspect="1"/>
+          </p:cNvPicPr>
+          <p:nvPr/>
+        </p:nvPicPr>
+        <p:blipFill rotWithShape="1">
+          <a:blip r:embed="rId2">
+            <a:extLst>
+              <a:ext uri="{28A0092B-C50C-407E-A947-70E740481C1C}">
+                <a14:useLocalDpi xmlns:a14="http://schemas.microsoft.com/office/drawing/2010/main" val="0"/>
+              </a:ext>
+            </a:extLst>
+          </a:blip>
+          <a:srcRect l="-10097" t="-10097" r="-10097" b="-10097"/>
+          <a:stretch/>
+        </p:blipFill>
+        <p:spPr>
+          <a:xfrm>
+            <a:off x="196051" y="3608357"/>
+            <a:ext cx="432698" cy="432698"/>
+          </a:xfrm>
+          <a:prstGeom prst="rect">
+            <a:avLst/>
+          </a:prstGeom>
+          <a:solidFill>
+            <a:schemeClr val="bg1"/>
+          </a:solidFill>
+          <a:ln w="22225">
+            <a:solidFill>
+              <a:schemeClr val="accent6"/>
+            </a:solidFill>
+          </a:ln>
+        </p:spPr>
+      </p:pic>
+      <p:sp>
+        <p:nvSpPr>
+          <p:cNvPr id="9" name="フローチャート: 複数書類 8"/>
+          <p:cNvSpPr/>
+          <p:nvPr/>
+        </p:nvSpPr>
+        <p:spPr bwMode="auto">
+          <a:xfrm>
+            <a:off x="3344812" y="4295120"/>
+            <a:ext cx="630671" cy="372268"/>
+          </a:xfrm>
+          <a:prstGeom prst="flowChartMultidocument">
+            <a:avLst/>
+          </a:prstGeom>
+          <a:solidFill>
+            <a:schemeClr val="accent6">
+              <a:lumMod val="25000"/>
+              <a:lumOff val="75000"/>
+            </a:schemeClr>
+          </a:solidFill>
+          <a:ln w="12700">
+            <a:solidFill>
+              <a:schemeClr val="tx1"/>
+            </a:solidFill>
+            <a:prstDash val="sysDot"/>
+          </a:ln>
+          <a:effectLst/>
+          <a:extLst/>
+        </p:spPr>
+        <p:txBody>
+          <a:bodyPr rot="0" spcFirstLastPara="0" vertOverflow="overflow" horzOverflow="overflow" vert="horz" wrap="none" lIns="72000" tIns="72000" rIns="72000" bIns="72000" numCol="1" spcCol="0" rtlCol="0" fromWordArt="0" anchor="ctr" anchorCtr="0" forceAA="0" compatLnSpc="1">
+            <a:prstTxWarp prst="textNoShape">
+              <a:avLst/>
+            </a:prstTxWarp>
+            <a:noAutofit/>
+          </a:bodyPr>
+          <a:lstStyle/>
+          <a:p>
+            <a:pPr algn="ctr"/>
+            <a:endParaRPr kumimoji="1" lang="ja-JP" altLang="en-US" b="1" dirty="0" smtClean="0">
+              <a:latin typeface="+mn-ea"/>
+            </a:endParaRPr>
+          </a:p>
+        </p:txBody>
+      </p:sp>
+      <p:sp>
+        <p:nvSpPr>
+          <p:cNvPr id="10" name="円柱 9"/>
+          <p:cNvSpPr/>
+          <p:nvPr/>
+        </p:nvSpPr>
+        <p:spPr bwMode="auto">
+          <a:xfrm>
+            <a:off x="2866986" y="3805323"/>
+            <a:ext cx="1492244" cy="1161457"/>
+          </a:xfrm>
+          <a:prstGeom prst="can">
+            <a:avLst>
+              <a:gd name="adj" fmla="val 15813"/>
+            </a:avLst>
+          </a:prstGeom>
+          <a:noFill/>
+          <a:ln w="28575">
+            <a:solidFill>
+              <a:schemeClr val="accent6"/>
+            </a:solidFill>
+          </a:ln>
+          <a:effectLst/>
+          <a:extLst/>
+        </p:spPr>
+        <p:txBody>
+          <a:bodyPr rot="0" spcFirstLastPara="0" vertOverflow="overflow" horzOverflow="overflow" vert="horz" wrap="none" lIns="72000" tIns="72000" rIns="72000" bIns="72000" numCol="1" spcCol="0" rtlCol="0" fromWordArt="0" anchor="t" anchorCtr="0" forceAA="0" compatLnSpc="1">
+            <a:prstTxWarp prst="textNoShape">
+              <a:avLst/>
+            </a:prstTxWarp>
+            <a:noAutofit/>
+          </a:bodyPr>
+          <a:lstStyle/>
+          <a:p>
+            <a:pPr algn="ctr"/>
+            <a:r>
+              <a:rPr lang="en-US" altLang="ja-JP" sz="1000" b="1" dirty="0" smtClean="0">
+                <a:latin typeface="+mn-ea"/>
+              </a:rPr>
+              <a:t>Local repository</a:t>
+            </a:r>
+            <a:endParaRPr kumimoji="1" lang="ja-JP" altLang="en-US" sz="1000" b="1" dirty="0" smtClean="0">
+              <a:latin typeface="+mn-ea"/>
+            </a:endParaRPr>
+          </a:p>
+        </p:txBody>
+      </p:sp>
+      <p:sp>
+        <p:nvSpPr>
+          <p:cNvPr id="11" name="フローチャート: 書類 10"/>
+          <p:cNvSpPr/>
+          <p:nvPr/>
+        </p:nvSpPr>
+        <p:spPr bwMode="auto">
+          <a:xfrm>
+            <a:off x="3619575" y="4470281"/>
+            <a:ext cx="561430" cy="339692"/>
+          </a:xfrm>
+          <a:prstGeom prst="flowChartDocument">
+            <a:avLst/>
+          </a:prstGeom>
+          <a:solidFill>
+            <a:schemeClr val="accent6">
+              <a:lumMod val="25000"/>
+              <a:lumOff val="75000"/>
+            </a:schemeClr>
+          </a:solidFill>
+          <a:ln w="12700">
+            <a:solidFill>
+              <a:schemeClr val="tx1"/>
+            </a:solidFill>
+          </a:ln>
+          <a:effectLst/>
+          <a:extLst/>
+        </p:spPr>
+        <p:txBody>
+          <a:bodyPr rot="0" spcFirstLastPara="0" vertOverflow="overflow" horzOverflow="overflow" vert="horz" wrap="none" lIns="72000" tIns="72000" rIns="72000" bIns="72000" numCol="1" spcCol="0" rtlCol="0" fromWordArt="0" anchor="ctr" anchorCtr="0" forceAA="0" compatLnSpc="1">
+            <a:prstTxWarp prst="textNoShape">
+              <a:avLst/>
+            </a:prstTxWarp>
+            <a:noAutofit/>
+          </a:bodyPr>
+          <a:lstStyle/>
+          <a:p>
+            <a:pPr algn="ctr"/>
+            <a:r>
+              <a:rPr lang="en-US" altLang="ja-JP" sz="1000" b="1" dirty="0" smtClean="0">
+                <a:latin typeface="+mn-ea"/>
+              </a:rPr>
+              <a:t>File </a:t>
+            </a:r>
+            <a:r>
+              <a:rPr lang="en-US" altLang="ja-JP" sz="1000" b="1" dirty="0" smtClean="0">
+                <a:latin typeface="+mn-ea"/>
+              </a:rPr>
+              <a:t>B</a:t>
+            </a:r>
+            <a:endParaRPr kumimoji="1" lang="ja-JP" altLang="en-US" sz="1000" b="1" dirty="0" smtClean="0">
+              <a:latin typeface="+mn-ea"/>
+            </a:endParaRPr>
+          </a:p>
+        </p:txBody>
+      </p:sp>
+      <p:sp>
+        <p:nvSpPr>
+          <p:cNvPr id="12" name="フローチャート: 書類 11"/>
+          <p:cNvSpPr/>
+          <p:nvPr/>
+        </p:nvSpPr>
+        <p:spPr bwMode="auto">
+          <a:xfrm>
+            <a:off x="3038125" y="4470281"/>
+            <a:ext cx="561430" cy="339692"/>
+          </a:xfrm>
+          <a:prstGeom prst="flowChartDocument">
+            <a:avLst/>
+          </a:prstGeom>
+          <a:solidFill>
+            <a:schemeClr val="accent6">
+              <a:lumMod val="25000"/>
+              <a:lumOff val="75000"/>
+            </a:schemeClr>
+          </a:solidFill>
+          <a:ln w="12700">
+            <a:solidFill>
+              <a:schemeClr val="tx1"/>
+            </a:solidFill>
+          </a:ln>
+          <a:effectLst/>
+          <a:extLst/>
+        </p:spPr>
+        <p:txBody>
+          <a:bodyPr rot="0" spcFirstLastPara="0" vertOverflow="overflow" horzOverflow="overflow" vert="horz" wrap="none" lIns="72000" tIns="72000" rIns="72000" bIns="72000" numCol="1" spcCol="0" rtlCol="0" fromWordArt="0" anchor="ctr" anchorCtr="0" forceAA="0" compatLnSpc="1">
+            <a:prstTxWarp prst="textNoShape">
+              <a:avLst/>
+            </a:prstTxWarp>
+            <a:noAutofit/>
+          </a:bodyPr>
+          <a:lstStyle/>
+          <a:p>
+            <a:pPr algn="ctr"/>
+            <a:r>
+              <a:rPr lang="en-US" altLang="ja-JP" sz="1000" b="1" dirty="0" smtClean="0">
+                <a:latin typeface="+mn-ea"/>
+              </a:rPr>
+              <a:t>File </a:t>
+            </a:r>
+            <a:r>
+              <a:rPr kumimoji="1" lang="en-US" altLang="ja-JP" sz="1000" b="1" dirty="0" smtClean="0">
+                <a:latin typeface="+mn-ea"/>
+              </a:rPr>
+              <a:t>A</a:t>
+            </a:r>
+            <a:endParaRPr kumimoji="1" lang="ja-JP" altLang="en-US" sz="1000" b="1" dirty="0" smtClean="0">
+              <a:latin typeface="+mn-ea"/>
+            </a:endParaRPr>
+          </a:p>
+        </p:txBody>
+      </p:sp>
+      <p:sp>
+        <p:nvSpPr>
+          <p:cNvPr id="13" name="フローチャート: 複数書類 12"/>
+          <p:cNvSpPr/>
+          <p:nvPr/>
+        </p:nvSpPr>
+        <p:spPr bwMode="auto">
+          <a:xfrm>
+            <a:off x="856267" y="4325473"/>
+            <a:ext cx="630671" cy="372268"/>
+          </a:xfrm>
+          <a:prstGeom prst="flowChartMultidocument">
+            <a:avLst/>
+          </a:prstGeom>
+          <a:solidFill>
+            <a:schemeClr val="accent6">
+              <a:lumMod val="25000"/>
+              <a:lumOff val="75000"/>
+            </a:schemeClr>
+          </a:solidFill>
+          <a:ln w="12700">
+            <a:solidFill>
+              <a:schemeClr val="tx1"/>
+            </a:solidFill>
+          </a:ln>
+          <a:effectLst/>
+          <a:extLst/>
+        </p:spPr>
+        <p:txBody>
+          <a:bodyPr rot="0" spcFirstLastPara="0" vertOverflow="overflow" horzOverflow="overflow" vert="horz" wrap="none" lIns="72000" tIns="72000" rIns="72000" bIns="72000" numCol="1" spcCol="0" rtlCol="0" fromWordArt="0" anchor="ctr" anchorCtr="0" forceAA="0" compatLnSpc="1">
+            <a:prstTxWarp prst="textNoShape">
+              <a:avLst/>
+            </a:prstTxWarp>
+            <a:noAutofit/>
+          </a:bodyPr>
+          <a:lstStyle/>
+          <a:p>
+            <a:pPr algn="ctr"/>
+            <a:endParaRPr kumimoji="1" lang="ja-JP" altLang="en-US" b="1" dirty="0" smtClean="0">
+              <a:latin typeface="+mn-ea"/>
+            </a:endParaRPr>
+          </a:p>
+        </p:txBody>
+      </p:sp>
+      <p:sp>
+        <p:nvSpPr>
+          <p:cNvPr id="14" name="フローチャート: 書類 13"/>
+          <p:cNvSpPr/>
+          <p:nvPr/>
+        </p:nvSpPr>
+        <p:spPr bwMode="auto">
+          <a:xfrm>
+            <a:off x="1073680" y="4476946"/>
+            <a:ext cx="561430" cy="339692"/>
+          </a:xfrm>
+          <a:prstGeom prst="flowChartDocument">
+            <a:avLst/>
+          </a:prstGeom>
+          <a:solidFill>
+            <a:schemeClr val="accent6">
+              <a:lumMod val="25000"/>
+              <a:lumOff val="75000"/>
+            </a:schemeClr>
+          </a:solidFill>
+          <a:ln w="12700">
+            <a:solidFill>
+              <a:schemeClr val="tx1"/>
+            </a:solidFill>
+          </a:ln>
+          <a:effectLst/>
+          <a:extLst/>
+        </p:spPr>
+        <p:txBody>
+          <a:bodyPr rot="0" spcFirstLastPara="0" vertOverflow="overflow" horzOverflow="overflow" vert="horz" wrap="none" lIns="72000" tIns="72000" rIns="72000" bIns="72000" numCol="1" spcCol="0" rtlCol="0" fromWordArt="0" anchor="ctr" anchorCtr="0" forceAA="0" compatLnSpc="1">
+            <a:prstTxWarp prst="textNoShape">
+              <a:avLst/>
+            </a:prstTxWarp>
+            <a:noAutofit/>
+          </a:bodyPr>
+          <a:lstStyle/>
+          <a:p>
+            <a:pPr algn="ctr"/>
+            <a:r>
+              <a:rPr lang="en-US" altLang="ja-JP" sz="1000" b="1" dirty="0" smtClean="0">
+                <a:latin typeface="+mn-ea"/>
+              </a:rPr>
+              <a:t>File </a:t>
+            </a:r>
+            <a:r>
+              <a:rPr lang="en-US" altLang="ja-JP" sz="1000" b="1" dirty="0" smtClean="0">
+                <a:latin typeface="+mn-ea"/>
+              </a:rPr>
+              <a:t>B</a:t>
+            </a:r>
+            <a:endParaRPr kumimoji="1" lang="ja-JP" altLang="en-US" sz="1000" b="1" dirty="0" smtClean="0">
+              <a:latin typeface="+mn-ea"/>
+            </a:endParaRPr>
+          </a:p>
+        </p:txBody>
+      </p:sp>
+      <p:sp>
+        <p:nvSpPr>
+          <p:cNvPr id="15" name="フローチャート: 書類 14"/>
+          <p:cNvSpPr/>
+          <p:nvPr/>
+        </p:nvSpPr>
+        <p:spPr bwMode="auto">
+          <a:xfrm>
+            <a:off x="492230" y="4476946"/>
+            <a:ext cx="561430" cy="339692"/>
+          </a:xfrm>
+          <a:prstGeom prst="flowChartDocument">
+            <a:avLst/>
+          </a:prstGeom>
+          <a:solidFill>
+            <a:schemeClr val="accent6">
+              <a:lumMod val="25000"/>
+              <a:lumOff val="75000"/>
+            </a:schemeClr>
+          </a:solidFill>
+          <a:ln w="12700">
+            <a:solidFill>
+              <a:schemeClr val="tx1"/>
+            </a:solidFill>
+          </a:ln>
+          <a:effectLst/>
+          <a:extLst/>
+        </p:spPr>
+        <p:txBody>
+          <a:bodyPr rot="0" spcFirstLastPara="0" vertOverflow="overflow" horzOverflow="overflow" vert="horz" wrap="none" lIns="72000" tIns="72000" rIns="72000" bIns="72000" numCol="1" spcCol="0" rtlCol="0" fromWordArt="0" anchor="ctr" anchorCtr="0" forceAA="0" compatLnSpc="1">
+            <a:prstTxWarp prst="textNoShape">
+              <a:avLst/>
+            </a:prstTxWarp>
+            <a:noAutofit/>
+          </a:bodyPr>
+          <a:lstStyle/>
+          <a:p>
+            <a:pPr algn="ctr"/>
+            <a:r>
+              <a:rPr lang="en-US" altLang="ja-JP" sz="1000" b="1" dirty="0" smtClean="0">
+                <a:latin typeface="+mn-ea"/>
+              </a:rPr>
+              <a:t>File </a:t>
+            </a:r>
+            <a:r>
+              <a:rPr kumimoji="1" lang="en-US" altLang="ja-JP" sz="1000" b="1" dirty="0" smtClean="0">
+                <a:latin typeface="+mn-ea"/>
+              </a:rPr>
+              <a:t>A</a:t>
+            </a:r>
+            <a:endParaRPr kumimoji="1" lang="ja-JP" altLang="en-US" sz="1000" b="1" dirty="0" smtClean="0">
+              <a:latin typeface="+mn-ea"/>
+            </a:endParaRPr>
+          </a:p>
+        </p:txBody>
+      </p:sp>
+      <p:sp>
+        <p:nvSpPr>
+          <p:cNvPr id="16" name="フローチャート: 書類 15"/>
+          <p:cNvSpPr/>
+          <p:nvPr/>
+        </p:nvSpPr>
+        <p:spPr bwMode="auto">
+          <a:xfrm>
+            <a:off x="5581654" y="4476946"/>
+            <a:ext cx="561430" cy="339692"/>
+          </a:xfrm>
+          <a:prstGeom prst="flowChartDocument">
+            <a:avLst/>
+          </a:prstGeom>
+          <a:solidFill>
+            <a:schemeClr val="accent6">
+              <a:lumMod val="25000"/>
+              <a:lumOff val="75000"/>
+            </a:schemeClr>
+          </a:solidFill>
+          <a:ln w="12700">
+            <a:solidFill>
+              <a:schemeClr val="tx1"/>
+            </a:solidFill>
+          </a:ln>
+          <a:effectLst/>
+          <a:extLst/>
+        </p:spPr>
+        <p:txBody>
+          <a:bodyPr rot="0" spcFirstLastPara="0" vertOverflow="overflow" horzOverflow="overflow" vert="horz" wrap="none" lIns="72000" tIns="72000" rIns="72000" bIns="72000" numCol="1" spcCol="0" rtlCol="0" fromWordArt="0" anchor="ctr" anchorCtr="0" forceAA="0" compatLnSpc="1">
+            <a:prstTxWarp prst="textNoShape">
+              <a:avLst/>
+            </a:prstTxWarp>
+            <a:noAutofit/>
+          </a:bodyPr>
+          <a:lstStyle/>
+          <a:p>
+            <a:pPr algn="ctr"/>
+            <a:r>
+              <a:rPr lang="en-US" altLang="ja-JP" sz="1000" b="1" dirty="0" smtClean="0">
+                <a:latin typeface="+mn-ea"/>
+              </a:rPr>
+              <a:t>File </a:t>
+            </a:r>
+            <a:r>
+              <a:rPr lang="en-US" altLang="ja-JP" sz="1000" b="1" dirty="0" smtClean="0">
+                <a:latin typeface="+mn-ea"/>
+              </a:rPr>
+              <a:t>B</a:t>
+            </a:r>
+            <a:r>
+              <a:rPr lang="en-US" altLang="ja-JP" sz="1000" b="1" dirty="0" smtClean="0">
+                <a:latin typeface="+mn-ea"/>
+              </a:rPr>
+              <a:t>’</a:t>
+            </a:r>
+            <a:endParaRPr kumimoji="1" lang="ja-JP" altLang="en-US" sz="1000" b="1" dirty="0" smtClean="0">
+              <a:latin typeface="+mn-ea"/>
+            </a:endParaRPr>
+          </a:p>
+        </p:txBody>
+      </p:sp>
+      <p:sp>
+        <p:nvSpPr>
+          <p:cNvPr id="17" name="フローチャート: 書類 16"/>
+          <p:cNvSpPr/>
+          <p:nvPr/>
+        </p:nvSpPr>
+        <p:spPr bwMode="auto">
+          <a:xfrm>
+            <a:off x="4966455" y="4476946"/>
+            <a:ext cx="561430" cy="339692"/>
+          </a:xfrm>
+          <a:prstGeom prst="flowChartDocument">
+            <a:avLst/>
+          </a:prstGeom>
+          <a:solidFill>
+            <a:schemeClr val="accent6">
+              <a:lumMod val="25000"/>
+              <a:lumOff val="75000"/>
+            </a:schemeClr>
+          </a:solidFill>
+          <a:ln w="12700">
+            <a:solidFill>
+              <a:schemeClr val="tx1"/>
+            </a:solidFill>
+          </a:ln>
+          <a:effectLst/>
+          <a:extLst/>
+        </p:spPr>
+        <p:txBody>
+          <a:bodyPr rot="0" spcFirstLastPara="0" vertOverflow="overflow" horzOverflow="overflow" vert="horz" wrap="none" lIns="72000" tIns="72000" rIns="72000" bIns="72000" numCol="1" spcCol="0" rtlCol="0" fromWordArt="0" anchor="ctr" anchorCtr="0" forceAA="0" compatLnSpc="1">
+            <a:prstTxWarp prst="textNoShape">
+              <a:avLst/>
+            </a:prstTxWarp>
+            <a:noAutofit/>
+          </a:bodyPr>
+          <a:lstStyle/>
+          <a:p>
+            <a:pPr algn="ctr"/>
+            <a:r>
+              <a:rPr lang="en-US" altLang="ja-JP" sz="1000" b="1" dirty="0" smtClean="0">
+                <a:latin typeface="+mn-ea"/>
+              </a:rPr>
+              <a:t>File </a:t>
+            </a:r>
+            <a:r>
+              <a:rPr lang="en-US" altLang="ja-JP" sz="1000" b="1" dirty="0" smtClean="0">
+                <a:latin typeface="+mn-ea"/>
+              </a:rPr>
+              <a:t>A</a:t>
+            </a:r>
+            <a:r>
+              <a:rPr lang="en-US" altLang="ja-JP" sz="1000" b="1" dirty="0" smtClean="0">
+                <a:latin typeface="+mn-ea"/>
+              </a:rPr>
+              <a:t>’</a:t>
+            </a:r>
+            <a:endParaRPr kumimoji="1" lang="ja-JP" altLang="en-US" sz="1000" b="1" dirty="0" smtClean="0">
+              <a:latin typeface="+mn-ea"/>
+            </a:endParaRPr>
+          </a:p>
+        </p:txBody>
+      </p:sp>
+      <p:sp>
+        <p:nvSpPr>
+          <p:cNvPr id="18" name="角丸四角形 17"/>
+          <p:cNvSpPr/>
+          <p:nvPr/>
+        </p:nvSpPr>
+        <p:spPr bwMode="auto">
+          <a:xfrm>
+            <a:off x="2667938" y="3454570"/>
+            <a:ext cx="1862267" cy="2494780"/>
+          </a:xfrm>
+          <a:prstGeom prst="roundRect">
+            <a:avLst>
+              <a:gd name="adj" fmla="val 3359"/>
+            </a:avLst>
+          </a:prstGeom>
+          <a:noFill/>
+          <a:ln w="12700">
+            <a:solidFill>
+              <a:schemeClr val="accent6"/>
+            </a:solidFill>
+            <a:prstDash val="sysDash"/>
+          </a:ln>
+          <a:effectLst/>
+          <a:extLst/>
+        </p:spPr>
+        <p:txBody>
+          <a:bodyPr rot="0" spcFirstLastPara="0" vertOverflow="overflow" horzOverflow="overflow" vert="horz" wrap="none" lIns="72000" tIns="72000" rIns="72000" bIns="72000" numCol="1" spcCol="0" rtlCol="0" fromWordArt="0" anchor="t" anchorCtr="0" forceAA="0" compatLnSpc="1">
+            <a:prstTxWarp prst="textNoShape">
+              <a:avLst/>
+            </a:prstTxWarp>
+            <a:noAutofit/>
+          </a:bodyPr>
+          <a:lstStyle/>
+          <a:p>
+            <a:pPr algn="ctr"/>
+            <a:r>
+              <a:rPr lang="en-US" altLang="ja-JP" sz="1000" b="1"/>
+              <a:t>CI/CD for IaC</a:t>
+            </a:r>
+            <a:endParaRPr kumimoji="1" lang="ja-JP" altLang="en-US" sz="1000" b="1" dirty="0" smtClean="0">
+              <a:latin typeface="+mn-ea"/>
+            </a:endParaRPr>
+          </a:p>
+        </p:txBody>
+      </p:sp>
+      <p:sp>
+        <p:nvSpPr>
+          <p:cNvPr id="19" name="角丸四角形 18"/>
+          <p:cNvSpPr/>
+          <p:nvPr/>
+        </p:nvSpPr>
+        <p:spPr bwMode="auto">
+          <a:xfrm>
+            <a:off x="4650520" y="3454570"/>
+            <a:ext cx="1862267" cy="2494780"/>
+          </a:xfrm>
+          <a:prstGeom prst="roundRect">
+            <a:avLst>
+              <a:gd name="adj" fmla="val 3359"/>
+            </a:avLst>
+          </a:prstGeom>
+          <a:noFill/>
+          <a:ln w="12700">
+            <a:solidFill>
+              <a:schemeClr val="accent6"/>
+            </a:solidFill>
+            <a:prstDash val="sysDash"/>
+          </a:ln>
+          <a:effectLst/>
+          <a:extLst/>
+        </p:spPr>
+        <p:txBody>
+          <a:bodyPr rot="0" spcFirstLastPara="0" vertOverflow="overflow" horzOverflow="overflow" vert="horz" wrap="none" lIns="72000" tIns="72000" rIns="72000" bIns="72000" numCol="1" spcCol="0" rtlCol="0" fromWordArt="0" anchor="t" anchorCtr="0" forceAA="0" compatLnSpc="1">
+            <a:prstTxWarp prst="textNoShape">
+              <a:avLst/>
+            </a:prstTxWarp>
+            <a:noAutofit/>
+          </a:bodyPr>
+          <a:lstStyle/>
+          <a:p>
+            <a:pPr algn="ctr"/>
+            <a:r>
+              <a:rPr lang="en-US" altLang="ja-JP" sz="1000" b="1" dirty="0" smtClean="0">
+                <a:latin typeface="+mn-ea"/>
+              </a:rPr>
+              <a:t>Ansible or Terraform</a:t>
+            </a:r>
+          </a:p>
+          <a:p>
+            <a:pPr algn="ctr"/>
+            <a:r>
+              <a:rPr lang="en-US" altLang="ja-JP" sz="1000" b="1" dirty="0" smtClean="0">
+                <a:latin typeface="+mn-ea"/>
+              </a:rPr>
+              <a:t>driver</a:t>
+            </a:r>
+            <a:endParaRPr kumimoji="1" lang="ja-JP" altLang="en-US" sz="1000" b="1" dirty="0" smtClean="0">
+              <a:latin typeface="+mn-ea"/>
+            </a:endParaRPr>
+          </a:p>
+        </p:txBody>
+      </p:sp>
+      <p:sp>
+        <p:nvSpPr>
+          <p:cNvPr id="20" name="U ターン矢印 19"/>
+          <p:cNvSpPr/>
+          <p:nvPr/>
+        </p:nvSpPr>
+        <p:spPr bwMode="auto">
+          <a:xfrm rot="16200000" flipH="1">
+            <a:off x="2180755" y="3864112"/>
+            <a:ext cx="359380" cy="1330107"/>
+          </a:xfrm>
+          <a:prstGeom prst="uturnArrow">
+            <a:avLst>
+              <a:gd name="adj1" fmla="val 25000"/>
+              <a:gd name="adj2" fmla="val 25000"/>
+              <a:gd name="adj3" fmla="val 25000"/>
+              <a:gd name="adj4" fmla="val 43750"/>
+              <a:gd name="adj5" fmla="val 100000"/>
+            </a:avLst>
+          </a:prstGeom>
+          <a:solidFill>
+            <a:srgbClr val="FFC000"/>
+          </a:solidFill>
+          <a:ln w="12700">
+            <a:solidFill>
+              <a:schemeClr val="tx1"/>
+            </a:solidFill>
+          </a:ln>
+          <a:effectLst/>
+          <a:extLst/>
+        </p:spPr>
+        <p:txBody>
+          <a:bodyPr rot="0" spcFirstLastPara="0" vertOverflow="overflow" horzOverflow="overflow" vert="horz" wrap="none" lIns="72000" tIns="72000" rIns="72000" bIns="72000" numCol="1" spcCol="0" rtlCol="0" fromWordArt="0" anchor="ctr" anchorCtr="0" forceAA="0" compatLnSpc="1">
+            <a:prstTxWarp prst="textNoShape">
+              <a:avLst/>
+            </a:prstTxWarp>
+            <a:noAutofit/>
+          </a:bodyPr>
+          <a:lstStyle/>
+          <a:p>
+            <a:pPr algn="ctr"/>
+            <a:endParaRPr kumimoji="1" lang="ja-JP" altLang="en-US" b="1" dirty="0" smtClean="0">
+              <a:latin typeface="+mn-ea"/>
+            </a:endParaRPr>
+          </a:p>
+        </p:txBody>
+      </p:sp>
+      <p:sp>
+        <p:nvSpPr>
+          <p:cNvPr id="21" name="テキスト ボックス 20"/>
+          <p:cNvSpPr txBox="1"/>
+          <p:nvPr/>
+        </p:nvSpPr>
+        <p:spPr>
+          <a:xfrm>
+            <a:off x="1898357" y="4123303"/>
+            <a:ext cx="997472" cy="200055"/>
+          </a:xfrm>
+          <a:prstGeom prst="rect">
+            <a:avLst/>
+          </a:prstGeom>
+          <a:solidFill>
+            <a:schemeClr val="accent1">
+              <a:lumMod val="20000"/>
+              <a:lumOff val="80000"/>
+            </a:schemeClr>
+          </a:solidFill>
+        </p:spPr>
+        <p:txBody>
+          <a:bodyPr wrap="square" rtlCol="0">
+            <a:spAutoFit/>
+          </a:bodyPr>
+          <a:lstStyle/>
+          <a:p>
+            <a:r>
+              <a:rPr kumimoji="1" lang="en-US" altLang="ja-JP" sz="700" b="1" dirty="0" err="1" smtClean="0"/>
+              <a:t>Git</a:t>
+            </a:r>
+            <a:r>
+              <a:rPr kumimoji="1" lang="en-US" altLang="ja-JP" sz="700" b="1" dirty="0" smtClean="0"/>
+              <a:t> clone/update</a:t>
+            </a:r>
+            <a:endParaRPr kumimoji="1" lang="ja-JP" altLang="en-US" sz="700" b="1" dirty="0"/>
+          </a:p>
+        </p:txBody>
+      </p:sp>
+      <p:pic>
+        <p:nvPicPr>
+          <p:cNvPr id="22" name="図 21"/>
           <p:cNvPicPr>
             <a:picLocks noChangeAspect="1"/>
           </p:cNvPicPr>
           <p:nvPr/>
         </p:nvPicPr>
         <p:blipFill>
-          <a:blip r:embed="rId2"/>
+          <a:blip r:embed="rId3">
+            <a:extLst>
+              <a:ext uri="{28A0092B-C50C-407E-A947-70E740481C1C}">
+                <a14:useLocalDpi xmlns:a14="http://schemas.microsoft.com/office/drawing/2010/main" val="0"/>
+              </a:ext>
+            </a:extLst>
+          </a:blip>
           <a:stretch>
             <a:fillRect/>
           </a:stretch>
         </p:blipFill>
         <p:spPr>
           <a:xfrm>
-            <a:off x="2227358" y="3135802"/>
-            <a:ext cx="4688310" cy="3373896"/>
+            <a:off x="2229115" y="3043392"/>
+            <a:ext cx="438823" cy="438823"/>
           </a:xfrm>
           <a:prstGeom prst="rect">
             <a:avLst/>
           </a:prstGeom>
         </p:spPr>
       </p:pic>
+      <p:sp>
+        <p:nvSpPr>
+          <p:cNvPr id="23" name="角丸四角形 22"/>
+          <p:cNvSpPr/>
+          <p:nvPr/>
+        </p:nvSpPr>
+        <p:spPr bwMode="auto">
+          <a:xfrm>
+            <a:off x="7037551" y="4630301"/>
+            <a:ext cx="1897258" cy="1429584"/>
+          </a:xfrm>
+          <a:prstGeom prst="roundRect">
+            <a:avLst>
+              <a:gd name="adj" fmla="val 3359"/>
+            </a:avLst>
+          </a:prstGeom>
+          <a:noFill/>
+          <a:ln w="28575">
+            <a:solidFill>
+              <a:schemeClr val="accent6"/>
+            </a:solidFill>
+          </a:ln>
+          <a:effectLst/>
+          <a:extLst/>
+        </p:spPr>
+        <p:txBody>
+          <a:bodyPr rot="0" spcFirstLastPara="0" vertOverflow="overflow" horzOverflow="overflow" vert="horz" wrap="none" lIns="72000" tIns="72000" rIns="72000" bIns="72000" numCol="1" spcCol="0" rtlCol="0" fromWordArt="0" anchor="t" anchorCtr="0" forceAA="0" compatLnSpc="1">
+            <a:prstTxWarp prst="textNoShape">
+              <a:avLst/>
+            </a:prstTxWarp>
+            <a:noAutofit/>
+          </a:bodyPr>
+          <a:lstStyle/>
+          <a:p>
+            <a:pPr algn="ctr"/>
+            <a:r>
+              <a:rPr kumimoji="1" lang="en-US" altLang="ja-JP" sz="1000" b="1" dirty="0" smtClean="0">
+                <a:latin typeface="+mn-ea"/>
+              </a:rPr>
+              <a:t>Target system </a:t>
+            </a:r>
+          </a:p>
+          <a:p>
+            <a:pPr algn="ctr"/>
+            <a:r>
+              <a:rPr kumimoji="1" lang="en-US" altLang="ja-JP" sz="1000" b="1" dirty="0" smtClean="0">
+                <a:latin typeface="+mn-ea"/>
+              </a:rPr>
+              <a:t>environment</a:t>
+            </a:r>
+            <a:endParaRPr kumimoji="1" lang="ja-JP" altLang="en-US" sz="1000" b="1" dirty="0" smtClean="0">
+              <a:latin typeface="+mn-ea"/>
+            </a:endParaRPr>
+          </a:p>
+        </p:txBody>
+      </p:sp>
+      <p:grpSp>
+        <p:nvGrpSpPr>
+          <p:cNvPr id="24" name="グループ化 23"/>
+          <p:cNvGrpSpPr>
+            <a:grpSpLocks noChangeAspect="1"/>
+          </p:cNvGrpSpPr>
+          <p:nvPr/>
+        </p:nvGrpSpPr>
+        <p:grpSpPr bwMode="gray">
+          <a:xfrm>
+            <a:off x="7913485" y="5296149"/>
+            <a:ext cx="307254" cy="528874"/>
+            <a:chOff x="5936838" y="1169393"/>
+            <a:chExt cx="484187" cy="833438"/>
+          </a:xfrm>
+        </p:grpSpPr>
+        <p:sp>
+          <p:nvSpPr>
+            <p:cNvPr id="25" name="Freeform 22"/>
+            <p:cNvSpPr>
+              <a:spLocks noChangeAspect="1"/>
+            </p:cNvSpPr>
+            <p:nvPr/>
+          </p:nvSpPr>
+          <p:spPr bwMode="gray">
+            <a:xfrm>
+              <a:off x="5936838" y="1169393"/>
+              <a:ext cx="484187" cy="833438"/>
+            </a:xfrm>
+            <a:custGeom>
+              <a:avLst/>
+              <a:gdLst>
+                <a:gd name="T0" fmla="*/ 642 w 642"/>
+                <a:gd name="T1" fmla="*/ 1081 h 1107"/>
+                <a:gd name="T2" fmla="*/ 615 w 642"/>
+                <a:gd name="T3" fmla="*/ 1107 h 1107"/>
+                <a:gd name="T4" fmla="*/ 27 w 642"/>
+                <a:gd name="T5" fmla="*/ 1107 h 1107"/>
+                <a:gd name="T6" fmla="*/ 0 w 642"/>
+                <a:gd name="T7" fmla="*/ 1081 h 1107"/>
+                <a:gd name="T8" fmla="*/ 0 w 642"/>
+                <a:gd name="T9" fmla="*/ 27 h 1107"/>
+                <a:gd name="T10" fmla="*/ 27 w 642"/>
+                <a:gd name="T11" fmla="*/ 0 h 1107"/>
+                <a:gd name="T12" fmla="*/ 615 w 642"/>
+                <a:gd name="T13" fmla="*/ 0 h 1107"/>
+                <a:gd name="T14" fmla="*/ 642 w 642"/>
+                <a:gd name="T15" fmla="*/ 27 h 1107"/>
+                <a:gd name="T16" fmla="*/ 642 w 642"/>
+                <a:gd name="T17" fmla="*/ 1081 h 1107"/>
+              </a:gdLst>
+              <a:ahLst/>
+              <a:cxnLst>
+                <a:cxn ang="0">
+                  <a:pos x="T0" y="T1"/>
+                </a:cxn>
+                <a:cxn ang="0">
+                  <a:pos x="T2" y="T3"/>
+                </a:cxn>
+                <a:cxn ang="0">
+                  <a:pos x="T4" y="T5"/>
+                </a:cxn>
+                <a:cxn ang="0">
+                  <a:pos x="T6" y="T7"/>
+                </a:cxn>
+                <a:cxn ang="0">
+                  <a:pos x="T8" y="T9"/>
+                </a:cxn>
+                <a:cxn ang="0">
+                  <a:pos x="T10" y="T11"/>
+                </a:cxn>
+                <a:cxn ang="0">
+                  <a:pos x="T12" y="T13"/>
+                </a:cxn>
+                <a:cxn ang="0">
+                  <a:pos x="T14" y="T15"/>
+                </a:cxn>
+                <a:cxn ang="0">
+                  <a:pos x="T16" y="T17"/>
+                </a:cxn>
+              </a:cxnLst>
+              <a:rect l="0" t="0" r="r" b="b"/>
+              <a:pathLst>
+                <a:path w="642" h="1107">
+                  <a:moveTo>
+                    <a:pt x="642" y="1081"/>
+                  </a:moveTo>
+                  <a:cubicBezTo>
+                    <a:pt x="642" y="1095"/>
+                    <a:pt x="630" y="1107"/>
+                    <a:pt x="615" y="1107"/>
+                  </a:cubicBezTo>
+                  <a:cubicBezTo>
+                    <a:pt x="27" y="1107"/>
+                    <a:pt x="27" y="1107"/>
+                    <a:pt x="27" y="1107"/>
+                  </a:cubicBezTo>
+                  <a:cubicBezTo>
+                    <a:pt x="12" y="1107"/>
+                    <a:pt x="0" y="1095"/>
+                    <a:pt x="0" y="1081"/>
+                  </a:cubicBezTo>
+                  <a:cubicBezTo>
+                    <a:pt x="0" y="27"/>
+                    <a:pt x="0" y="27"/>
+                    <a:pt x="0" y="27"/>
+                  </a:cubicBezTo>
+                  <a:cubicBezTo>
+                    <a:pt x="0" y="12"/>
+                    <a:pt x="12" y="0"/>
+                    <a:pt x="27" y="0"/>
+                  </a:cubicBezTo>
+                  <a:cubicBezTo>
+                    <a:pt x="615" y="0"/>
+                    <a:pt x="615" y="0"/>
+                    <a:pt x="615" y="0"/>
+                  </a:cubicBezTo>
+                  <a:cubicBezTo>
+                    <a:pt x="630" y="0"/>
+                    <a:pt x="642" y="12"/>
+                    <a:pt x="642" y="27"/>
+                  </a:cubicBezTo>
+                  <a:lnTo>
+                    <a:pt x="642" y="1081"/>
+                  </a:lnTo>
+                  <a:close/>
+                </a:path>
+              </a:pathLst>
+            </a:custGeom>
+            <a:solidFill>
+              <a:schemeClr val="accent6"/>
+            </a:solidFill>
+            <a:ln>
+              <a:noFill/>
+            </a:ln>
+            <a:extLst>
+              <a:ext uri="{91240B29-F687-4F45-9708-019B960494DF}">
+                <a14:hiddenLine xmlns:a14="http://schemas.microsoft.com/office/drawing/2010/main" w="9525">
+                  <a:solidFill>
+                    <a:srgbClr val="000000"/>
+                  </a:solidFill>
+                  <a:round/>
+                  <a:headEnd/>
+                  <a:tailEnd/>
+                </a14:hiddenLine>
+              </a:ext>
+            </a:extLst>
+          </p:spPr>
+          <p:txBody>
+            <a:bodyPr vert="horz" wrap="square" lIns="91440" tIns="45720" rIns="91440" bIns="45720" numCol="1" anchor="t" anchorCtr="0" compatLnSpc="1">
+              <a:prstTxWarp prst="textNoShape">
+                <a:avLst/>
+              </a:prstTxWarp>
+            </a:bodyPr>
+            <a:lstStyle/>
+            <a:p>
+              <a:endParaRPr lang="ja-JP" altLang="en-US"/>
+            </a:p>
+          </p:txBody>
+        </p:sp>
+        <p:sp>
+          <p:nvSpPr>
+            <p:cNvPr id="26" name="フリーフォーム 25"/>
+            <p:cNvSpPr>
+              <a:spLocks noChangeAspect="1" noChangeArrowheads="1"/>
+            </p:cNvSpPr>
+            <p:nvPr/>
+          </p:nvSpPr>
+          <p:spPr bwMode="gray">
+            <a:xfrm>
+              <a:off x="6011450" y="1244006"/>
+              <a:ext cx="333375" cy="684213"/>
+            </a:xfrm>
+            <a:custGeom>
+              <a:avLst/>
+              <a:gdLst>
+                <a:gd name="connsiteX0" fmla="*/ 166688 w 333375"/>
+                <a:gd name="connsiteY0" fmla="*/ 600075 h 684213"/>
+                <a:gd name="connsiteX1" fmla="*/ 207963 w 333375"/>
+                <a:gd name="connsiteY1" fmla="*/ 642144 h 684213"/>
+                <a:gd name="connsiteX2" fmla="*/ 166688 w 333375"/>
+                <a:gd name="connsiteY2" fmla="*/ 684213 h 684213"/>
+                <a:gd name="connsiteX3" fmla="*/ 125413 w 333375"/>
+                <a:gd name="connsiteY3" fmla="*/ 642144 h 684213"/>
+                <a:gd name="connsiteX4" fmla="*/ 166688 w 333375"/>
+                <a:gd name="connsiteY4" fmla="*/ 600075 h 684213"/>
+                <a:gd name="connsiteX5" fmla="*/ 16665 w 333375"/>
+                <a:gd name="connsiteY5" fmla="*/ 485775 h 684213"/>
+                <a:gd name="connsiteX6" fmla="*/ 316711 w 333375"/>
+                <a:gd name="connsiteY6" fmla="*/ 485775 h 684213"/>
+                <a:gd name="connsiteX7" fmla="*/ 331788 w 333375"/>
+                <a:gd name="connsiteY7" fmla="*/ 499696 h 684213"/>
+                <a:gd name="connsiteX8" fmla="*/ 316711 w 333375"/>
+                <a:gd name="connsiteY8" fmla="*/ 514350 h 684213"/>
+                <a:gd name="connsiteX9" fmla="*/ 16665 w 333375"/>
+                <a:gd name="connsiteY9" fmla="*/ 514350 h 684213"/>
+                <a:gd name="connsiteX10" fmla="*/ 1588 w 333375"/>
+                <a:gd name="connsiteY10" fmla="*/ 499696 h 684213"/>
+                <a:gd name="connsiteX11" fmla="*/ 16665 w 333375"/>
+                <a:gd name="connsiteY11" fmla="*/ 485775 h 684213"/>
+                <a:gd name="connsiteX12" fmla="*/ 16665 w 333375"/>
+                <a:gd name="connsiteY12" fmla="*/ 419100 h 684213"/>
+                <a:gd name="connsiteX13" fmla="*/ 316711 w 333375"/>
+                <a:gd name="connsiteY13" fmla="*/ 419100 h 684213"/>
+                <a:gd name="connsiteX14" fmla="*/ 331788 w 333375"/>
+                <a:gd name="connsiteY14" fmla="*/ 433021 h 684213"/>
+                <a:gd name="connsiteX15" fmla="*/ 316711 w 333375"/>
+                <a:gd name="connsiteY15" fmla="*/ 447675 h 684213"/>
+                <a:gd name="connsiteX16" fmla="*/ 16665 w 333375"/>
+                <a:gd name="connsiteY16" fmla="*/ 447675 h 684213"/>
+                <a:gd name="connsiteX17" fmla="*/ 1588 w 333375"/>
+                <a:gd name="connsiteY17" fmla="*/ 433021 h 684213"/>
+                <a:gd name="connsiteX18" fmla="*/ 16665 w 333375"/>
+                <a:gd name="connsiteY18" fmla="*/ 419100 h 684213"/>
+                <a:gd name="connsiteX19" fmla="*/ 16665 w 333375"/>
+                <a:gd name="connsiteY19" fmla="*/ 350837 h 684213"/>
+                <a:gd name="connsiteX20" fmla="*/ 316711 w 333375"/>
+                <a:gd name="connsiteY20" fmla="*/ 350837 h 684213"/>
+                <a:gd name="connsiteX21" fmla="*/ 331788 w 333375"/>
+                <a:gd name="connsiteY21" fmla="*/ 366305 h 684213"/>
+                <a:gd name="connsiteX22" fmla="*/ 316711 w 333375"/>
+                <a:gd name="connsiteY22" fmla="*/ 381000 h 684213"/>
+                <a:gd name="connsiteX23" fmla="*/ 16665 w 333375"/>
+                <a:gd name="connsiteY23" fmla="*/ 381000 h 684213"/>
+                <a:gd name="connsiteX24" fmla="*/ 1588 w 333375"/>
+                <a:gd name="connsiteY24" fmla="*/ 366305 h 684213"/>
+                <a:gd name="connsiteX25" fmla="*/ 16665 w 333375"/>
+                <a:gd name="connsiteY25" fmla="*/ 350837 h 684213"/>
+                <a:gd name="connsiteX26" fmla="*/ 19610 w 333375"/>
+                <a:gd name="connsiteY26" fmla="*/ 166687 h 684213"/>
+                <a:gd name="connsiteX27" fmla="*/ 313765 w 333375"/>
+                <a:gd name="connsiteY27" fmla="*/ 166687 h 684213"/>
+                <a:gd name="connsiteX28" fmla="*/ 333375 w 333375"/>
+                <a:gd name="connsiteY28" fmla="*/ 186990 h 684213"/>
+                <a:gd name="connsiteX29" fmla="*/ 333375 w 333375"/>
+                <a:gd name="connsiteY29" fmla="*/ 246397 h 684213"/>
+                <a:gd name="connsiteX30" fmla="*/ 313765 w 333375"/>
+                <a:gd name="connsiteY30" fmla="*/ 266700 h 684213"/>
+                <a:gd name="connsiteX31" fmla="*/ 19610 w 333375"/>
+                <a:gd name="connsiteY31" fmla="*/ 266700 h 684213"/>
+                <a:gd name="connsiteX32" fmla="*/ 0 w 333375"/>
+                <a:gd name="connsiteY32" fmla="*/ 246397 h 684213"/>
+                <a:gd name="connsiteX33" fmla="*/ 0 w 333375"/>
+                <a:gd name="connsiteY33" fmla="*/ 186990 h 684213"/>
+                <a:gd name="connsiteX34" fmla="*/ 19610 w 333375"/>
+                <a:gd name="connsiteY34" fmla="*/ 166687 h 684213"/>
+                <a:gd name="connsiteX35" fmla="*/ 19610 w 333375"/>
+                <a:gd name="connsiteY35" fmla="*/ 0 h 684213"/>
+                <a:gd name="connsiteX36" fmla="*/ 313765 w 333375"/>
+                <a:gd name="connsiteY36" fmla="*/ 0 h 684213"/>
+                <a:gd name="connsiteX37" fmla="*/ 333375 w 333375"/>
+                <a:gd name="connsiteY37" fmla="*/ 19551 h 684213"/>
+                <a:gd name="connsiteX38" fmla="*/ 333375 w 333375"/>
+                <a:gd name="connsiteY38" fmla="*/ 79710 h 684213"/>
+                <a:gd name="connsiteX39" fmla="*/ 313765 w 333375"/>
+                <a:gd name="connsiteY39" fmla="*/ 100013 h 684213"/>
+                <a:gd name="connsiteX40" fmla="*/ 19610 w 333375"/>
+                <a:gd name="connsiteY40" fmla="*/ 100013 h 684213"/>
+                <a:gd name="connsiteX41" fmla="*/ 0 w 333375"/>
+                <a:gd name="connsiteY41" fmla="*/ 79710 h 684213"/>
+                <a:gd name="connsiteX42" fmla="*/ 0 w 333375"/>
+                <a:gd name="connsiteY42" fmla="*/ 19551 h 684213"/>
+                <a:gd name="connsiteX43" fmla="*/ 19610 w 333375"/>
+                <a:gd name="connsiteY43" fmla="*/ 0 h 684213"/>
+              </a:gdLst>
+              <a:ahLst/>
+              <a:cxnLst>
+                <a:cxn ang="0">
+                  <a:pos x="connsiteX0" y="connsiteY0"/>
+                </a:cxn>
+                <a:cxn ang="0">
+                  <a:pos x="connsiteX1" y="connsiteY1"/>
+                </a:cxn>
+                <a:cxn ang="0">
+                  <a:pos x="connsiteX2" y="connsiteY2"/>
+                </a:cxn>
+                <a:cxn ang="0">
+                  <a:pos x="connsiteX3" y="connsiteY3"/>
+                </a:cxn>
+                <a:cxn ang="0">
+                  <a:pos x="connsiteX4" y="connsiteY4"/>
+                </a:cxn>
+                <a:cxn ang="0">
+                  <a:pos x="connsiteX5" y="connsiteY5"/>
+                </a:cxn>
+                <a:cxn ang="0">
+                  <a:pos x="connsiteX6" y="connsiteY6"/>
+                </a:cxn>
+                <a:cxn ang="0">
+                  <a:pos x="connsiteX7" y="connsiteY7"/>
+                </a:cxn>
+                <a:cxn ang="0">
+                  <a:pos x="connsiteX8" y="connsiteY8"/>
+                </a:cxn>
+                <a:cxn ang="0">
+                  <a:pos x="connsiteX9" y="connsiteY9"/>
+                </a:cxn>
+                <a:cxn ang="0">
+                  <a:pos x="connsiteX10" y="connsiteY10"/>
+                </a:cxn>
+                <a:cxn ang="0">
+                  <a:pos x="connsiteX11" y="connsiteY11"/>
+                </a:cxn>
+                <a:cxn ang="0">
+                  <a:pos x="connsiteX12" y="connsiteY12"/>
+                </a:cxn>
+                <a:cxn ang="0">
+                  <a:pos x="connsiteX13" y="connsiteY13"/>
+                </a:cxn>
+                <a:cxn ang="0">
+                  <a:pos x="connsiteX14" y="connsiteY14"/>
+                </a:cxn>
+                <a:cxn ang="0">
+                  <a:pos x="connsiteX15" y="connsiteY15"/>
+                </a:cxn>
+                <a:cxn ang="0">
+                  <a:pos x="connsiteX16" y="connsiteY16"/>
+                </a:cxn>
+                <a:cxn ang="0">
+                  <a:pos x="connsiteX17" y="connsiteY17"/>
+                </a:cxn>
+                <a:cxn ang="0">
+                  <a:pos x="connsiteX18" y="connsiteY18"/>
+                </a:cxn>
+                <a:cxn ang="0">
+                  <a:pos x="connsiteX19" y="connsiteY19"/>
+                </a:cxn>
+                <a:cxn ang="0">
+                  <a:pos x="connsiteX20" y="connsiteY20"/>
+                </a:cxn>
+                <a:cxn ang="0">
+                  <a:pos x="connsiteX21" y="connsiteY21"/>
+                </a:cxn>
+                <a:cxn ang="0">
+                  <a:pos x="connsiteX22" y="connsiteY22"/>
+                </a:cxn>
+                <a:cxn ang="0">
+                  <a:pos x="connsiteX23" y="connsiteY23"/>
+                </a:cxn>
+                <a:cxn ang="0">
+                  <a:pos x="connsiteX24" y="connsiteY24"/>
+                </a:cxn>
+                <a:cxn ang="0">
+                  <a:pos x="connsiteX25" y="connsiteY25"/>
+                </a:cxn>
+                <a:cxn ang="0">
+                  <a:pos x="connsiteX26" y="connsiteY26"/>
+                </a:cxn>
+                <a:cxn ang="0">
+                  <a:pos x="connsiteX27" y="connsiteY27"/>
+                </a:cxn>
+                <a:cxn ang="0">
+                  <a:pos x="connsiteX28" y="connsiteY28"/>
+                </a:cxn>
+                <a:cxn ang="0">
+                  <a:pos x="connsiteX29" y="connsiteY29"/>
+                </a:cxn>
+                <a:cxn ang="0">
+                  <a:pos x="connsiteX30" y="connsiteY30"/>
+                </a:cxn>
+                <a:cxn ang="0">
+                  <a:pos x="connsiteX31" y="connsiteY31"/>
+                </a:cxn>
+                <a:cxn ang="0">
+                  <a:pos x="connsiteX32" y="connsiteY32"/>
+                </a:cxn>
+                <a:cxn ang="0">
+                  <a:pos x="connsiteX33" y="connsiteY33"/>
+                </a:cxn>
+                <a:cxn ang="0">
+                  <a:pos x="connsiteX34" y="connsiteY34"/>
+                </a:cxn>
+                <a:cxn ang="0">
+                  <a:pos x="connsiteX35" y="connsiteY35"/>
+                </a:cxn>
+                <a:cxn ang="0">
+                  <a:pos x="connsiteX36" y="connsiteY36"/>
+                </a:cxn>
+                <a:cxn ang="0">
+                  <a:pos x="connsiteX37" y="connsiteY37"/>
+                </a:cxn>
+                <a:cxn ang="0">
+                  <a:pos x="connsiteX38" y="connsiteY38"/>
+                </a:cxn>
+                <a:cxn ang="0">
+                  <a:pos x="connsiteX39" y="connsiteY39"/>
+                </a:cxn>
+                <a:cxn ang="0">
+                  <a:pos x="connsiteX40" y="connsiteY40"/>
+                </a:cxn>
+                <a:cxn ang="0">
+                  <a:pos x="connsiteX41" y="connsiteY41"/>
+                </a:cxn>
+                <a:cxn ang="0">
+                  <a:pos x="connsiteX42" y="connsiteY42"/>
+                </a:cxn>
+                <a:cxn ang="0">
+                  <a:pos x="connsiteX43" y="connsiteY43"/>
+                </a:cxn>
+              </a:cxnLst>
+              <a:rect l="l" t="t" r="r" b="b"/>
+              <a:pathLst>
+                <a:path w="333375" h="684213">
+                  <a:moveTo>
+                    <a:pt x="166688" y="600075"/>
+                  </a:moveTo>
+                  <a:cubicBezTo>
+                    <a:pt x="189484" y="600075"/>
+                    <a:pt x="207963" y="618910"/>
+                    <a:pt x="207963" y="642144"/>
+                  </a:cubicBezTo>
+                  <a:cubicBezTo>
+                    <a:pt x="207963" y="665378"/>
+                    <a:pt x="189484" y="684213"/>
+                    <a:pt x="166688" y="684213"/>
+                  </a:cubicBezTo>
+                  <a:cubicBezTo>
+                    <a:pt x="143892" y="684213"/>
+                    <a:pt x="125413" y="665378"/>
+                    <a:pt x="125413" y="642144"/>
+                  </a:cubicBezTo>
+                  <a:cubicBezTo>
+                    <a:pt x="125413" y="618910"/>
+                    <a:pt x="143892" y="600075"/>
+                    <a:pt x="166688" y="600075"/>
+                  </a:cubicBezTo>
+                  <a:close/>
+                  <a:moveTo>
+                    <a:pt x="16665" y="485775"/>
+                  </a:moveTo>
+                  <a:cubicBezTo>
+                    <a:pt x="16665" y="485775"/>
+                    <a:pt x="16665" y="485775"/>
+                    <a:pt x="316711" y="485775"/>
+                  </a:cubicBezTo>
+                  <a:cubicBezTo>
+                    <a:pt x="325003" y="485775"/>
+                    <a:pt x="331788" y="491636"/>
+                    <a:pt x="331788" y="499696"/>
+                  </a:cubicBezTo>
+                  <a:cubicBezTo>
+                    <a:pt x="331788" y="507756"/>
+                    <a:pt x="325003" y="514350"/>
+                    <a:pt x="316711" y="514350"/>
+                  </a:cubicBezTo>
+                  <a:cubicBezTo>
+                    <a:pt x="316711" y="514350"/>
+                    <a:pt x="316711" y="514350"/>
+                    <a:pt x="16665" y="514350"/>
+                  </a:cubicBezTo>
+                  <a:cubicBezTo>
+                    <a:pt x="8373" y="514350"/>
+                    <a:pt x="1588" y="507756"/>
+                    <a:pt x="1588" y="499696"/>
+                  </a:cubicBezTo>
+                  <a:cubicBezTo>
+                    <a:pt x="1588" y="491636"/>
+                    <a:pt x="8373" y="485775"/>
+                    <a:pt x="16665" y="485775"/>
+                  </a:cubicBezTo>
+                  <a:close/>
+                  <a:moveTo>
+                    <a:pt x="16665" y="419100"/>
+                  </a:moveTo>
+                  <a:cubicBezTo>
+                    <a:pt x="16665" y="419100"/>
+                    <a:pt x="16665" y="419100"/>
+                    <a:pt x="316711" y="419100"/>
+                  </a:cubicBezTo>
+                  <a:cubicBezTo>
+                    <a:pt x="325003" y="419100"/>
+                    <a:pt x="331788" y="425694"/>
+                    <a:pt x="331788" y="433021"/>
+                  </a:cubicBezTo>
+                  <a:cubicBezTo>
+                    <a:pt x="331788" y="441081"/>
+                    <a:pt x="325003" y="447675"/>
+                    <a:pt x="316711" y="447675"/>
+                  </a:cubicBezTo>
+                  <a:cubicBezTo>
+                    <a:pt x="316711" y="447675"/>
+                    <a:pt x="316711" y="447675"/>
+                    <a:pt x="16665" y="447675"/>
+                  </a:cubicBezTo>
+                  <a:cubicBezTo>
+                    <a:pt x="8373" y="447675"/>
+                    <a:pt x="1588" y="441081"/>
+                    <a:pt x="1588" y="433021"/>
+                  </a:cubicBezTo>
+                  <a:cubicBezTo>
+                    <a:pt x="1588" y="425694"/>
+                    <a:pt x="8373" y="419100"/>
+                    <a:pt x="16665" y="419100"/>
+                  </a:cubicBezTo>
+                  <a:close/>
+                  <a:moveTo>
+                    <a:pt x="16665" y="350837"/>
+                  </a:moveTo>
+                  <a:cubicBezTo>
+                    <a:pt x="16665" y="350837"/>
+                    <a:pt x="16665" y="350837"/>
+                    <a:pt x="316711" y="350837"/>
+                  </a:cubicBezTo>
+                  <a:cubicBezTo>
+                    <a:pt x="325003" y="350837"/>
+                    <a:pt x="331788" y="357798"/>
+                    <a:pt x="331788" y="366305"/>
+                  </a:cubicBezTo>
+                  <a:cubicBezTo>
+                    <a:pt x="331788" y="374813"/>
+                    <a:pt x="325003" y="381000"/>
+                    <a:pt x="316711" y="381000"/>
+                  </a:cubicBezTo>
+                  <a:cubicBezTo>
+                    <a:pt x="316711" y="381000"/>
+                    <a:pt x="316711" y="381000"/>
+                    <a:pt x="16665" y="381000"/>
+                  </a:cubicBezTo>
+                  <a:cubicBezTo>
+                    <a:pt x="8373" y="381000"/>
+                    <a:pt x="1588" y="374813"/>
+                    <a:pt x="1588" y="366305"/>
+                  </a:cubicBezTo>
+                  <a:cubicBezTo>
+                    <a:pt x="1588" y="357798"/>
+                    <a:pt x="8373" y="350837"/>
+                    <a:pt x="16665" y="350837"/>
+                  </a:cubicBezTo>
+                  <a:close/>
+                  <a:moveTo>
+                    <a:pt x="19610" y="166687"/>
+                  </a:moveTo>
+                  <a:cubicBezTo>
+                    <a:pt x="19610" y="166687"/>
+                    <a:pt x="19610" y="166687"/>
+                    <a:pt x="313765" y="166687"/>
+                  </a:cubicBezTo>
+                  <a:cubicBezTo>
+                    <a:pt x="324324" y="166687"/>
+                    <a:pt x="333375" y="175711"/>
+                    <a:pt x="333375" y="186990"/>
+                  </a:cubicBezTo>
+                  <a:cubicBezTo>
+                    <a:pt x="333375" y="186990"/>
+                    <a:pt x="333375" y="186990"/>
+                    <a:pt x="333375" y="246397"/>
+                  </a:cubicBezTo>
+                  <a:cubicBezTo>
+                    <a:pt x="333375" y="257676"/>
+                    <a:pt x="324324" y="266700"/>
+                    <a:pt x="313765" y="266700"/>
+                  </a:cubicBezTo>
+                  <a:cubicBezTo>
+                    <a:pt x="313765" y="266700"/>
+                    <a:pt x="313765" y="266700"/>
+                    <a:pt x="19610" y="266700"/>
+                  </a:cubicBezTo>
+                  <a:cubicBezTo>
+                    <a:pt x="9051" y="266700"/>
+                    <a:pt x="0" y="257676"/>
+                    <a:pt x="0" y="246397"/>
+                  </a:cubicBezTo>
+                  <a:cubicBezTo>
+                    <a:pt x="0" y="246397"/>
+                    <a:pt x="0" y="246397"/>
+                    <a:pt x="0" y="186990"/>
+                  </a:cubicBezTo>
+                  <a:cubicBezTo>
+                    <a:pt x="0" y="175711"/>
+                    <a:pt x="9051" y="166687"/>
+                    <a:pt x="19610" y="166687"/>
+                  </a:cubicBezTo>
+                  <a:close/>
+                  <a:moveTo>
+                    <a:pt x="19610" y="0"/>
+                  </a:moveTo>
+                  <a:cubicBezTo>
+                    <a:pt x="19610" y="0"/>
+                    <a:pt x="19610" y="0"/>
+                    <a:pt x="313765" y="0"/>
+                  </a:cubicBezTo>
+                  <a:cubicBezTo>
+                    <a:pt x="324324" y="0"/>
+                    <a:pt x="333375" y="9024"/>
+                    <a:pt x="333375" y="19551"/>
+                  </a:cubicBezTo>
+                  <a:cubicBezTo>
+                    <a:pt x="333375" y="19551"/>
+                    <a:pt x="333375" y="19551"/>
+                    <a:pt x="333375" y="79710"/>
+                  </a:cubicBezTo>
+                  <a:cubicBezTo>
+                    <a:pt x="333375" y="90989"/>
+                    <a:pt x="324324" y="100013"/>
+                    <a:pt x="313765" y="100013"/>
+                  </a:cubicBezTo>
+                  <a:cubicBezTo>
+                    <a:pt x="313765" y="100013"/>
+                    <a:pt x="313765" y="100013"/>
+                    <a:pt x="19610" y="100013"/>
+                  </a:cubicBezTo>
+                  <a:cubicBezTo>
+                    <a:pt x="9051" y="100013"/>
+                    <a:pt x="0" y="90989"/>
+                    <a:pt x="0" y="79710"/>
+                  </a:cubicBezTo>
+                  <a:cubicBezTo>
+                    <a:pt x="0" y="79710"/>
+                    <a:pt x="0" y="79710"/>
+                    <a:pt x="0" y="19551"/>
+                  </a:cubicBezTo>
+                  <a:cubicBezTo>
+                    <a:pt x="0" y="9024"/>
+                    <a:pt x="9051" y="0"/>
+                    <a:pt x="19610" y="0"/>
+                  </a:cubicBezTo>
+                  <a:close/>
+                </a:path>
+              </a:pathLst>
+            </a:custGeom>
+            <a:solidFill>
+              <a:srgbClr val="FFFFFF"/>
+            </a:solidFill>
+            <a:ln>
+              <a:noFill/>
+            </a:ln>
+            <a:extLst>
+              <a:ext uri="{91240B29-F687-4F45-9708-019B960494DF}">
+                <a14:hiddenLine xmlns:a14="http://schemas.microsoft.com/office/drawing/2010/main" w="9525">
+                  <a:solidFill>
+                    <a:srgbClr val="000000"/>
+                  </a:solidFill>
+                  <a:round/>
+                  <a:headEnd/>
+                  <a:tailEnd/>
+                </a14:hiddenLine>
+              </a:ext>
+            </a:extLst>
+          </p:spPr>
+          <p:txBody>
+            <a:bodyPr vert="horz" wrap="square" lIns="91440" tIns="45720" rIns="91440" bIns="45720" numCol="1" anchor="t" anchorCtr="0" compatLnSpc="1">
+              <a:prstTxWarp prst="textNoShape">
+                <a:avLst/>
+              </a:prstTxWarp>
+              <a:noAutofit/>
+            </a:bodyPr>
+            <a:lstStyle/>
+            <a:p>
+              <a:endParaRPr lang="ja-JP" altLang="en-US"/>
+            </a:p>
+          </p:txBody>
+        </p:sp>
+      </p:grpSp>
+      <p:grpSp>
+        <p:nvGrpSpPr>
+          <p:cNvPr id="27" name="グループ化 26"/>
+          <p:cNvGrpSpPr>
+            <a:grpSpLocks noChangeAspect="1"/>
+          </p:cNvGrpSpPr>
+          <p:nvPr/>
+        </p:nvGrpSpPr>
+        <p:grpSpPr bwMode="gray">
+          <a:xfrm>
+            <a:off x="7385709" y="5005596"/>
+            <a:ext cx="476051" cy="819427"/>
+            <a:chOff x="5936838" y="1169393"/>
+            <a:chExt cx="484187" cy="833438"/>
+          </a:xfrm>
+        </p:grpSpPr>
+        <p:sp>
+          <p:nvSpPr>
+            <p:cNvPr id="28" name="Freeform 22"/>
+            <p:cNvSpPr>
+              <a:spLocks noChangeAspect="1"/>
+            </p:cNvSpPr>
+            <p:nvPr/>
+          </p:nvSpPr>
+          <p:spPr bwMode="gray">
+            <a:xfrm>
+              <a:off x="5936838" y="1169393"/>
+              <a:ext cx="484187" cy="833438"/>
+            </a:xfrm>
+            <a:custGeom>
+              <a:avLst/>
+              <a:gdLst>
+                <a:gd name="T0" fmla="*/ 642 w 642"/>
+                <a:gd name="T1" fmla="*/ 1081 h 1107"/>
+                <a:gd name="T2" fmla="*/ 615 w 642"/>
+                <a:gd name="T3" fmla="*/ 1107 h 1107"/>
+                <a:gd name="T4" fmla="*/ 27 w 642"/>
+                <a:gd name="T5" fmla="*/ 1107 h 1107"/>
+                <a:gd name="T6" fmla="*/ 0 w 642"/>
+                <a:gd name="T7" fmla="*/ 1081 h 1107"/>
+                <a:gd name="T8" fmla="*/ 0 w 642"/>
+                <a:gd name="T9" fmla="*/ 27 h 1107"/>
+                <a:gd name="T10" fmla="*/ 27 w 642"/>
+                <a:gd name="T11" fmla="*/ 0 h 1107"/>
+                <a:gd name="T12" fmla="*/ 615 w 642"/>
+                <a:gd name="T13" fmla="*/ 0 h 1107"/>
+                <a:gd name="T14" fmla="*/ 642 w 642"/>
+                <a:gd name="T15" fmla="*/ 27 h 1107"/>
+                <a:gd name="T16" fmla="*/ 642 w 642"/>
+                <a:gd name="T17" fmla="*/ 1081 h 1107"/>
+              </a:gdLst>
+              <a:ahLst/>
+              <a:cxnLst>
+                <a:cxn ang="0">
+                  <a:pos x="T0" y="T1"/>
+                </a:cxn>
+                <a:cxn ang="0">
+                  <a:pos x="T2" y="T3"/>
+                </a:cxn>
+                <a:cxn ang="0">
+                  <a:pos x="T4" y="T5"/>
+                </a:cxn>
+                <a:cxn ang="0">
+                  <a:pos x="T6" y="T7"/>
+                </a:cxn>
+                <a:cxn ang="0">
+                  <a:pos x="T8" y="T9"/>
+                </a:cxn>
+                <a:cxn ang="0">
+                  <a:pos x="T10" y="T11"/>
+                </a:cxn>
+                <a:cxn ang="0">
+                  <a:pos x="T12" y="T13"/>
+                </a:cxn>
+                <a:cxn ang="0">
+                  <a:pos x="T14" y="T15"/>
+                </a:cxn>
+                <a:cxn ang="0">
+                  <a:pos x="T16" y="T17"/>
+                </a:cxn>
+              </a:cxnLst>
+              <a:rect l="0" t="0" r="r" b="b"/>
+              <a:pathLst>
+                <a:path w="642" h="1107">
+                  <a:moveTo>
+                    <a:pt x="642" y="1081"/>
+                  </a:moveTo>
+                  <a:cubicBezTo>
+                    <a:pt x="642" y="1095"/>
+                    <a:pt x="630" y="1107"/>
+                    <a:pt x="615" y="1107"/>
+                  </a:cubicBezTo>
+                  <a:cubicBezTo>
+                    <a:pt x="27" y="1107"/>
+                    <a:pt x="27" y="1107"/>
+                    <a:pt x="27" y="1107"/>
+                  </a:cubicBezTo>
+                  <a:cubicBezTo>
+                    <a:pt x="12" y="1107"/>
+                    <a:pt x="0" y="1095"/>
+                    <a:pt x="0" y="1081"/>
+                  </a:cubicBezTo>
+                  <a:cubicBezTo>
+                    <a:pt x="0" y="27"/>
+                    <a:pt x="0" y="27"/>
+                    <a:pt x="0" y="27"/>
+                  </a:cubicBezTo>
+                  <a:cubicBezTo>
+                    <a:pt x="0" y="12"/>
+                    <a:pt x="12" y="0"/>
+                    <a:pt x="27" y="0"/>
+                  </a:cubicBezTo>
+                  <a:cubicBezTo>
+                    <a:pt x="615" y="0"/>
+                    <a:pt x="615" y="0"/>
+                    <a:pt x="615" y="0"/>
+                  </a:cubicBezTo>
+                  <a:cubicBezTo>
+                    <a:pt x="630" y="0"/>
+                    <a:pt x="642" y="12"/>
+                    <a:pt x="642" y="27"/>
+                  </a:cubicBezTo>
+                  <a:lnTo>
+                    <a:pt x="642" y="1081"/>
+                  </a:lnTo>
+                  <a:close/>
+                </a:path>
+              </a:pathLst>
+            </a:custGeom>
+            <a:solidFill>
+              <a:schemeClr val="accent6"/>
+            </a:solidFill>
+            <a:ln>
+              <a:noFill/>
+            </a:ln>
+            <a:extLst>
+              <a:ext uri="{91240B29-F687-4F45-9708-019B960494DF}">
+                <a14:hiddenLine xmlns:a14="http://schemas.microsoft.com/office/drawing/2010/main" w="9525">
+                  <a:solidFill>
+                    <a:srgbClr val="000000"/>
+                  </a:solidFill>
+                  <a:round/>
+                  <a:headEnd/>
+                  <a:tailEnd/>
+                </a14:hiddenLine>
+              </a:ext>
+            </a:extLst>
+          </p:spPr>
+          <p:txBody>
+            <a:bodyPr vert="horz" wrap="square" lIns="91440" tIns="45720" rIns="91440" bIns="45720" numCol="1" anchor="t" anchorCtr="0" compatLnSpc="1">
+              <a:prstTxWarp prst="textNoShape">
+                <a:avLst/>
+              </a:prstTxWarp>
+            </a:bodyPr>
+            <a:lstStyle/>
+            <a:p>
+              <a:endParaRPr lang="ja-JP" altLang="en-US"/>
+            </a:p>
+          </p:txBody>
+        </p:sp>
+        <p:sp>
+          <p:nvSpPr>
+            <p:cNvPr id="29" name="フリーフォーム 28"/>
+            <p:cNvSpPr>
+              <a:spLocks noChangeAspect="1" noChangeArrowheads="1"/>
+            </p:cNvSpPr>
+            <p:nvPr/>
+          </p:nvSpPr>
+          <p:spPr bwMode="gray">
+            <a:xfrm>
+              <a:off x="6011450" y="1244006"/>
+              <a:ext cx="333375" cy="684213"/>
+            </a:xfrm>
+            <a:custGeom>
+              <a:avLst/>
+              <a:gdLst>
+                <a:gd name="connsiteX0" fmla="*/ 166688 w 333375"/>
+                <a:gd name="connsiteY0" fmla="*/ 600075 h 684213"/>
+                <a:gd name="connsiteX1" fmla="*/ 207963 w 333375"/>
+                <a:gd name="connsiteY1" fmla="*/ 642144 h 684213"/>
+                <a:gd name="connsiteX2" fmla="*/ 166688 w 333375"/>
+                <a:gd name="connsiteY2" fmla="*/ 684213 h 684213"/>
+                <a:gd name="connsiteX3" fmla="*/ 125413 w 333375"/>
+                <a:gd name="connsiteY3" fmla="*/ 642144 h 684213"/>
+                <a:gd name="connsiteX4" fmla="*/ 166688 w 333375"/>
+                <a:gd name="connsiteY4" fmla="*/ 600075 h 684213"/>
+                <a:gd name="connsiteX5" fmla="*/ 16665 w 333375"/>
+                <a:gd name="connsiteY5" fmla="*/ 485775 h 684213"/>
+                <a:gd name="connsiteX6" fmla="*/ 316711 w 333375"/>
+                <a:gd name="connsiteY6" fmla="*/ 485775 h 684213"/>
+                <a:gd name="connsiteX7" fmla="*/ 331788 w 333375"/>
+                <a:gd name="connsiteY7" fmla="*/ 499696 h 684213"/>
+                <a:gd name="connsiteX8" fmla="*/ 316711 w 333375"/>
+                <a:gd name="connsiteY8" fmla="*/ 514350 h 684213"/>
+                <a:gd name="connsiteX9" fmla="*/ 16665 w 333375"/>
+                <a:gd name="connsiteY9" fmla="*/ 514350 h 684213"/>
+                <a:gd name="connsiteX10" fmla="*/ 1588 w 333375"/>
+                <a:gd name="connsiteY10" fmla="*/ 499696 h 684213"/>
+                <a:gd name="connsiteX11" fmla="*/ 16665 w 333375"/>
+                <a:gd name="connsiteY11" fmla="*/ 485775 h 684213"/>
+                <a:gd name="connsiteX12" fmla="*/ 16665 w 333375"/>
+                <a:gd name="connsiteY12" fmla="*/ 419100 h 684213"/>
+                <a:gd name="connsiteX13" fmla="*/ 316711 w 333375"/>
+                <a:gd name="connsiteY13" fmla="*/ 419100 h 684213"/>
+                <a:gd name="connsiteX14" fmla="*/ 331788 w 333375"/>
+                <a:gd name="connsiteY14" fmla="*/ 433021 h 684213"/>
+                <a:gd name="connsiteX15" fmla="*/ 316711 w 333375"/>
+                <a:gd name="connsiteY15" fmla="*/ 447675 h 684213"/>
+                <a:gd name="connsiteX16" fmla="*/ 16665 w 333375"/>
+                <a:gd name="connsiteY16" fmla="*/ 447675 h 684213"/>
+                <a:gd name="connsiteX17" fmla="*/ 1588 w 333375"/>
+                <a:gd name="connsiteY17" fmla="*/ 433021 h 684213"/>
+                <a:gd name="connsiteX18" fmla="*/ 16665 w 333375"/>
+                <a:gd name="connsiteY18" fmla="*/ 419100 h 684213"/>
+                <a:gd name="connsiteX19" fmla="*/ 16665 w 333375"/>
+                <a:gd name="connsiteY19" fmla="*/ 350837 h 684213"/>
+                <a:gd name="connsiteX20" fmla="*/ 316711 w 333375"/>
+                <a:gd name="connsiteY20" fmla="*/ 350837 h 684213"/>
+                <a:gd name="connsiteX21" fmla="*/ 331788 w 333375"/>
+                <a:gd name="connsiteY21" fmla="*/ 366305 h 684213"/>
+                <a:gd name="connsiteX22" fmla="*/ 316711 w 333375"/>
+                <a:gd name="connsiteY22" fmla="*/ 381000 h 684213"/>
+                <a:gd name="connsiteX23" fmla="*/ 16665 w 333375"/>
+                <a:gd name="connsiteY23" fmla="*/ 381000 h 684213"/>
+                <a:gd name="connsiteX24" fmla="*/ 1588 w 333375"/>
+                <a:gd name="connsiteY24" fmla="*/ 366305 h 684213"/>
+                <a:gd name="connsiteX25" fmla="*/ 16665 w 333375"/>
+                <a:gd name="connsiteY25" fmla="*/ 350837 h 684213"/>
+                <a:gd name="connsiteX26" fmla="*/ 19610 w 333375"/>
+                <a:gd name="connsiteY26" fmla="*/ 166687 h 684213"/>
+                <a:gd name="connsiteX27" fmla="*/ 313765 w 333375"/>
+                <a:gd name="connsiteY27" fmla="*/ 166687 h 684213"/>
+                <a:gd name="connsiteX28" fmla="*/ 333375 w 333375"/>
+                <a:gd name="connsiteY28" fmla="*/ 186990 h 684213"/>
+                <a:gd name="connsiteX29" fmla="*/ 333375 w 333375"/>
+                <a:gd name="connsiteY29" fmla="*/ 246397 h 684213"/>
+                <a:gd name="connsiteX30" fmla="*/ 313765 w 333375"/>
+                <a:gd name="connsiteY30" fmla="*/ 266700 h 684213"/>
+                <a:gd name="connsiteX31" fmla="*/ 19610 w 333375"/>
+                <a:gd name="connsiteY31" fmla="*/ 266700 h 684213"/>
+                <a:gd name="connsiteX32" fmla="*/ 0 w 333375"/>
+                <a:gd name="connsiteY32" fmla="*/ 246397 h 684213"/>
+                <a:gd name="connsiteX33" fmla="*/ 0 w 333375"/>
+                <a:gd name="connsiteY33" fmla="*/ 186990 h 684213"/>
+                <a:gd name="connsiteX34" fmla="*/ 19610 w 333375"/>
+                <a:gd name="connsiteY34" fmla="*/ 166687 h 684213"/>
+                <a:gd name="connsiteX35" fmla="*/ 19610 w 333375"/>
+                <a:gd name="connsiteY35" fmla="*/ 0 h 684213"/>
+                <a:gd name="connsiteX36" fmla="*/ 313765 w 333375"/>
+                <a:gd name="connsiteY36" fmla="*/ 0 h 684213"/>
+                <a:gd name="connsiteX37" fmla="*/ 333375 w 333375"/>
+                <a:gd name="connsiteY37" fmla="*/ 19551 h 684213"/>
+                <a:gd name="connsiteX38" fmla="*/ 333375 w 333375"/>
+                <a:gd name="connsiteY38" fmla="*/ 79710 h 684213"/>
+                <a:gd name="connsiteX39" fmla="*/ 313765 w 333375"/>
+                <a:gd name="connsiteY39" fmla="*/ 100013 h 684213"/>
+                <a:gd name="connsiteX40" fmla="*/ 19610 w 333375"/>
+                <a:gd name="connsiteY40" fmla="*/ 100013 h 684213"/>
+                <a:gd name="connsiteX41" fmla="*/ 0 w 333375"/>
+                <a:gd name="connsiteY41" fmla="*/ 79710 h 684213"/>
+                <a:gd name="connsiteX42" fmla="*/ 0 w 333375"/>
+                <a:gd name="connsiteY42" fmla="*/ 19551 h 684213"/>
+                <a:gd name="connsiteX43" fmla="*/ 19610 w 333375"/>
+                <a:gd name="connsiteY43" fmla="*/ 0 h 684213"/>
+              </a:gdLst>
+              <a:ahLst/>
+              <a:cxnLst>
+                <a:cxn ang="0">
+                  <a:pos x="connsiteX0" y="connsiteY0"/>
+                </a:cxn>
+                <a:cxn ang="0">
+                  <a:pos x="connsiteX1" y="connsiteY1"/>
+                </a:cxn>
+                <a:cxn ang="0">
+                  <a:pos x="connsiteX2" y="connsiteY2"/>
+                </a:cxn>
+                <a:cxn ang="0">
+                  <a:pos x="connsiteX3" y="connsiteY3"/>
+                </a:cxn>
+                <a:cxn ang="0">
+                  <a:pos x="connsiteX4" y="connsiteY4"/>
+                </a:cxn>
+                <a:cxn ang="0">
+                  <a:pos x="connsiteX5" y="connsiteY5"/>
+                </a:cxn>
+                <a:cxn ang="0">
+                  <a:pos x="connsiteX6" y="connsiteY6"/>
+                </a:cxn>
+                <a:cxn ang="0">
+                  <a:pos x="connsiteX7" y="connsiteY7"/>
+                </a:cxn>
+                <a:cxn ang="0">
+                  <a:pos x="connsiteX8" y="connsiteY8"/>
+                </a:cxn>
+                <a:cxn ang="0">
+                  <a:pos x="connsiteX9" y="connsiteY9"/>
+                </a:cxn>
+                <a:cxn ang="0">
+                  <a:pos x="connsiteX10" y="connsiteY10"/>
+                </a:cxn>
+                <a:cxn ang="0">
+                  <a:pos x="connsiteX11" y="connsiteY11"/>
+                </a:cxn>
+                <a:cxn ang="0">
+                  <a:pos x="connsiteX12" y="connsiteY12"/>
+                </a:cxn>
+                <a:cxn ang="0">
+                  <a:pos x="connsiteX13" y="connsiteY13"/>
+                </a:cxn>
+                <a:cxn ang="0">
+                  <a:pos x="connsiteX14" y="connsiteY14"/>
+                </a:cxn>
+                <a:cxn ang="0">
+                  <a:pos x="connsiteX15" y="connsiteY15"/>
+                </a:cxn>
+                <a:cxn ang="0">
+                  <a:pos x="connsiteX16" y="connsiteY16"/>
+                </a:cxn>
+                <a:cxn ang="0">
+                  <a:pos x="connsiteX17" y="connsiteY17"/>
+                </a:cxn>
+                <a:cxn ang="0">
+                  <a:pos x="connsiteX18" y="connsiteY18"/>
+                </a:cxn>
+                <a:cxn ang="0">
+                  <a:pos x="connsiteX19" y="connsiteY19"/>
+                </a:cxn>
+                <a:cxn ang="0">
+                  <a:pos x="connsiteX20" y="connsiteY20"/>
+                </a:cxn>
+                <a:cxn ang="0">
+                  <a:pos x="connsiteX21" y="connsiteY21"/>
+                </a:cxn>
+                <a:cxn ang="0">
+                  <a:pos x="connsiteX22" y="connsiteY22"/>
+                </a:cxn>
+                <a:cxn ang="0">
+                  <a:pos x="connsiteX23" y="connsiteY23"/>
+                </a:cxn>
+                <a:cxn ang="0">
+                  <a:pos x="connsiteX24" y="connsiteY24"/>
+                </a:cxn>
+                <a:cxn ang="0">
+                  <a:pos x="connsiteX25" y="connsiteY25"/>
+                </a:cxn>
+                <a:cxn ang="0">
+                  <a:pos x="connsiteX26" y="connsiteY26"/>
+                </a:cxn>
+                <a:cxn ang="0">
+                  <a:pos x="connsiteX27" y="connsiteY27"/>
+                </a:cxn>
+                <a:cxn ang="0">
+                  <a:pos x="connsiteX28" y="connsiteY28"/>
+                </a:cxn>
+                <a:cxn ang="0">
+                  <a:pos x="connsiteX29" y="connsiteY29"/>
+                </a:cxn>
+                <a:cxn ang="0">
+                  <a:pos x="connsiteX30" y="connsiteY30"/>
+                </a:cxn>
+                <a:cxn ang="0">
+                  <a:pos x="connsiteX31" y="connsiteY31"/>
+                </a:cxn>
+                <a:cxn ang="0">
+                  <a:pos x="connsiteX32" y="connsiteY32"/>
+                </a:cxn>
+                <a:cxn ang="0">
+                  <a:pos x="connsiteX33" y="connsiteY33"/>
+                </a:cxn>
+                <a:cxn ang="0">
+                  <a:pos x="connsiteX34" y="connsiteY34"/>
+                </a:cxn>
+                <a:cxn ang="0">
+                  <a:pos x="connsiteX35" y="connsiteY35"/>
+                </a:cxn>
+                <a:cxn ang="0">
+                  <a:pos x="connsiteX36" y="connsiteY36"/>
+                </a:cxn>
+                <a:cxn ang="0">
+                  <a:pos x="connsiteX37" y="connsiteY37"/>
+                </a:cxn>
+                <a:cxn ang="0">
+                  <a:pos x="connsiteX38" y="connsiteY38"/>
+                </a:cxn>
+                <a:cxn ang="0">
+                  <a:pos x="connsiteX39" y="connsiteY39"/>
+                </a:cxn>
+                <a:cxn ang="0">
+                  <a:pos x="connsiteX40" y="connsiteY40"/>
+                </a:cxn>
+                <a:cxn ang="0">
+                  <a:pos x="connsiteX41" y="connsiteY41"/>
+                </a:cxn>
+                <a:cxn ang="0">
+                  <a:pos x="connsiteX42" y="connsiteY42"/>
+                </a:cxn>
+                <a:cxn ang="0">
+                  <a:pos x="connsiteX43" y="connsiteY43"/>
+                </a:cxn>
+              </a:cxnLst>
+              <a:rect l="l" t="t" r="r" b="b"/>
+              <a:pathLst>
+                <a:path w="333375" h="684213">
+                  <a:moveTo>
+                    <a:pt x="166688" y="600075"/>
+                  </a:moveTo>
+                  <a:cubicBezTo>
+                    <a:pt x="189484" y="600075"/>
+                    <a:pt x="207963" y="618910"/>
+                    <a:pt x="207963" y="642144"/>
+                  </a:cubicBezTo>
+                  <a:cubicBezTo>
+                    <a:pt x="207963" y="665378"/>
+                    <a:pt x="189484" y="684213"/>
+                    <a:pt x="166688" y="684213"/>
+                  </a:cubicBezTo>
+                  <a:cubicBezTo>
+                    <a:pt x="143892" y="684213"/>
+                    <a:pt x="125413" y="665378"/>
+                    <a:pt x="125413" y="642144"/>
+                  </a:cubicBezTo>
+                  <a:cubicBezTo>
+                    <a:pt x="125413" y="618910"/>
+                    <a:pt x="143892" y="600075"/>
+                    <a:pt x="166688" y="600075"/>
+                  </a:cubicBezTo>
+                  <a:close/>
+                  <a:moveTo>
+                    <a:pt x="16665" y="485775"/>
+                  </a:moveTo>
+                  <a:cubicBezTo>
+                    <a:pt x="16665" y="485775"/>
+                    <a:pt x="16665" y="485775"/>
+                    <a:pt x="316711" y="485775"/>
+                  </a:cubicBezTo>
+                  <a:cubicBezTo>
+                    <a:pt x="325003" y="485775"/>
+                    <a:pt x="331788" y="491636"/>
+                    <a:pt x="331788" y="499696"/>
+                  </a:cubicBezTo>
+                  <a:cubicBezTo>
+                    <a:pt x="331788" y="507756"/>
+                    <a:pt x="325003" y="514350"/>
+                    <a:pt x="316711" y="514350"/>
+                  </a:cubicBezTo>
+                  <a:cubicBezTo>
+                    <a:pt x="316711" y="514350"/>
+                    <a:pt x="316711" y="514350"/>
+                    <a:pt x="16665" y="514350"/>
+                  </a:cubicBezTo>
+                  <a:cubicBezTo>
+                    <a:pt x="8373" y="514350"/>
+                    <a:pt x="1588" y="507756"/>
+                    <a:pt x="1588" y="499696"/>
+                  </a:cubicBezTo>
+                  <a:cubicBezTo>
+                    <a:pt x="1588" y="491636"/>
+                    <a:pt x="8373" y="485775"/>
+                    <a:pt x="16665" y="485775"/>
+                  </a:cubicBezTo>
+                  <a:close/>
+                  <a:moveTo>
+                    <a:pt x="16665" y="419100"/>
+                  </a:moveTo>
+                  <a:cubicBezTo>
+                    <a:pt x="16665" y="419100"/>
+                    <a:pt x="16665" y="419100"/>
+                    <a:pt x="316711" y="419100"/>
+                  </a:cubicBezTo>
+                  <a:cubicBezTo>
+                    <a:pt x="325003" y="419100"/>
+                    <a:pt x="331788" y="425694"/>
+                    <a:pt x="331788" y="433021"/>
+                  </a:cubicBezTo>
+                  <a:cubicBezTo>
+                    <a:pt x="331788" y="441081"/>
+                    <a:pt x="325003" y="447675"/>
+                    <a:pt x="316711" y="447675"/>
+                  </a:cubicBezTo>
+                  <a:cubicBezTo>
+                    <a:pt x="316711" y="447675"/>
+                    <a:pt x="316711" y="447675"/>
+                    <a:pt x="16665" y="447675"/>
+                  </a:cubicBezTo>
+                  <a:cubicBezTo>
+                    <a:pt x="8373" y="447675"/>
+                    <a:pt x="1588" y="441081"/>
+                    <a:pt x="1588" y="433021"/>
+                  </a:cubicBezTo>
+                  <a:cubicBezTo>
+                    <a:pt x="1588" y="425694"/>
+                    <a:pt x="8373" y="419100"/>
+                    <a:pt x="16665" y="419100"/>
+                  </a:cubicBezTo>
+                  <a:close/>
+                  <a:moveTo>
+                    <a:pt x="16665" y="350837"/>
+                  </a:moveTo>
+                  <a:cubicBezTo>
+                    <a:pt x="16665" y="350837"/>
+                    <a:pt x="16665" y="350837"/>
+                    <a:pt x="316711" y="350837"/>
+                  </a:cubicBezTo>
+                  <a:cubicBezTo>
+                    <a:pt x="325003" y="350837"/>
+                    <a:pt x="331788" y="357798"/>
+                    <a:pt x="331788" y="366305"/>
+                  </a:cubicBezTo>
+                  <a:cubicBezTo>
+                    <a:pt x="331788" y="374813"/>
+                    <a:pt x="325003" y="381000"/>
+                    <a:pt x="316711" y="381000"/>
+                  </a:cubicBezTo>
+                  <a:cubicBezTo>
+                    <a:pt x="316711" y="381000"/>
+                    <a:pt x="316711" y="381000"/>
+                    <a:pt x="16665" y="381000"/>
+                  </a:cubicBezTo>
+                  <a:cubicBezTo>
+                    <a:pt x="8373" y="381000"/>
+                    <a:pt x="1588" y="374813"/>
+                    <a:pt x="1588" y="366305"/>
+                  </a:cubicBezTo>
+                  <a:cubicBezTo>
+                    <a:pt x="1588" y="357798"/>
+                    <a:pt x="8373" y="350837"/>
+                    <a:pt x="16665" y="350837"/>
+                  </a:cubicBezTo>
+                  <a:close/>
+                  <a:moveTo>
+                    <a:pt x="19610" y="166687"/>
+                  </a:moveTo>
+                  <a:cubicBezTo>
+                    <a:pt x="19610" y="166687"/>
+                    <a:pt x="19610" y="166687"/>
+                    <a:pt x="313765" y="166687"/>
+                  </a:cubicBezTo>
+                  <a:cubicBezTo>
+                    <a:pt x="324324" y="166687"/>
+                    <a:pt x="333375" y="175711"/>
+                    <a:pt x="333375" y="186990"/>
+                  </a:cubicBezTo>
+                  <a:cubicBezTo>
+                    <a:pt x="333375" y="186990"/>
+                    <a:pt x="333375" y="186990"/>
+                    <a:pt x="333375" y="246397"/>
+                  </a:cubicBezTo>
+                  <a:cubicBezTo>
+                    <a:pt x="333375" y="257676"/>
+                    <a:pt x="324324" y="266700"/>
+                    <a:pt x="313765" y="266700"/>
+                  </a:cubicBezTo>
+                  <a:cubicBezTo>
+                    <a:pt x="313765" y="266700"/>
+                    <a:pt x="313765" y="266700"/>
+                    <a:pt x="19610" y="266700"/>
+                  </a:cubicBezTo>
+                  <a:cubicBezTo>
+                    <a:pt x="9051" y="266700"/>
+                    <a:pt x="0" y="257676"/>
+                    <a:pt x="0" y="246397"/>
+                  </a:cubicBezTo>
+                  <a:cubicBezTo>
+                    <a:pt x="0" y="246397"/>
+                    <a:pt x="0" y="246397"/>
+                    <a:pt x="0" y="186990"/>
+                  </a:cubicBezTo>
+                  <a:cubicBezTo>
+                    <a:pt x="0" y="175711"/>
+                    <a:pt x="9051" y="166687"/>
+                    <a:pt x="19610" y="166687"/>
+                  </a:cubicBezTo>
+                  <a:close/>
+                  <a:moveTo>
+                    <a:pt x="19610" y="0"/>
+                  </a:moveTo>
+                  <a:cubicBezTo>
+                    <a:pt x="19610" y="0"/>
+                    <a:pt x="19610" y="0"/>
+                    <a:pt x="313765" y="0"/>
+                  </a:cubicBezTo>
+                  <a:cubicBezTo>
+                    <a:pt x="324324" y="0"/>
+                    <a:pt x="333375" y="9024"/>
+                    <a:pt x="333375" y="19551"/>
+                  </a:cubicBezTo>
+                  <a:cubicBezTo>
+                    <a:pt x="333375" y="19551"/>
+                    <a:pt x="333375" y="19551"/>
+                    <a:pt x="333375" y="79710"/>
+                  </a:cubicBezTo>
+                  <a:cubicBezTo>
+                    <a:pt x="333375" y="90989"/>
+                    <a:pt x="324324" y="100013"/>
+                    <a:pt x="313765" y="100013"/>
+                  </a:cubicBezTo>
+                  <a:cubicBezTo>
+                    <a:pt x="313765" y="100013"/>
+                    <a:pt x="313765" y="100013"/>
+                    <a:pt x="19610" y="100013"/>
+                  </a:cubicBezTo>
+                  <a:cubicBezTo>
+                    <a:pt x="9051" y="100013"/>
+                    <a:pt x="0" y="90989"/>
+                    <a:pt x="0" y="79710"/>
+                  </a:cubicBezTo>
+                  <a:cubicBezTo>
+                    <a:pt x="0" y="79710"/>
+                    <a:pt x="0" y="79710"/>
+                    <a:pt x="0" y="19551"/>
+                  </a:cubicBezTo>
+                  <a:cubicBezTo>
+                    <a:pt x="0" y="9024"/>
+                    <a:pt x="9051" y="0"/>
+                    <a:pt x="19610" y="0"/>
+                  </a:cubicBezTo>
+                  <a:close/>
+                </a:path>
+              </a:pathLst>
+            </a:custGeom>
+            <a:solidFill>
+              <a:srgbClr val="FFFFFF"/>
+            </a:solidFill>
+            <a:ln>
+              <a:noFill/>
+            </a:ln>
+            <a:extLst>
+              <a:ext uri="{91240B29-F687-4F45-9708-019B960494DF}">
+                <a14:hiddenLine xmlns:a14="http://schemas.microsoft.com/office/drawing/2010/main" w="9525">
+                  <a:solidFill>
+                    <a:srgbClr val="000000"/>
+                  </a:solidFill>
+                  <a:round/>
+                  <a:headEnd/>
+                  <a:tailEnd/>
+                </a14:hiddenLine>
+              </a:ext>
+            </a:extLst>
+          </p:spPr>
+          <p:txBody>
+            <a:bodyPr vert="horz" wrap="square" lIns="91440" tIns="45720" rIns="91440" bIns="45720" numCol="1" anchor="t" anchorCtr="0" compatLnSpc="1">
+              <a:prstTxWarp prst="textNoShape">
+                <a:avLst/>
+              </a:prstTxWarp>
+              <a:noAutofit/>
+            </a:bodyPr>
+            <a:lstStyle/>
+            <a:p>
+              <a:endParaRPr lang="ja-JP" altLang="en-US"/>
+            </a:p>
+          </p:txBody>
+        </p:sp>
+      </p:grpSp>
+      <p:grpSp>
+        <p:nvGrpSpPr>
+          <p:cNvPr id="30" name="グループ化 29"/>
+          <p:cNvGrpSpPr>
+            <a:grpSpLocks noChangeAspect="1"/>
+          </p:cNvGrpSpPr>
+          <p:nvPr/>
+        </p:nvGrpSpPr>
+        <p:grpSpPr bwMode="gray">
+          <a:xfrm>
+            <a:off x="8272464" y="5296149"/>
+            <a:ext cx="307254" cy="528874"/>
+            <a:chOff x="5936838" y="1169393"/>
+            <a:chExt cx="484187" cy="833438"/>
+          </a:xfrm>
+        </p:grpSpPr>
+        <p:sp>
+          <p:nvSpPr>
+            <p:cNvPr id="31" name="Freeform 22"/>
+            <p:cNvSpPr>
+              <a:spLocks noChangeAspect="1"/>
+            </p:cNvSpPr>
+            <p:nvPr/>
+          </p:nvSpPr>
+          <p:spPr bwMode="gray">
+            <a:xfrm>
+              <a:off x="5936838" y="1169393"/>
+              <a:ext cx="484187" cy="833438"/>
+            </a:xfrm>
+            <a:custGeom>
+              <a:avLst/>
+              <a:gdLst>
+                <a:gd name="T0" fmla="*/ 642 w 642"/>
+                <a:gd name="T1" fmla="*/ 1081 h 1107"/>
+                <a:gd name="T2" fmla="*/ 615 w 642"/>
+                <a:gd name="T3" fmla="*/ 1107 h 1107"/>
+                <a:gd name="T4" fmla="*/ 27 w 642"/>
+                <a:gd name="T5" fmla="*/ 1107 h 1107"/>
+                <a:gd name="T6" fmla="*/ 0 w 642"/>
+                <a:gd name="T7" fmla="*/ 1081 h 1107"/>
+                <a:gd name="T8" fmla="*/ 0 w 642"/>
+                <a:gd name="T9" fmla="*/ 27 h 1107"/>
+                <a:gd name="T10" fmla="*/ 27 w 642"/>
+                <a:gd name="T11" fmla="*/ 0 h 1107"/>
+                <a:gd name="T12" fmla="*/ 615 w 642"/>
+                <a:gd name="T13" fmla="*/ 0 h 1107"/>
+                <a:gd name="T14" fmla="*/ 642 w 642"/>
+                <a:gd name="T15" fmla="*/ 27 h 1107"/>
+                <a:gd name="T16" fmla="*/ 642 w 642"/>
+                <a:gd name="T17" fmla="*/ 1081 h 1107"/>
+              </a:gdLst>
+              <a:ahLst/>
+              <a:cxnLst>
+                <a:cxn ang="0">
+                  <a:pos x="T0" y="T1"/>
+                </a:cxn>
+                <a:cxn ang="0">
+                  <a:pos x="T2" y="T3"/>
+                </a:cxn>
+                <a:cxn ang="0">
+                  <a:pos x="T4" y="T5"/>
+                </a:cxn>
+                <a:cxn ang="0">
+                  <a:pos x="T6" y="T7"/>
+                </a:cxn>
+                <a:cxn ang="0">
+                  <a:pos x="T8" y="T9"/>
+                </a:cxn>
+                <a:cxn ang="0">
+                  <a:pos x="T10" y="T11"/>
+                </a:cxn>
+                <a:cxn ang="0">
+                  <a:pos x="T12" y="T13"/>
+                </a:cxn>
+                <a:cxn ang="0">
+                  <a:pos x="T14" y="T15"/>
+                </a:cxn>
+                <a:cxn ang="0">
+                  <a:pos x="T16" y="T17"/>
+                </a:cxn>
+              </a:cxnLst>
+              <a:rect l="0" t="0" r="r" b="b"/>
+              <a:pathLst>
+                <a:path w="642" h="1107">
+                  <a:moveTo>
+                    <a:pt x="642" y="1081"/>
+                  </a:moveTo>
+                  <a:cubicBezTo>
+                    <a:pt x="642" y="1095"/>
+                    <a:pt x="630" y="1107"/>
+                    <a:pt x="615" y="1107"/>
+                  </a:cubicBezTo>
+                  <a:cubicBezTo>
+                    <a:pt x="27" y="1107"/>
+                    <a:pt x="27" y="1107"/>
+                    <a:pt x="27" y="1107"/>
+                  </a:cubicBezTo>
+                  <a:cubicBezTo>
+                    <a:pt x="12" y="1107"/>
+                    <a:pt x="0" y="1095"/>
+                    <a:pt x="0" y="1081"/>
+                  </a:cubicBezTo>
+                  <a:cubicBezTo>
+                    <a:pt x="0" y="27"/>
+                    <a:pt x="0" y="27"/>
+                    <a:pt x="0" y="27"/>
+                  </a:cubicBezTo>
+                  <a:cubicBezTo>
+                    <a:pt x="0" y="12"/>
+                    <a:pt x="12" y="0"/>
+                    <a:pt x="27" y="0"/>
+                  </a:cubicBezTo>
+                  <a:cubicBezTo>
+                    <a:pt x="615" y="0"/>
+                    <a:pt x="615" y="0"/>
+                    <a:pt x="615" y="0"/>
+                  </a:cubicBezTo>
+                  <a:cubicBezTo>
+                    <a:pt x="630" y="0"/>
+                    <a:pt x="642" y="12"/>
+                    <a:pt x="642" y="27"/>
+                  </a:cubicBezTo>
+                  <a:lnTo>
+                    <a:pt x="642" y="1081"/>
+                  </a:lnTo>
+                  <a:close/>
+                </a:path>
+              </a:pathLst>
+            </a:custGeom>
+            <a:solidFill>
+              <a:schemeClr val="accent6"/>
+            </a:solidFill>
+            <a:ln>
+              <a:noFill/>
+            </a:ln>
+            <a:extLst>
+              <a:ext uri="{91240B29-F687-4F45-9708-019B960494DF}">
+                <a14:hiddenLine xmlns:a14="http://schemas.microsoft.com/office/drawing/2010/main" w="9525">
+                  <a:solidFill>
+                    <a:srgbClr val="000000"/>
+                  </a:solidFill>
+                  <a:round/>
+                  <a:headEnd/>
+                  <a:tailEnd/>
+                </a14:hiddenLine>
+              </a:ext>
+            </a:extLst>
+          </p:spPr>
+          <p:txBody>
+            <a:bodyPr vert="horz" wrap="square" lIns="91440" tIns="45720" rIns="91440" bIns="45720" numCol="1" anchor="t" anchorCtr="0" compatLnSpc="1">
+              <a:prstTxWarp prst="textNoShape">
+                <a:avLst/>
+              </a:prstTxWarp>
+            </a:bodyPr>
+            <a:lstStyle/>
+            <a:p>
+              <a:endParaRPr lang="ja-JP" altLang="en-US"/>
+            </a:p>
+          </p:txBody>
+        </p:sp>
+        <p:sp>
+          <p:nvSpPr>
+            <p:cNvPr id="32" name="フリーフォーム 31"/>
+            <p:cNvSpPr>
+              <a:spLocks noChangeAspect="1" noChangeArrowheads="1"/>
+            </p:cNvSpPr>
+            <p:nvPr/>
+          </p:nvSpPr>
+          <p:spPr bwMode="gray">
+            <a:xfrm>
+              <a:off x="6011450" y="1244006"/>
+              <a:ext cx="333375" cy="684213"/>
+            </a:xfrm>
+            <a:custGeom>
+              <a:avLst/>
+              <a:gdLst>
+                <a:gd name="connsiteX0" fmla="*/ 166688 w 333375"/>
+                <a:gd name="connsiteY0" fmla="*/ 600075 h 684213"/>
+                <a:gd name="connsiteX1" fmla="*/ 207963 w 333375"/>
+                <a:gd name="connsiteY1" fmla="*/ 642144 h 684213"/>
+                <a:gd name="connsiteX2" fmla="*/ 166688 w 333375"/>
+                <a:gd name="connsiteY2" fmla="*/ 684213 h 684213"/>
+                <a:gd name="connsiteX3" fmla="*/ 125413 w 333375"/>
+                <a:gd name="connsiteY3" fmla="*/ 642144 h 684213"/>
+                <a:gd name="connsiteX4" fmla="*/ 166688 w 333375"/>
+                <a:gd name="connsiteY4" fmla="*/ 600075 h 684213"/>
+                <a:gd name="connsiteX5" fmla="*/ 16665 w 333375"/>
+                <a:gd name="connsiteY5" fmla="*/ 485775 h 684213"/>
+                <a:gd name="connsiteX6" fmla="*/ 316711 w 333375"/>
+                <a:gd name="connsiteY6" fmla="*/ 485775 h 684213"/>
+                <a:gd name="connsiteX7" fmla="*/ 331788 w 333375"/>
+                <a:gd name="connsiteY7" fmla="*/ 499696 h 684213"/>
+                <a:gd name="connsiteX8" fmla="*/ 316711 w 333375"/>
+                <a:gd name="connsiteY8" fmla="*/ 514350 h 684213"/>
+                <a:gd name="connsiteX9" fmla="*/ 16665 w 333375"/>
+                <a:gd name="connsiteY9" fmla="*/ 514350 h 684213"/>
+                <a:gd name="connsiteX10" fmla="*/ 1588 w 333375"/>
+                <a:gd name="connsiteY10" fmla="*/ 499696 h 684213"/>
+                <a:gd name="connsiteX11" fmla="*/ 16665 w 333375"/>
+                <a:gd name="connsiteY11" fmla="*/ 485775 h 684213"/>
+                <a:gd name="connsiteX12" fmla="*/ 16665 w 333375"/>
+                <a:gd name="connsiteY12" fmla="*/ 419100 h 684213"/>
+                <a:gd name="connsiteX13" fmla="*/ 316711 w 333375"/>
+                <a:gd name="connsiteY13" fmla="*/ 419100 h 684213"/>
+                <a:gd name="connsiteX14" fmla="*/ 331788 w 333375"/>
+                <a:gd name="connsiteY14" fmla="*/ 433021 h 684213"/>
+                <a:gd name="connsiteX15" fmla="*/ 316711 w 333375"/>
+                <a:gd name="connsiteY15" fmla="*/ 447675 h 684213"/>
+                <a:gd name="connsiteX16" fmla="*/ 16665 w 333375"/>
+                <a:gd name="connsiteY16" fmla="*/ 447675 h 684213"/>
+                <a:gd name="connsiteX17" fmla="*/ 1588 w 333375"/>
+                <a:gd name="connsiteY17" fmla="*/ 433021 h 684213"/>
+                <a:gd name="connsiteX18" fmla="*/ 16665 w 333375"/>
+                <a:gd name="connsiteY18" fmla="*/ 419100 h 684213"/>
+                <a:gd name="connsiteX19" fmla="*/ 16665 w 333375"/>
+                <a:gd name="connsiteY19" fmla="*/ 350837 h 684213"/>
+                <a:gd name="connsiteX20" fmla="*/ 316711 w 333375"/>
+                <a:gd name="connsiteY20" fmla="*/ 350837 h 684213"/>
+                <a:gd name="connsiteX21" fmla="*/ 331788 w 333375"/>
+                <a:gd name="connsiteY21" fmla="*/ 366305 h 684213"/>
+                <a:gd name="connsiteX22" fmla="*/ 316711 w 333375"/>
+                <a:gd name="connsiteY22" fmla="*/ 381000 h 684213"/>
+                <a:gd name="connsiteX23" fmla="*/ 16665 w 333375"/>
+                <a:gd name="connsiteY23" fmla="*/ 381000 h 684213"/>
+                <a:gd name="connsiteX24" fmla="*/ 1588 w 333375"/>
+                <a:gd name="connsiteY24" fmla="*/ 366305 h 684213"/>
+                <a:gd name="connsiteX25" fmla="*/ 16665 w 333375"/>
+                <a:gd name="connsiteY25" fmla="*/ 350837 h 684213"/>
+                <a:gd name="connsiteX26" fmla="*/ 19610 w 333375"/>
+                <a:gd name="connsiteY26" fmla="*/ 166687 h 684213"/>
+                <a:gd name="connsiteX27" fmla="*/ 313765 w 333375"/>
+                <a:gd name="connsiteY27" fmla="*/ 166687 h 684213"/>
+                <a:gd name="connsiteX28" fmla="*/ 333375 w 333375"/>
+                <a:gd name="connsiteY28" fmla="*/ 186990 h 684213"/>
+                <a:gd name="connsiteX29" fmla="*/ 333375 w 333375"/>
+                <a:gd name="connsiteY29" fmla="*/ 246397 h 684213"/>
+                <a:gd name="connsiteX30" fmla="*/ 313765 w 333375"/>
+                <a:gd name="connsiteY30" fmla="*/ 266700 h 684213"/>
+                <a:gd name="connsiteX31" fmla="*/ 19610 w 333375"/>
+                <a:gd name="connsiteY31" fmla="*/ 266700 h 684213"/>
+                <a:gd name="connsiteX32" fmla="*/ 0 w 333375"/>
+                <a:gd name="connsiteY32" fmla="*/ 246397 h 684213"/>
+                <a:gd name="connsiteX33" fmla="*/ 0 w 333375"/>
+                <a:gd name="connsiteY33" fmla="*/ 186990 h 684213"/>
+                <a:gd name="connsiteX34" fmla="*/ 19610 w 333375"/>
+                <a:gd name="connsiteY34" fmla="*/ 166687 h 684213"/>
+                <a:gd name="connsiteX35" fmla="*/ 19610 w 333375"/>
+                <a:gd name="connsiteY35" fmla="*/ 0 h 684213"/>
+                <a:gd name="connsiteX36" fmla="*/ 313765 w 333375"/>
+                <a:gd name="connsiteY36" fmla="*/ 0 h 684213"/>
+                <a:gd name="connsiteX37" fmla="*/ 333375 w 333375"/>
+                <a:gd name="connsiteY37" fmla="*/ 19551 h 684213"/>
+                <a:gd name="connsiteX38" fmla="*/ 333375 w 333375"/>
+                <a:gd name="connsiteY38" fmla="*/ 79710 h 684213"/>
+                <a:gd name="connsiteX39" fmla="*/ 313765 w 333375"/>
+                <a:gd name="connsiteY39" fmla="*/ 100013 h 684213"/>
+                <a:gd name="connsiteX40" fmla="*/ 19610 w 333375"/>
+                <a:gd name="connsiteY40" fmla="*/ 100013 h 684213"/>
+                <a:gd name="connsiteX41" fmla="*/ 0 w 333375"/>
+                <a:gd name="connsiteY41" fmla="*/ 79710 h 684213"/>
+                <a:gd name="connsiteX42" fmla="*/ 0 w 333375"/>
+                <a:gd name="connsiteY42" fmla="*/ 19551 h 684213"/>
+                <a:gd name="connsiteX43" fmla="*/ 19610 w 333375"/>
+                <a:gd name="connsiteY43" fmla="*/ 0 h 684213"/>
+              </a:gdLst>
+              <a:ahLst/>
+              <a:cxnLst>
+                <a:cxn ang="0">
+                  <a:pos x="connsiteX0" y="connsiteY0"/>
+                </a:cxn>
+                <a:cxn ang="0">
+                  <a:pos x="connsiteX1" y="connsiteY1"/>
+                </a:cxn>
+                <a:cxn ang="0">
+                  <a:pos x="connsiteX2" y="connsiteY2"/>
+                </a:cxn>
+                <a:cxn ang="0">
+                  <a:pos x="connsiteX3" y="connsiteY3"/>
+                </a:cxn>
+                <a:cxn ang="0">
+                  <a:pos x="connsiteX4" y="connsiteY4"/>
+                </a:cxn>
+                <a:cxn ang="0">
+                  <a:pos x="connsiteX5" y="connsiteY5"/>
+                </a:cxn>
+                <a:cxn ang="0">
+                  <a:pos x="connsiteX6" y="connsiteY6"/>
+                </a:cxn>
+                <a:cxn ang="0">
+                  <a:pos x="connsiteX7" y="connsiteY7"/>
+                </a:cxn>
+                <a:cxn ang="0">
+                  <a:pos x="connsiteX8" y="connsiteY8"/>
+                </a:cxn>
+                <a:cxn ang="0">
+                  <a:pos x="connsiteX9" y="connsiteY9"/>
+                </a:cxn>
+                <a:cxn ang="0">
+                  <a:pos x="connsiteX10" y="connsiteY10"/>
+                </a:cxn>
+                <a:cxn ang="0">
+                  <a:pos x="connsiteX11" y="connsiteY11"/>
+                </a:cxn>
+                <a:cxn ang="0">
+                  <a:pos x="connsiteX12" y="connsiteY12"/>
+                </a:cxn>
+                <a:cxn ang="0">
+                  <a:pos x="connsiteX13" y="connsiteY13"/>
+                </a:cxn>
+                <a:cxn ang="0">
+                  <a:pos x="connsiteX14" y="connsiteY14"/>
+                </a:cxn>
+                <a:cxn ang="0">
+                  <a:pos x="connsiteX15" y="connsiteY15"/>
+                </a:cxn>
+                <a:cxn ang="0">
+                  <a:pos x="connsiteX16" y="connsiteY16"/>
+                </a:cxn>
+                <a:cxn ang="0">
+                  <a:pos x="connsiteX17" y="connsiteY17"/>
+                </a:cxn>
+                <a:cxn ang="0">
+                  <a:pos x="connsiteX18" y="connsiteY18"/>
+                </a:cxn>
+                <a:cxn ang="0">
+                  <a:pos x="connsiteX19" y="connsiteY19"/>
+                </a:cxn>
+                <a:cxn ang="0">
+                  <a:pos x="connsiteX20" y="connsiteY20"/>
+                </a:cxn>
+                <a:cxn ang="0">
+                  <a:pos x="connsiteX21" y="connsiteY21"/>
+                </a:cxn>
+                <a:cxn ang="0">
+                  <a:pos x="connsiteX22" y="connsiteY22"/>
+                </a:cxn>
+                <a:cxn ang="0">
+                  <a:pos x="connsiteX23" y="connsiteY23"/>
+                </a:cxn>
+                <a:cxn ang="0">
+                  <a:pos x="connsiteX24" y="connsiteY24"/>
+                </a:cxn>
+                <a:cxn ang="0">
+                  <a:pos x="connsiteX25" y="connsiteY25"/>
+                </a:cxn>
+                <a:cxn ang="0">
+                  <a:pos x="connsiteX26" y="connsiteY26"/>
+                </a:cxn>
+                <a:cxn ang="0">
+                  <a:pos x="connsiteX27" y="connsiteY27"/>
+                </a:cxn>
+                <a:cxn ang="0">
+                  <a:pos x="connsiteX28" y="connsiteY28"/>
+                </a:cxn>
+                <a:cxn ang="0">
+                  <a:pos x="connsiteX29" y="connsiteY29"/>
+                </a:cxn>
+                <a:cxn ang="0">
+                  <a:pos x="connsiteX30" y="connsiteY30"/>
+                </a:cxn>
+                <a:cxn ang="0">
+                  <a:pos x="connsiteX31" y="connsiteY31"/>
+                </a:cxn>
+                <a:cxn ang="0">
+                  <a:pos x="connsiteX32" y="connsiteY32"/>
+                </a:cxn>
+                <a:cxn ang="0">
+                  <a:pos x="connsiteX33" y="connsiteY33"/>
+                </a:cxn>
+                <a:cxn ang="0">
+                  <a:pos x="connsiteX34" y="connsiteY34"/>
+                </a:cxn>
+                <a:cxn ang="0">
+                  <a:pos x="connsiteX35" y="connsiteY35"/>
+                </a:cxn>
+                <a:cxn ang="0">
+                  <a:pos x="connsiteX36" y="connsiteY36"/>
+                </a:cxn>
+                <a:cxn ang="0">
+                  <a:pos x="connsiteX37" y="connsiteY37"/>
+                </a:cxn>
+                <a:cxn ang="0">
+                  <a:pos x="connsiteX38" y="connsiteY38"/>
+                </a:cxn>
+                <a:cxn ang="0">
+                  <a:pos x="connsiteX39" y="connsiteY39"/>
+                </a:cxn>
+                <a:cxn ang="0">
+                  <a:pos x="connsiteX40" y="connsiteY40"/>
+                </a:cxn>
+                <a:cxn ang="0">
+                  <a:pos x="connsiteX41" y="connsiteY41"/>
+                </a:cxn>
+                <a:cxn ang="0">
+                  <a:pos x="connsiteX42" y="connsiteY42"/>
+                </a:cxn>
+                <a:cxn ang="0">
+                  <a:pos x="connsiteX43" y="connsiteY43"/>
+                </a:cxn>
+              </a:cxnLst>
+              <a:rect l="l" t="t" r="r" b="b"/>
+              <a:pathLst>
+                <a:path w="333375" h="684213">
+                  <a:moveTo>
+                    <a:pt x="166688" y="600075"/>
+                  </a:moveTo>
+                  <a:cubicBezTo>
+                    <a:pt x="189484" y="600075"/>
+                    <a:pt x="207963" y="618910"/>
+                    <a:pt x="207963" y="642144"/>
+                  </a:cubicBezTo>
+                  <a:cubicBezTo>
+                    <a:pt x="207963" y="665378"/>
+                    <a:pt x="189484" y="684213"/>
+                    <a:pt x="166688" y="684213"/>
+                  </a:cubicBezTo>
+                  <a:cubicBezTo>
+                    <a:pt x="143892" y="684213"/>
+                    <a:pt x="125413" y="665378"/>
+                    <a:pt x="125413" y="642144"/>
+                  </a:cubicBezTo>
+                  <a:cubicBezTo>
+                    <a:pt x="125413" y="618910"/>
+                    <a:pt x="143892" y="600075"/>
+                    <a:pt x="166688" y="600075"/>
+                  </a:cubicBezTo>
+                  <a:close/>
+                  <a:moveTo>
+                    <a:pt x="16665" y="485775"/>
+                  </a:moveTo>
+                  <a:cubicBezTo>
+                    <a:pt x="16665" y="485775"/>
+                    <a:pt x="16665" y="485775"/>
+                    <a:pt x="316711" y="485775"/>
+                  </a:cubicBezTo>
+                  <a:cubicBezTo>
+                    <a:pt x="325003" y="485775"/>
+                    <a:pt x="331788" y="491636"/>
+                    <a:pt x="331788" y="499696"/>
+                  </a:cubicBezTo>
+                  <a:cubicBezTo>
+                    <a:pt x="331788" y="507756"/>
+                    <a:pt x="325003" y="514350"/>
+                    <a:pt x="316711" y="514350"/>
+                  </a:cubicBezTo>
+                  <a:cubicBezTo>
+                    <a:pt x="316711" y="514350"/>
+                    <a:pt x="316711" y="514350"/>
+                    <a:pt x="16665" y="514350"/>
+                  </a:cubicBezTo>
+                  <a:cubicBezTo>
+                    <a:pt x="8373" y="514350"/>
+                    <a:pt x="1588" y="507756"/>
+                    <a:pt x="1588" y="499696"/>
+                  </a:cubicBezTo>
+                  <a:cubicBezTo>
+                    <a:pt x="1588" y="491636"/>
+                    <a:pt x="8373" y="485775"/>
+                    <a:pt x="16665" y="485775"/>
+                  </a:cubicBezTo>
+                  <a:close/>
+                  <a:moveTo>
+                    <a:pt x="16665" y="419100"/>
+                  </a:moveTo>
+                  <a:cubicBezTo>
+                    <a:pt x="16665" y="419100"/>
+                    <a:pt x="16665" y="419100"/>
+                    <a:pt x="316711" y="419100"/>
+                  </a:cubicBezTo>
+                  <a:cubicBezTo>
+                    <a:pt x="325003" y="419100"/>
+                    <a:pt x="331788" y="425694"/>
+                    <a:pt x="331788" y="433021"/>
+                  </a:cubicBezTo>
+                  <a:cubicBezTo>
+                    <a:pt x="331788" y="441081"/>
+                    <a:pt x="325003" y="447675"/>
+                    <a:pt x="316711" y="447675"/>
+                  </a:cubicBezTo>
+                  <a:cubicBezTo>
+                    <a:pt x="316711" y="447675"/>
+                    <a:pt x="316711" y="447675"/>
+                    <a:pt x="16665" y="447675"/>
+                  </a:cubicBezTo>
+                  <a:cubicBezTo>
+                    <a:pt x="8373" y="447675"/>
+                    <a:pt x="1588" y="441081"/>
+                    <a:pt x="1588" y="433021"/>
+                  </a:cubicBezTo>
+                  <a:cubicBezTo>
+                    <a:pt x="1588" y="425694"/>
+                    <a:pt x="8373" y="419100"/>
+                    <a:pt x="16665" y="419100"/>
+                  </a:cubicBezTo>
+                  <a:close/>
+                  <a:moveTo>
+                    <a:pt x="16665" y="350837"/>
+                  </a:moveTo>
+                  <a:cubicBezTo>
+                    <a:pt x="16665" y="350837"/>
+                    <a:pt x="16665" y="350837"/>
+                    <a:pt x="316711" y="350837"/>
+                  </a:cubicBezTo>
+                  <a:cubicBezTo>
+                    <a:pt x="325003" y="350837"/>
+                    <a:pt x="331788" y="357798"/>
+                    <a:pt x="331788" y="366305"/>
+                  </a:cubicBezTo>
+                  <a:cubicBezTo>
+                    <a:pt x="331788" y="374813"/>
+                    <a:pt x="325003" y="381000"/>
+                    <a:pt x="316711" y="381000"/>
+                  </a:cubicBezTo>
+                  <a:cubicBezTo>
+                    <a:pt x="316711" y="381000"/>
+                    <a:pt x="316711" y="381000"/>
+                    <a:pt x="16665" y="381000"/>
+                  </a:cubicBezTo>
+                  <a:cubicBezTo>
+                    <a:pt x="8373" y="381000"/>
+                    <a:pt x="1588" y="374813"/>
+                    <a:pt x="1588" y="366305"/>
+                  </a:cubicBezTo>
+                  <a:cubicBezTo>
+                    <a:pt x="1588" y="357798"/>
+                    <a:pt x="8373" y="350837"/>
+                    <a:pt x="16665" y="350837"/>
+                  </a:cubicBezTo>
+                  <a:close/>
+                  <a:moveTo>
+                    <a:pt x="19610" y="166687"/>
+                  </a:moveTo>
+                  <a:cubicBezTo>
+                    <a:pt x="19610" y="166687"/>
+                    <a:pt x="19610" y="166687"/>
+                    <a:pt x="313765" y="166687"/>
+                  </a:cubicBezTo>
+                  <a:cubicBezTo>
+                    <a:pt x="324324" y="166687"/>
+                    <a:pt x="333375" y="175711"/>
+                    <a:pt x="333375" y="186990"/>
+                  </a:cubicBezTo>
+                  <a:cubicBezTo>
+                    <a:pt x="333375" y="186990"/>
+                    <a:pt x="333375" y="186990"/>
+                    <a:pt x="333375" y="246397"/>
+                  </a:cubicBezTo>
+                  <a:cubicBezTo>
+                    <a:pt x="333375" y="257676"/>
+                    <a:pt x="324324" y="266700"/>
+                    <a:pt x="313765" y="266700"/>
+                  </a:cubicBezTo>
+                  <a:cubicBezTo>
+                    <a:pt x="313765" y="266700"/>
+                    <a:pt x="313765" y="266700"/>
+                    <a:pt x="19610" y="266700"/>
+                  </a:cubicBezTo>
+                  <a:cubicBezTo>
+                    <a:pt x="9051" y="266700"/>
+                    <a:pt x="0" y="257676"/>
+                    <a:pt x="0" y="246397"/>
+                  </a:cubicBezTo>
+                  <a:cubicBezTo>
+                    <a:pt x="0" y="246397"/>
+                    <a:pt x="0" y="246397"/>
+                    <a:pt x="0" y="186990"/>
+                  </a:cubicBezTo>
+                  <a:cubicBezTo>
+                    <a:pt x="0" y="175711"/>
+                    <a:pt x="9051" y="166687"/>
+                    <a:pt x="19610" y="166687"/>
+                  </a:cubicBezTo>
+                  <a:close/>
+                  <a:moveTo>
+                    <a:pt x="19610" y="0"/>
+                  </a:moveTo>
+                  <a:cubicBezTo>
+                    <a:pt x="19610" y="0"/>
+                    <a:pt x="19610" y="0"/>
+                    <a:pt x="313765" y="0"/>
+                  </a:cubicBezTo>
+                  <a:cubicBezTo>
+                    <a:pt x="324324" y="0"/>
+                    <a:pt x="333375" y="9024"/>
+                    <a:pt x="333375" y="19551"/>
+                  </a:cubicBezTo>
+                  <a:cubicBezTo>
+                    <a:pt x="333375" y="19551"/>
+                    <a:pt x="333375" y="19551"/>
+                    <a:pt x="333375" y="79710"/>
+                  </a:cubicBezTo>
+                  <a:cubicBezTo>
+                    <a:pt x="333375" y="90989"/>
+                    <a:pt x="324324" y="100013"/>
+                    <a:pt x="313765" y="100013"/>
+                  </a:cubicBezTo>
+                  <a:cubicBezTo>
+                    <a:pt x="313765" y="100013"/>
+                    <a:pt x="313765" y="100013"/>
+                    <a:pt x="19610" y="100013"/>
+                  </a:cubicBezTo>
+                  <a:cubicBezTo>
+                    <a:pt x="9051" y="100013"/>
+                    <a:pt x="0" y="90989"/>
+                    <a:pt x="0" y="79710"/>
+                  </a:cubicBezTo>
+                  <a:cubicBezTo>
+                    <a:pt x="0" y="79710"/>
+                    <a:pt x="0" y="79710"/>
+                    <a:pt x="0" y="19551"/>
+                  </a:cubicBezTo>
+                  <a:cubicBezTo>
+                    <a:pt x="0" y="9024"/>
+                    <a:pt x="9051" y="0"/>
+                    <a:pt x="19610" y="0"/>
+                  </a:cubicBezTo>
+                  <a:close/>
+                </a:path>
+              </a:pathLst>
+            </a:custGeom>
+            <a:solidFill>
+              <a:srgbClr val="FFFFFF"/>
+            </a:solidFill>
+            <a:ln>
+              <a:noFill/>
+            </a:ln>
+            <a:extLst>
+              <a:ext uri="{91240B29-F687-4F45-9708-019B960494DF}">
+                <a14:hiddenLine xmlns:a14="http://schemas.microsoft.com/office/drawing/2010/main" w="9525">
+                  <a:solidFill>
+                    <a:srgbClr val="000000"/>
+                  </a:solidFill>
+                  <a:round/>
+                  <a:headEnd/>
+                  <a:tailEnd/>
+                </a14:hiddenLine>
+              </a:ext>
+            </a:extLst>
+          </p:spPr>
+          <p:txBody>
+            <a:bodyPr vert="horz" wrap="square" lIns="91440" tIns="45720" rIns="91440" bIns="45720" numCol="1" anchor="t" anchorCtr="0" compatLnSpc="1">
+              <a:prstTxWarp prst="textNoShape">
+                <a:avLst/>
+              </a:prstTxWarp>
+              <a:noAutofit/>
+            </a:bodyPr>
+            <a:lstStyle/>
+            <a:p>
+              <a:endParaRPr lang="ja-JP" altLang="en-US"/>
+            </a:p>
+          </p:txBody>
+        </p:sp>
+      </p:grpSp>
+      <p:sp>
+        <p:nvSpPr>
+          <p:cNvPr id="33" name="正方形/長方形 32"/>
+          <p:cNvSpPr/>
+          <p:nvPr/>
+        </p:nvSpPr>
+        <p:spPr bwMode="auto">
+          <a:xfrm>
+            <a:off x="3016144" y="4426610"/>
+            <a:ext cx="1193928" cy="427034"/>
+          </a:xfrm>
+          <a:prstGeom prst="rect">
+            <a:avLst/>
+          </a:prstGeom>
+          <a:noFill/>
+          <a:ln w="19050">
+            <a:solidFill>
+              <a:srgbClr val="FFC000"/>
+            </a:solidFill>
+            <a:prstDash val="lgDash"/>
+          </a:ln>
+          <a:effectLst/>
+          <a:extLst/>
+        </p:spPr>
+        <p:txBody>
+          <a:bodyPr rot="0" spcFirstLastPara="0" vertOverflow="overflow" horzOverflow="overflow" vert="horz" wrap="none" lIns="72000" tIns="72000" rIns="72000" bIns="72000" numCol="1" spcCol="0" rtlCol="0" fromWordArt="0" anchor="ctr" anchorCtr="0" forceAA="0" compatLnSpc="1">
+            <a:prstTxWarp prst="textNoShape">
+              <a:avLst/>
+            </a:prstTxWarp>
+            <a:noAutofit/>
+          </a:bodyPr>
+          <a:lstStyle/>
+          <a:p>
+            <a:pPr algn="ctr"/>
+            <a:endParaRPr kumimoji="1" lang="ja-JP" altLang="en-US" b="1" dirty="0" smtClean="0">
+              <a:latin typeface="+mn-ea"/>
+            </a:endParaRPr>
+          </a:p>
+        </p:txBody>
+      </p:sp>
+      <p:sp>
+        <p:nvSpPr>
+          <p:cNvPr id="35" name="正方形/長方形 34"/>
+          <p:cNvSpPr/>
+          <p:nvPr/>
+        </p:nvSpPr>
+        <p:spPr bwMode="auto">
+          <a:xfrm>
+            <a:off x="4900254" y="4426610"/>
+            <a:ext cx="1340028" cy="427034"/>
+          </a:xfrm>
+          <a:prstGeom prst="rect">
+            <a:avLst/>
+          </a:prstGeom>
+          <a:noFill/>
+          <a:ln w="19050">
+            <a:solidFill>
+              <a:srgbClr val="FFC000"/>
+            </a:solidFill>
+            <a:prstDash val="lgDash"/>
+          </a:ln>
+          <a:effectLst/>
+          <a:extLst/>
+        </p:spPr>
+        <p:txBody>
+          <a:bodyPr rot="0" spcFirstLastPara="0" vertOverflow="overflow" horzOverflow="overflow" vert="horz" wrap="none" lIns="72000" tIns="72000" rIns="72000" bIns="72000" numCol="1" spcCol="0" rtlCol="0" fromWordArt="0" anchor="ctr" anchorCtr="0" forceAA="0" compatLnSpc="1">
+            <a:prstTxWarp prst="textNoShape">
+              <a:avLst/>
+            </a:prstTxWarp>
+            <a:noAutofit/>
+          </a:bodyPr>
+          <a:lstStyle/>
+          <a:p>
+            <a:pPr algn="ctr"/>
+            <a:endParaRPr kumimoji="1" lang="ja-JP" altLang="en-US" b="1" dirty="0" smtClean="0">
+              <a:latin typeface="+mn-ea"/>
+            </a:endParaRPr>
+          </a:p>
+        </p:txBody>
+      </p:sp>
+      <p:cxnSp>
+        <p:nvCxnSpPr>
+          <p:cNvPr id="36" name="カギ線コネクタ 35"/>
+          <p:cNvCxnSpPr>
+            <a:stCxn id="33" idx="2"/>
+            <a:endCxn id="35" idx="2"/>
+          </p:cNvCxnSpPr>
+          <p:nvPr/>
+        </p:nvCxnSpPr>
+        <p:spPr bwMode="auto">
+          <a:xfrm rot="16200000" flipH="1">
+            <a:off x="4591688" y="3875064"/>
+            <a:ext cx="12700" cy="1957160"/>
+          </a:xfrm>
+          <a:prstGeom prst="bentConnector3">
+            <a:avLst>
+              <a:gd name="adj1" fmla="val 1800000"/>
+            </a:avLst>
+          </a:prstGeom>
+          <a:solidFill>
+            <a:schemeClr val="bg1"/>
+          </a:solidFill>
+          <a:ln w="28575" cap="flat" cmpd="sng" algn="ctr">
+            <a:solidFill>
+              <a:srgbClr val="FFC000"/>
+            </a:solidFill>
+            <a:prstDash val="dash"/>
+            <a:round/>
+            <a:headEnd type="diamond" w="med" len="med"/>
+            <a:tailEnd type="diamond" w="med" len="med"/>
+          </a:ln>
+          <a:effectLst/>
+          <a:extLst>
+            <a:ext uri="{AF507438-7753-43E0-B8FC-AC1667EBCBE1}">
+              <a14:hiddenEffects xmlns:a14="http://schemas.microsoft.com/office/drawing/2010/main">
+                <a:effectLst>
+                  <a:outerShdw dist="35921" dir="2700000" algn="ctr" rotWithShape="0">
+                    <a:schemeClr val="tx1">
+                      <a:alpha val="50000"/>
+                    </a:schemeClr>
+                  </a:outerShdw>
+                </a:effectLst>
+              </a14:hiddenEffects>
+            </a:ext>
+          </a:extLst>
+        </p:spPr>
+      </p:cxnSp>
+      <p:sp>
+        <p:nvSpPr>
+          <p:cNvPr id="37" name="テキスト ボックス 36"/>
+          <p:cNvSpPr txBox="1"/>
+          <p:nvPr/>
+        </p:nvSpPr>
+        <p:spPr>
+          <a:xfrm>
+            <a:off x="3807251" y="5129649"/>
+            <a:ext cx="947108" cy="215444"/>
+          </a:xfrm>
+          <a:prstGeom prst="rect">
+            <a:avLst/>
+          </a:prstGeom>
+          <a:solidFill>
+            <a:schemeClr val="accent1">
+              <a:lumMod val="20000"/>
+              <a:lumOff val="80000"/>
+            </a:schemeClr>
+          </a:solidFill>
+        </p:spPr>
+        <p:txBody>
+          <a:bodyPr wrap="square" rtlCol="0">
+            <a:spAutoFit/>
+          </a:bodyPr>
+          <a:lstStyle/>
+          <a:p>
+            <a:pPr algn="ctr"/>
+            <a:r>
+              <a:rPr lang="en-US" altLang="ja-JP" sz="800" b="1" dirty="0" smtClean="0"/>
+              <a:t>File link</a:t>
+            </a:r>
+            <a:endParaRPr kumimoji="1" lang="ja-JP" altLang="en-US" sz="800" b="1" dirty="0"/>
+          </a:p>
+        </p:txBody>
+      </p:sp>
+      <p:sp>
+        <p:nvSpPr>
+          <p:cNvPr id="38" name="角丸四角形 37"/>
+          <p:cNvSpPr/>
+          <p:nvPr/>
+        </p:nvSpPr>
+        <p:spPr bwMode="auto">
+          <a:xfrm>
+            <a:off x="4802714" y="5276299"/>
+            <a:ext cx="1535107" cy="588258"/>
+          </a:xfrm>
+          <a:prstGeom prst="roundRect">
+            <a:avLst/>
+          </a:prstGeom>
+          <a:noFill/>
+          <a:ln w="28575">
+            <a:solidFill>
+              <a:schemeClr val="accent6"/>
+            </a:solidFill>
+          </a:ln>
+          <a:effectLst/>
+          <a:extLst/>
+        </p:spPr>
+        <p:txBody>
+          <a:bodyPr rot="0" spcFirstLastPara="0" vertOverflow="overflow" horzOverflow="overflow" vert="horz" wrap="none" lIns="72000" tIns="72000" rIns="72000" bIns="72000" numCol="1" spcCol="0" rtlCol="0" fromWordArt="0" anchor="ctr" anchorCtr="0" forceAA="0" compatLnSpc="1">
+            <a:prstTxWarp prst="textNoShape">
+              <a:avLst/>
+            </a:prstTxWarp>
+            <a:noAutofit/>
+          </a:bodyPr>
+          <a:lstStyle/>
+          <a:p>
+            <a:pPr algn="ctr"/>
+            <a:r>
+              <a:rPr lang="en-US" altLang="ja-JP" sz="1000" b="1" dirty="0" smtClean="0">
+                <a:latin typeface="+mn-ea"/>
+              </a:rPr>
+              <a:t>“Execute” menu</a:t>
+            </a:r>
+            <a:endParaRPr kumimoji="1" lang="ja-JP" altLang="en-US" sz="1000" b="1" dirty="0" smtClean="0">
+              <a:latin typeface="+mn-ea"/>
+            </a:endParaRPr>
+          </a:p>
+        </p:txBody>
+      </p:sp>
+      <p:cxnSp>
+        <p:nvCxnSpPr>
+          <p:cNvPr id="39" name="カギ線コネクタ 38"/>
+          <p:cNvCxnSpPr>
+            <a:stCxn id="38" idx="0"/>
+            <a:endCxn id="35" idx="2"/>
+          </p:cNvCxnSpPr>
+          <p:nvPr/>
+        </p:nvCxnSpPr>
+        <p:spPr bwMode="auto">
+          <a:xfrm rot="5400000" flipH="1" flipV="1">
+            <a:off x="5358941" y="5064972"/>
+            <a:ext cx="422655" cy="12700"/>
+          </a:xfrm>
+          <a:prstGeom prst="bentConnector3">
+            <a:avLst>
+              <a:gd name="adj1" fmla="val 50000"/>
+            </a:avLst>
+          </a:prstGeom>
+          <a:solidFill>
+            <a:schemeClr val="bg1"/>
+          </a:solidFill>
+          <a:ln w="28575" cap="flat" cmpd="sng" algn="ctr">
+            <a:solidFill>
+              <a:srgbClr val="FFC000"/>
+            </a:solidFill>
+            <a:prstDash val="dash"/>
+            <a:round/>
+            <a:headEnd type="diamond" w="med" len="med"/>
+            <a:tailEnd type="diamond" w="med" len="med"/>
+          </a:ln>
+          <a:effectLst/>
+          <a:extLst>
+            <a:ext uri="{AF507438-7753-43E0-B8FC-AC1667EBCBE1}">
+              <a14:hiddenEffects xmlns:a14="http://schemas.microsoft.com/office/drawing/2010/main">
+                <a:effectLst>
+                  <a:outerShdw dist="35921" dir="2700000" algn="ctr" rotWithShape="0">
+                    <a:schemeClr val="tx1">
+                      <a:alpha val="50000"/>
+                    </a:schemeClr>
+                  </a:outerShdw>
+                </a:effectLst>
+              </a14:hiddenEffects>
+            </a:ext>
+          </a:extLst>
+        </p:spPr>
+      </p:cxnSp>
+      <p:sp>
+        <p:nvSpPr>
+          <p:cNvPr id="40" name="上矢印 39"/>
+          <p:cNvSpPr/>
+          <p:nvPr/>
+        </p:nvSpPr>
+        <p:spPr bwMode="auto">
+          <a:xfrm rot="5400000" flipH="1">
+            <a:off x="6761664" y="5063153"/>
+            <a:ext cx="233541" cy="1014548"/>
+          </a:xfrm>
+          <a:prstGeom prst="upArrow">
+            <a:avLst/>
+          </a:prstGeom>
+          <a:solidFill>
+            <a:srgbClr val="FFC000"/>
+          </a:solidFill>
+          <a:ln w="12700">
+            <a:solidFill>
+              <a:schemeClr val="tx1"/>
+            </a:solidFill>
+          </a:ln>
+          <a:effectLst/>
+          <a:extLst/>
+        </p:spPr>
+        <p:txBody>
+          <a:bodyPr rot="0" spcFirstLastPara="0" vertOverflow="overflow" horzOverflow="overflow" vert="horz" wrap="none" lIns="72000" tIns="72000" rIns="72000" bIns="72000" numCol="1" spcCol="0" rtlCol="0" fromWordArt="0" anchor="ctr" anchorCtr="0" forceAA="0" compatLnSpc="1">
+            <a:prstTxWarp prst="textNoShape">
+              <a:avLst/>
+            </a:prstTxWarp>
+            <a:noAutofit/>
+          </a:bodyPr>
+          <a:lstStyle/>
+          <a:p>
+            <a:pPr algn="ctr"/>
+            <a:endParaRPr kumimoji="1" lang="ja-JP" altLang="en-US" b="1" dirty="0" smtClean="0">
+              <a:latin typeface="+mn-ea"/>
+            </a:endParaRPr>
+          </a:p>
+        </p:txBody>
+      </p:sp>
+      <p:sp>
+        <p:nvSpPr>
+          <p:cNvPr id="41" name="テキスト ボックス 40"/>
+          <p:cNvSpPr txBox="1"/>
+          <p:nvPr/>
+        </p:nvSpPr>
+        <p:spPr>
+          <a:xfrm>
+            <a:off x="4802714" y="6124025"/>
+            <a:ext cx="4341286" cy="369332"/>
+          </a:xfrm>
+          <a:prstGeom prst="rect">
+            <a:avLst/>
+          </a:prstGeom>
+          <a:noFill/>
+        </p:spPr>
+        <p:txBody>
+          <a:bodyPr wrap="square" rtlCol="0">
+            <a:spAutoFit/>
+          </a:bodyPr>
+          <a:lstStyle/>
+          <a:p>
+            <a:r>
+              <a:rPr kumimoji="1" lang="en-US" altLang="ja-JP" sz="900" dirty="0" smtClean="0"/>
+              <a:t>※1</a:t>
+            </a:r>
+            <a:r>
+              <a:rPr kumimoji="1" lang="ja-JP" altLang="en-US" sz="900" dirty="0" smtClean="0"/>
+              <a:t> </a:t>
+            </a:r>
+            <a:r>
+              <a:rPr lang="en-US" altLang="ja-JP" sz="900" dirty="0"/>
+              <a:t>The link destination file types depends on the link destination driver. (E.g. If linking to Ansible-Legacy, use "Playbook file collection")</a:t>
+            </a:r>
+            <a:endParaRPr kumimoji="1" lang="ja-JP" altLang="en-US" sz="900" dirty="0"/>
+          </a:p>
+        </p:txBody>
+      </p:sp>
     </p:spTree>
     <p:extLst>
       <p:ext uri="{BB962C8B-B14F-4D97-AF65-F5344CB8AC3E}">
@@ -10452,10 +14490,10 @@
           <a:lstStyle/>
           <a:p>
             <a:r>
-              <a:rPr lang="en-US" altLang="ja-JP" dirty="0" smtClean="0"/>
+              <a:rPr lang="en-US" altLang="ja-JP" b="1" dirty="0" smtClean="0"/>
               <a:t>The Ci/CD for IaC menu contains 2 functions.</a:t>
             </a:r>
-            <a:endParaRPr lang="en-US" altLang="ja-JP" dirty="0"/>
+            <a:endParaRPr lang="en-US" altLang="ja-JP" b="1" dirty="0"/>
           </a:p>
           <a:p>
             <a:pPr marL="0" indent="0">
@@ -10464,41 +14502,87 @@
             <a:endParaRPr lang="en-US" altLang="ja-JP" b="1" dirty="0" smtClean="0"/>
           </a:p>
           <a:p>
-            <a:pPr>
-              <a:buFont typeface="Wingdings" panose="05000000000000000000" pitchFamily="2" charset="2"/>
-              <a:buChar char="l"/>
+            <a:pPr marL="457200" indent="-457200">
+              <a:buFont typeface="+mj-ea"/>
+              <a:buAutoNum type="circleNumDbPlain"/>
             </a:pPr>
             <a:r>
-              <a:rPr lang="en-US" altLang="ja-JP" dirty="0" smtClean="0"/>
-              <a:t>Git link</a:t>
-            </a:r>
-            <a:endParaRPr lang="en-US" altLang="ja-JP" dirty="0"/>
+              <a:rPr lang="en-US" altLang="ja-JP" b="1" dirty="0" err="1"/>
+              <a:t>Git</a:t>
+            </a:r>
+            <a:r>
+              <a:rPr lang="ja-JP" altLang="en-US" b="1" dirty="0"/>
+              <a:t> </a:t>
+            </a:r>
+            <a:r>
+              <a:rPr lang="en-US" altLang="ja-JP" b="1" dirty="0"/>
+              <a:t>link</a:t>
+            </a:r>
           </a:p>
           <a:p>
             <a:pPr lvl="1"/>
             <a:r>
-              <a:rPr lang="en-US" altLang="ja-JP" dirty="0" smtClean="0"/>
-              <a:t>This functions allows users to clone a Git repository to ITA. ITA can then use the clone to check for any updates from the file source on a regular basis, and creates a list of the files in ITA’s “Remote Repository files” menu. </a:t>
-            </a:r>
-          </a:p>
-          <a:p>
-            <a:pPr>
-              <a:buFont typeface="Wingdings" panose="05000000000000000000" pitchFamily="2" charset="2"/>
-              <a:buChar char="l"/>
-            </a:pPr>
-            <a:r>
-              <a:rPr lang="en-US" altLang="ja-JP" dirty="0" smtClean="0"/>
-              <a:t>File link</a:t>
-            </a:r>
-            <a:endParaRPr lang="en-US" altLang="ja-JP" dirty="0"/>
+              <a:rPr lang="en-US" altLang="ja-JP" dirty="0"/>
+              <a:t>Creates </a:t>
+            </a:r>
+            <a:r>
+              <a:rPr lang="en-US" altLang="ja-JP" b="1" dirty="0">
+                <a:solidFill>
+                  <a:srgbClr val="FF0000"/>
+                </a:solidFill>
+              </a:rPr>
+              <a:t>a Clone of the </a:t>
+            </a:r>
+            <a:r>
+              <a:rPr lang="en-US" altLang="ja-JP" b="1" dirty="0" err="1">
+                <a:solidFill>
+                  <a:srgbClr val="FF0000"/>
+                </a:solidFill>
+              </a:rPr>
+              <a:t>Git</a:t>
+            </a:r>
+            <a:r>
+              <a:rPr lang="en-US" altLang="ja-JP" b="1" dirty="0">
+                <a:solidFill>
+                  <a:srgbClr val="FF0000"/>
+                </a:solidFill>
+              </a:rPr>
+              <a:t> repository</a:t>
+            </a:r>
+            <a:r>
+              <a:rPr lang="en-US" altLang="ja-JP" dirty="0"/>
+              <a:t> within ITA.</a:t>
+            </a:r>
           </a:p>
           <a:p>
             <a:pPr lvl="1"/>
             <a:r>
-              <a:rPr lang="en-US" altLang="ja-JP" dirty="0" smtClean="0"/>
-              <a:t>This function allows users to link the source file and the files from the Git clone. It will then register an Operation and a Movement that will check the validity of the copied files. If the source files are updates, the cloned files will then be automatically updated and have their validity checked.</a:t>
-            </a:r>
-            <a:endParaRPr lang="en-US" altLang="ja-JP" sz="1600" dirty="0" smtClean="0"/>
+              <a:rPr lang="en-US" altLang="ja-JP" dirty="0"/>
+              <a:t>Leverages the clone to regularly detect any changes in the files and registers them to the “Remote repository file” menu.</a:t>
+            </a:r>
+          </a:p>
+          <a:p>
+            <a:pPr lvl="1"/>
+            <a:r>
+              <a:rPr lang="en-US" altLang="ja-JP" dirty="0"/>
+              <a:t>Files registered to the “Remote repository file” menu can be specified by the”</a:t>
+            </a:r>
+            <a:r>
+              <a:rPr lang="ja-JP" altLang="en-US" dirty="0"/>
+              <a:t>②</a:t>
+            </a:r>
+            <a:r>
+              <a:rPr lang="en-US" altLang="ja-JP" dirty="0"/>
+              <a:t>File link function” as a </a:t>
+            </a:r>
+            <a:r>
+              <a:rPr lang="en-US" altLang="ja-JP" b="1" dirty="0">
+                <a:solidFill>
+                  <a:srgbClr val="FF0000"/>
+                </a:solidFill>
+              </a:rPr>
+              <a:t>Link source file.</a:t>
+            </a:r>
           </a:p>
           <a:p>
             <a:pPr>
@@ -10697,6 +14781,242 @@
           </a:p>
         </p:txBody>
       </p:sp>
+      <p:sp>
+        <p:nvSpPr>
+          <p:cNvPr id="5" name="コンテンツ プレースホルダー 2"/>
+          <p:cNvSpPr txBox="1">
+            <a:spLocks/>
+          </p:cNvSpPr>
+          <p:nvPr/>
+        </p:nvSpPr>
+        <p:spPr bwMode="gray">
+          <a:xfrm>
+            <a:off x="140956" y="3501010"/>
+            <a:ext cx="8784976" cy="1656230"/>
+          </a:xfrm>
+          <a:prstGeom prst="rect">
+            <a:avLst/>
+          </a:prstGeom>
+        </p:spPr>
+        <p:txBody>
+          <a:bodyPr vert="horz" lIns="91440" tIns="45720" rIns="91440" bIns="45720" rtlCol="0">
+            <a:normAutofit fontScale="92500" lnSpcReduction="10000"/>
+          </a:bodyPr>
+          <a:lstStyle>
+            <a:lvl1pPr marL="180000" indent="-180000" algn="l" rtl="0" eaLnBrk="1" fontAlgn="base" hangingPunct="0">
+              <a:spcBef>
+                <a:spcPts val="500"/>
+              </a:spcBef>
+              <a:spcAft>
+                <a:spcPct val="0"/>
+              </a:spcAft>
+              <a:buClr>
+                <a:schemeClr val="accent6"/>
+              </a:buClr>
+              <a:buFont typeface="Arial" panose="020B0604020202020204" pitchFamily="34" charset="0"/>
+              <a:buChar char="▌"/>
+              <a:defRPr kumimoji="1" lang="ja-JP" altLang="en-US" sz="2000" b="0" noProof="0" dirty="0" smtClean="0">
+                <a:solidFill>
+                  <a:schemeClr val="tx1"/>
+                </a:solidFill>
+                <a:latin typeface="+mn-lt"/>
+                <a:ea typeface="+mn-ea"/>
+                <a:cs typeface="+mn-cs"/>
+              </a:defRPr>
+            </a:lvl1pPr>
+            <a:lvl2pPr marL="360000" indent="-180000" algn="l" rtl="0" eaLnBrk="1" fontAlgn="base" hangingPunct="0">
+              <a:spcBef>
+                <a:spcPts val="500"/>
+              </a:spcBef>
+              <a:spcAft>
+                <a:spcPct val="0"/>
+              </a:spcAft>
+              <a:buClr>
+                <a:schemeClr val="accent6"/>
+              </a:buClr>
+              <a:buFont typeface="Wingdings" pitchFamily="2" charset="2"/>
+              <a:buChar char="l"/>
+              <a:defRPr kumimoji="1" lang="ja-JP" altLang="en-US" sz="1600" b="0" noProof="0" dirty="0" smtClean="0">
+                <a:solidFill>
+                  <a:schemeClr val="tx1"/>
+                </a:solidFill>
+                <a:latin typeface="+mn-lt"/>
+                <a:ea typeface="+mn-ea"/>
+              </a:defRPr>
+            </a:lvl2pPr>
+            <a:lvl3pPr marL="468000" indent="-108000" algn="l" rtl="0" eaLnBrk="1" fontAlgn="base" hangingPunct="0">
+              <a:spcBef>
+                <a:spcPts val="500"/>
+              </a:spcBef>
+              <a:spcAft>
+                <a:spcPct val="0"/>
+              </a:spcAft>
+              <a:buClr>
+                <a:schemeClr val="accent6"/>
+              </a:buClr>
+              <a:buFont typeface="Arial" panose="020B0604020202020204" pitchFamily="34" charset="0"/>
+              <a:buChar char="•"/>
+              <a:defRPr kumimoji="1" lang="ja-JP" altLang="en-US" sz="1400" b="0" noProof="0" dirty="0" smtClean="0">
+                <a:solidFill>
+                  <a:schemeClr val="tx1"/>
+                </a:solidFill>
+                <a:latin typeface="+mn-lt"/>
+                <a:ea typeface="+mn-ea"/>
+              </a:defRPr>
+            </a:lvl3pPr>
+            <a:lvl4pPr marL="576000" indent="-108000" algn="l" rtl="0" eaLnBrk="1" fontAlgn="base" hangingPunct="0">
+              <a:spcBef>
+                <a:spcPts val="500"/>
+              </a:spcBef>
+              <a:spcAft>
+                <a:spcPct val="0"/>
+              </a:spcAft>
+              <a:buClr>
+                <a:schemeClr val="accent6"/>
+              </a:buClr>
+              <a:buFont typeface="Tahoma" pitchFamily="34" charset="0"/>
+              <a:buChar char="–"/>
+              <a:defRPr kumimoji="1" lang="ja-JP" altLang="en-US" sz="1200" b="0" noProof="0" dirty="0" smtClean="0">
+                <a:solidFill>
+                  <a:schemeClr val="tx1"/>
+                </a:solidFill>
+                <a:latin typeface="+mn-lt"/>
+                <a:ea typeface="+mn-ea"/>
+              </a:defRPr>
+            </a:lvl4pPr>
+            <a:lvl5pPr marL="735013" indent="-157163" algn="l" rtl="0" eaLnBrk="0" fontAlgn="base" hangingPunct="0">
+              <a:spcBef>
+                <a:spcPct val="20000"/>
+              </a:spcBef>
+              <a:spcAft>
+                <a:spcPct val="0"/>
+              </a:spcAft>
+              <a:buClr>
+                <a:schemeClr val="accent6"/>
+              </a:buClr>
+              <a:buChar char="≫"/>
+              <a:defRPr kumimoji="1" sz="1200" b="1">
+                <a:solidFill>
+                  <a:schemeClr val="tx1"/>
+                </a:solidFill>
+                <a:latin typeface="+mj-lt"/>
+                <a:ea typeface="+mn-ea"/>
+              </a:defRPr>
+            </a:lvl5pPr>
+            <a:lvl6pPr marL="2514600" indent="-228600" algn="l" rtl="0" fontAlgn="base">
+              <a:spcBef>
+                <a:spcPct val="20000"/>
+              </a:spcBef>
+              <a:spcAft>
+                <a:spcPct val="0"/>
+              </a:spcAft>
+              <a:buChar char="≫"/>
+              <a:defRPr kumimoji="1" sz="2000">
+                <a:solidFill>
+                  <a:schemeClr val="tx1"/>
+                </a:solidFill>
+                <a:latin typeface="Arial" charset="0"/>
+                <a:ea typeface="+mn-ea"/>
+              </a:defRPr>
+            </a:lvl6pPr>
+            <a:lvl7pPr marL="2971800" indent="-228600" algn="l" rtl="0" fontAlgn="base">
+              <a:spcBef>
+                <a:spcPct val="20000"/>
+              </a:spcBef>
+              <a:spcAft>
+                <a:spcPct val="0"/>
+              </a:spcAft>
+              <a:buChar char="≫"/>
+              <a:defRPr kumimoji="1" sz="2000">
+                <a:solidFill>
+                  <a:schemeClr val="tx1"/>
+                </a:solidFill>
+                <a:latin typeface="Arial" charset="0"/>
+                <a:ea typeface="+mn-ea"/>
+              </a:defRPr>
+            </a:lvl7pPr>
+            <a:lvl8pPr marL="3429000" indent="-228600" algn="l" rtl="0" fontAlgn="base">
+              <a:spcBef>
+                <a:spcPct val="20000"/>
+              </a:spcBef>
+              <a:spcAft>
+                <a:spcPct val="0"/>
+              </a:spcAft>
+              <a:buChar char="≫"/>
+              <a:defRPr kumimoji="1" sz="2000">
+                <a:solidFill>
+                  <a:schemeClr val="tx1"/>
+                </a:solidFill>
+                <a:latin typeface="Arial" charset="0"/>
+                <a:ea typeface="+mn-ea"/>
+              </a:defRPr>
+            </a:lvl8pPr>
+            <a:lvl9pPr marL="3886200" indent="-228600" algn="l" rtl="0" fontAlgn="base">
+              <a:spcBef>
+                <a:spcPct val="20000"/>
+              </a:spcBef>
+              <a:spcAft>
+                <a:spcPct val="0"/>
+              </a:spcAft>
+              <a:buChar char="≫"/>
+              <a:defRPr kumimoji="1" sz="2000">
+                <a:solidFill>
+                  <a:schemeClr val="tx1"/>
+                </a:solidFill>
+                <a:latin typeface="Arial" charset="0"/>
+                <a:ea typeface="+mn-ea"/>
+              </a:defRPr>
+            </a:lvl9pPr>
+          </a:lstStyle>
+          <a:p>
+            <a:pPr marL="457200" indent="-457200">
+              <a:buFont typeface="+mj-ea"/>
+              <a:buAutoNum type="circleNumDbPlain" startAt="2"/>
+            </a:pPr>
+            <a:r>
+              <a:rPr lang="en-US" altLang="ja-JP" b="1" kern="0" dirty="0" smtClean="0"/>
+              <a:t>File link function</a:t>
+            </a:r>
+            <a:endParaRPr lang="ja-JP" altLang="en-US" b="1" kern="0" dirty="0" smtClean="0"/>
+          </a:p>
+          <a:p>
+            <a:pPr lvl="1"/>
+            <a:r>
+              <a:rPr lang="en-US" altLang="ja-JP" kern="0" dirty="0" smtClean="0"/>
+              <a:t>Registers a link between the source files and the destination files.</a:t>
+            </a:r>
+            <a:endParaRPr lang="en-US" altLang="ja-JP" kern="0" dirty="0"/>
+          </a:p>
+          <a:p>
+            <a:pPr lvl="1"/>
+            <a:r>
+              <a:rPr lang="en-US" altLang="ja-JP" kern="0" dirty="0" smtClean="0"/>
+              <a:t>Registers an Operation and a Movement to check if the link destination files are working correctly.</a:t>
+            </a:r>
+            <a:endParaRPr lang="en-US" altLang="ja-JP" kern="0" dirty="0"/>
+          </a:p>
+          <a:p>
+            <a:pPr lvl="1"/>
+            <a:r>
+              <a:rPr lang="en-US" altLang="ja-JP" b="1" kern="0" dirty="0" smtClean="0">
+                <a:solidFill>
+                  <a:srgbClr val="FF0000"/>
+                </a:solidFill>
+              </a:rPr>
+              <a:t>Automatically updates the Link destination files when the Link source files are updated </a:t>
+            </a:r>
+            <a:r>
+              <a:rPr lang="en-US" altLang="ja-JP" kern="0" dirty="0" smtClean="0"/>
+              <a:t>and runs an Operation and Movement to check if they are working correctly.</a:t>
+            </a:r>
+            <a:endParaRPr lang="ja-JP" altLang="en-US" sz="1600" kern="0" dirty="0">
+              <a:solidFill>
+                <a:schemeClr val="bg1"/>
+              </a:solidFill>
+            </a:endParaRPr>
+          </a:p>
+        </p:txBody>
+      </p:sp>
     </p:spTree>
     <p:extLst>
       <p:ext uri="{BB962C8B-B14F-4D97-AF65-F5344CB8AC3E}">
@@ -10805,7 +15125,7 @@
             </a:r>
             <a:r>
               <a:rPr lang="en-US" altLang="ja-JP" dirty="0" smtClean="0"/>
-              <a:t>1/5</a:t>
+              <a:t>1/6</a:t>
             </a:r>
             <a:r>
               <a:rPr lang="ja-JP" altLang="en-US" dirty="0" smtClean="0"/>
@@ -11094,22 +15414,14 @@
             </a:r>
             <a:r>
               <a:rPr lang="en-US" altLang="ja-JP" sz="1600" dirty="0" smtClean="0"/>
-              <a:t>This menu manages the account information needed </a:t>
-            </a:r>
-            <a:r>
-              <a:rPr lang="en-US" altLang="ja-JP" sz="1600" dirty="0" smtClean="0"/>
-              <a:t>to</a:t>
+              <a:t>This menu manages the account information needed to</a:t>
             </a:r>
             <a:br>
               <a:rPr lang="en-US" altLang="ja-JP" sz="1600" dirty="0" smtClean="0"/>
             </a:br>
             <a:r>
               <a:rPr lang="en-US" altLang="ja-JP" sz="1600" dirty="0" smtClean="0"/>
-              <a:t>   access </a:t>
-            </a:r>
-            <a:r>
-              <a:rPr lang="en-US" altLang="ja-JP" sz="1600" dirty="0" smtClean="0"/>
-              <a:t>the cloned files with ITA’s RestAPI.</a:t>
+              <a:t>   access the cloned files with ITA’s RestAPI.</a:t>
             </a:r>
             <a:br>
               <a:rPr lang="en-US" altLang="ja-JP" sz="1600" dirty="0" smtClean="0"/>
@@ -11137,22 +15449,14 @@
             </a:r>
             <a:r>
               <a:rPr lang="en-US" altLang="ja-JP" sz="1600" dirty="0" smtClean="0"/>
-              <a:t>This menu manages the link information between </a:t>
-            </a:r>
-            <a:r>
-              <a:rPr lang="en-US" altLang="ja-JP" sz="1600" dirty="0" smtClean="0"/>
-              <a:t>the</a:t>
+              <a:t>This menu manages the link information between the</a:t>
             </a:r>
             <a:br>
               <a:rPr lang="en-US" altLang="ja-JP" sz="1600" dirty="0" smtClean="0"/>
             </a:br>
             <a:r>
               <a:rPr lang="en-US" altLang="ja-JP" sz="1600" dirty="0" smtClean="0"/>
-              <a:t>   source </a:t>
-            </a:r>
-            <a:r>
-              <a:rPr lang="en-US" altLang="ja-JP" sz="1600" dirty="0" smtClean="0"/>
-              <a:t>files and the cloned files.</a:t>
+              <a:t>   source files and the cloned files.</a:t>
             </a:r>
           </a:p>
         </p:txBody>
@@ -11491,7 +15795,7 @@
             </a:r>
             <a:r>
               <a:rPr lang="en-US" altLang="ja-JP" dirty="0" smtClean="0"/>
-              <a:t>2/5</a:t>
+              <a:t>2/6</a:t>
             </a:r>
             <a:r>
               <a:rPr lang="ja-JP" altLang="en-US" dirty="0" smtClean="0"/>
